--- a/Project 4 Goup1.pptx
+++ b/Project 4 Goup1.pptx
@@ -1,39 +1,46 @@
 
 <file path=ppt/presentation.xml><?xml version="1.0" encoding="utf-8"?>
-<p:presentation xmlns:a="http://schemas.openxmlformats.org/drawingml/2006/main" xmlns:r="http://schemas.openxmlformats.org/officeDocument/2006/relationships" xmlns:mc="http://schemas.openxmlformats.org/markup-compatibility/2006" xmlns:mv="urn:schemas-microsoft-com:mac:vml" xmlns:p="http://schemas.openxmlformats.org/presentationml/2006/main" xmlns:c="http://schemas.openxmlformats.org/drawingml/2006/chart" xmlns:dgm="http://schemas.openxmlformats.org/drawingml/2006/diagram" xmlns:o="urn:schemas-microsoft-com:office:office" xmlns:v="urn:schemas-microsoft-com:vml" xmlns:pvml="urn:schemas-microsoft-com:office:powerpoint" xmlns:com="http://schemas.openxmlformats.org/drawingml/2006/compatibility" xmlns:p14="http://schemas.microsoft.com/office/powerpoint/2010/main" xmlns:p15="http://schemas.microsoft.com/office/powerpoint/2012/main" autoCompressPictures="0" embedTrueTypeFonts="1" strictFirstAndLastChars="0" saveSubsetFonts="1">
+<p:presentation xmlns:a="http://schemas.openxmlformats.org/drawingml/2006/main" xmlns:r="http://schemas.openxmlformats.org/officeDocument/2006/relationships" xmlns:p="http://schemas.openxmlformats.org/presentationml/2006/main" strictFirstAndLastChars="0" embedTrueTypeFonts="1" saveSubsetFonts="1" autoCompressPictures="0">
   <p:sldMasterIdLst>
-    <p:sldMasterId id="2147483659" r:id="rId4"/>
+    <p:sldMasterId id="2147483659" r:id="rId1"/>
   </p:sldMasterIdLst>
   <p:notesMasterIdLst>
-    <p:notesMasterId r:id="rId5"/>
+    <p:notesMasterId r:id="rId10"/>
   </p:notesMasterIdLst>
   <p:sldIdLst>
-    <p:sldId id="256" r:id="rId6"/>
-    <p:sldId id="257" r:id="rId7"/>
-    <p:sldId id="258" r:id="rId8"/>
-    <p:sldId id="259" r:id="rId9"/>
-    <p:sldId id="260" r:id="rId10"/>
-    <p:sldId id="261" r:id="rId11"/>
-    <p:sldId id="262" r:id="rId12"/>
-    <p:sldId id="263" r:id="rId13"/>
+    <p:sldId id="256" r:id="rId2"/>
+    <p:sldId id="257" r:id="rId3"/>
+    <p:sldId id="258" r:id="rId4"/>
+    <p:sldId id="259" r:id="rId5"/>
+    <p:sldId id="260" r:id="rId6"/>
+    <p:sldId id="261" r:id="rId7"/>
+    <p:sldId id="262" r:id="rId8"/>
+    <p:sldId id="263" r:id="rId9"/>
   </p:sldIdLst>
-  <p:sldSz cy="5143500" cx="9144000"/>
+  <p:sldSz cx="9144000" cy="5143500" type="screen16x9"/>
   <p:notesSz cx="6858000" cy="9144000"/>
   <p:embeddedFontLst>
     <p:embeddedFont>
-      <p:font typeface="Proxima Nova"/>
-      <p:regular r:id="rId14"/>
-      <p:bold r:id="rId15"/>
-      <p:italic r:id="rId16"/>
-      <p:boldItalic r:id="rId17"/>
+      <p:font typeface="Alfa Slab One" pitchFamily="2" charset="77"/>
+      <p:regular r:id="rId11"/>
     </p:embeddedFont>
     <p:embeddedFont>
-      <p:font typeface="Alfa Slab One"/>
-      <p:regular r:id="rId18"/>
+      <p:font typeface="Georgia" panose="02040502050405020303" pitchFamily="18" charset="0"/>
+      <p:regular r:id="rId12"/>
+      <p:bold r:id="rId13"/>
+      <p:italic r:id="rId14"/>
+      <p:boldItalic r:id="rId15"/>
+    </p:embeddedFont>
+    <p:embeddedFont>
+      <p:font typeface="Proxima Nova" panose="02000506030000020004" pitchFamily="2" charset="0"/>
+      <p:regular r:id="rId16"/>
+      <p:bold r:id="rId17"/>
+      <p:italic r:id="rId18"/>
+      <p:boldItalic r:id="rId19"/>
     </p:embeddedFont>
   </p:embeddedFontLst>
   <p:defaultTextStyle>
-    <a:defPPr lvl="0" marR="0" rtl="0" algn="l">
+    <a:defPPr marR="0" lvl="0" algn="l" rtl="0">
       <a:lnSpc>
         <a:spcPct val="100000"/>
       </a:lnSpc>
@@ -44,7 +51,7 @@
         <a:spcPts val="0"/>
       </a:spcAft>
     </a:defPPr>
-    <a:lvl1pPr lvl="0" marR="0" rtl="0" algn="l">
+    <a:lvl1pPr marR="0" lvl="0" algn="l" rtl="0">
       <a:lnSpc>
         <a:spcPct val="100000"/>
       </a:lnSpc>
@@ -58,7 +65,7 @@
         <a:srgbClr val="000000"/>
       </a:buClr>
       <a:buFont typeface="Arial"/>
-      <a:defRPr b="0" i="0" sz="1400" u="none" cap="none" strike="noStrike">
+      <a:defRPr sz="1400" b="0" i="0" u="none" strike="noStrike" cap="none">
         <a:solidFill>
           <a:srgbClr val="000000"/>
         </a:solidFill>
@@ -68,7 +75,7 @@
         <a:sym typeface="Arial"/>
       </a:defRPr>
     </a:lvl1pPr>
-    <a:lvl2pPr lvl="1" marR="0" rtl="0" algn="l">
+    <a:lvl2pPr marR="0" lvl="1" algn="l" rtl="0">
       <a:lnSpc>
         <a:spcPct val="100000"/>
       </a:lnSpc>
@@ -82,7 +89,7 @@
         <a:srgbClr val="000000"/>
       </a:buClr>
       <a:buFont typeface="Arial"/>
-      <a:defRPr b="0" i="0" sz="1400" u="none" cap="none" strike="noStrike">
+      <a:defRPr sz="1400" b="0" i="0" u="none" strike="noStrike" cap="none">
         <a:solidFill>
           <a:srgbClr val="000000"/>
         </a:solidFill>
@@ -92,7 +99,7 @@
         <a:sym typeface="Arial"/>
       </a:defRPr>
     </a:lvl2pPr>
-    <a:lvl3pPr lvl="2" marR="0" rtl="0" algn="l">
+    <a:lvl3pPr marR="0" lvl="2" algn="l" rtl="0">
       <a:lnSpc>
         <a:spcPct val="100000"/>
       </a:lnSpc>
@@ -106,7 +113,7 @@
         <a:srgbClr val="000000"/>
       </a:buClr>
       <a:buFont typeface="Arial"/>
-      <a:defRPr b="0" i="0" sz="1400" u="none" cap="none" strike="noStrike">
+      <a:defRPr sz="1400" b="0" i="0" u="none" strike="noStrike" cap="none">
         <a:solidFill>
           <a:srgbClr val="000000"/>
         </a:solidFill>
@@ -116,7 +123,7 @@
         <a:sym typeface="Arial"/>
       </a:defRPr>
     </a:lvl3pPr>
-    <a:lvl4pPr lvl="3" marR="0" rtl="0" algn="l">
+    <a:lvl4pPr marR="0" lvl="3" algn="l" rtl="0">
       <a:lnSpc>
         <a:spcPct val="100000"/>
       </a:lnSpc>
@@ -130,7 +137,7 @@
         <a:srgbClr val="000000"/>
       </a:buClr>
       <a:buFont typeface="Arial"/>
-      <a:defRPr b="0" i="0" sz="1400" u="none" cap="none" strike="noStrike">
+      <a:defRPr sz="1400" b="0" i="0" u="none" strike="noStrike" cap="none">
         <a:solidFill>
           <a:srgbClr val="000000"/>
         </a:solidFill>
@@ -140,7 +147,7 @@
         <a:sym typeface="Arial"/>
       </a:defRPr>
     </a:lvl4pPr>
-    <a:lvl5pPr lvl="4" marR="0" rtl="0" algn="l">
+    <a:lvl5pPr marR="0" lvl="4" algn="l" rtl="0">
       <a:lnSpc>
         <a:spcPct val="100000"/>
       </a:lnSpc>
@@ -154,7 +161,7 @@
         <a:srgbClr val="000000"/>
       </a:buClr>
       <a:buFont typeface="Arial"/>
-      <a:defRPr b="0" i="0" sz="1400" u="none" cap="none" strike="noStrike">
+      <a:defRPr sz="1400" b="0" i="0" u="none" strike="noStrike" cap="none">
         <a:solidFill>
           <a:srgbClr val="000000"/>
         </a:solidFill>
@@ -164,7 +171,7 @@
         <a:sym typeface="Arial"/>
       </a:defRPr>
     </a:lvl5pPr>
-    <a:lvl6pPr lvl="5" marR="0" rtl="0" algn="l">
+    <a:lvl6pPr marR="0" lvl="5" algn="l" rtl="0">
       <a:lnSpc>
         <a:spcPct val="100000"/>
       </a:lnSpc>
@@ -178,7 +185,7 @@
         <a:srgbClr val="000000"/>
       </a:buClr>
       <a:buFont typeface="Arial"/>
-      <a:defRPr b="0" i="0" sz="1400" u="none" cap="none" strike="noStrike">
+      <a:defRPr sz="1400" b="0" i="0" u="none" strike="noStrike" cap="none">
         <a:solidFill>
           <a:srgbClr val="000000"/>
         </a:solidFill>
@@ -188,7 +195,7 @@
         <a:sym typeface="Arial"/>
       </a:defRPr>
     </a:lvl6pPr>
-    <a:lvl7pPr lvl="6" marR="0" rtl="0" algn="l">
+    <a:lvl7pPr marR="0" lvl="6" algn="l" rtl="0">
       <a:lnSpc>
         <a:spcPct val="100000"/>
       </a:lnSpc>
@@ -202,7 +209,7 @@
         <a:srgbClr val="000000"/>
       </a:buClr>
       <a:buFont typeface="Arial"/>
-      <a:defRPr b="0" i="0" sz="1400" u="none" cap="none" strike="noStrike">
+      <a:defRPr sz="1400" b="0" i="0" u="none" strike="noStrike" cap="none">
         <a:solidFill>
           <a:srgbClr val="000000"/>
         </a:solidFill>
@@ -212,7 +219,7 @@
         <a:sym typeface="Arial"/>
       </a:defRPr>
     </a:lvl7pPr>
-    <a:lvl8pPr lvl="7" marR="0" rtl="0" algn="l">
+    <a:lvl8pPr marR="0" lvl="7" algn="l" rtl="0">
       <a:lnSpc>
         <a:spcPct val="100000"/>
       </a:lnSpc>
@@ -226,7 +233,7 @@
         <a:srgbClr val="000000"/>
       </a:buClr>
       <a:buFont typeface="Arial"/>
-      <a:defRPr b="0" i="0" sz="1400" u="none" cap="none" strike="noStrike">
+      <a:defRPr sz="1400" b="0" i="0" u="none" strike="noStrike" cap="none">
         <a:solidFill>
           <a:srgbClr val="000000"/>
         </a:solidFill>
@@ -236,7 +243,7 @@
         <a:sym typeface="Arial"/>
       </a:defRPr>
     </a:lvl8pPr>
-    <a:lvl9pPr lvl="8" marR="0" rtl="0" algn="l">
+    <a:lvl9pPr marR="0" lvl="8" algn="l" rtl="0">
       <a:lnSpc>
         <a:spcPct val="100000"/>
       </a:lnSpc>
@@ -250,7 +257,7 @@
         <a:srgbClr val="000000"/>
       </a:buClr>
       <a:buFont typeface="Arial"/>
-      <a:defRPr b="0" i="0" sz="1400" u="none" cap="none" strike="noStrike">
+      <a:defRPr sz="1400" b="0" i="0" u="none" strike="noStrike" cap="none">
         <a:solidFill>
           <a:srgbClr val="000000"/>
         </a:solidFill>
@@ -263,7 +270,7 @@
   </p:defaultTextStyle>
   <p:extLst>
     <p:ext uri="{EFAFB233-063F-42B5-8137-9DF3F51BA10A}">
-      <p15:sldGuideLst>
+      <p15:sldGuideLst xmlns:p15="http://schemas.microsoft.com/office/powerpoint/2012/main">
         <p15:guide id="1" orient="horz" pos="1620">
           <p15:clr>
             <a:srgbClr val="A4A3A4"/>
@@ -281,11 +288,16 @@
 </file>
 
 <file path=ppt/notesMasters/notesMaster1.xml><?xml version="1.0" encoding="utf-8"?>
-<p:notesMaster xmlns:a="http://schemas.openxmlformats.org/drawingml/2006/main" xmlns:r="http://schemas.openxmlformats.org/officeDocument/2006/relationships" xmlns:mc="http://schemas.openxmlformats.org/markup-compatibility/2006" xmlns:mv="urn:schemas-microsoft-com:mac:vml" xmlns:p="http://schemas.openxmlformats.org/presentationml/2006/main" xmlns:c="http://schemas.openxmlformats.org/drawingml/2006/chart" xmlns:dgm="http://schemas.openxmlformats.org/drawingml/2006/diagram" xmlns:o="urn:schemas-microsoft-com:office:office" xmlns:v="urn:schemas-microsoft-com:vml" xmlns:pvml="urn:schemas-microsoft-com:office:powerpoint" xmlns:com="http://schemas.openxmlformats.org/drawingml/2006/compatibility" xmlns:p14="http://schemas.microsoft.com/office/powerpoint/2010/main" xmlns:p15="http://schemas.microsoft.com/office/powerpoint/2012/main">
+<p:notesMaster xmlns:a="http://schemas.openxmlformats.org/drawingml/2006/main" xmlns:r="http://schemas.openxmlformats.org/officeDocument/2006/relationships" xmlns:p="http://schemas.openxmlformats.org/presentationml/2006/main">
   <p:cSld>
+    <p:bg>
+      <p:bgRef idx="1001">
+        <a:schemeClr val="bg1"/>
+      </p:bgRef>
+    </p:bg>
     <p:spTree>
       <p:nvGrpSpPr>
-        <p:cNvPr id="2" name="Shape 2"/>
+        <p:cNvPr id="1" name="Shape 2"/>
         <p:cNvGrpSpPr/>
         <p:nvPr/>
       </p:nvGrpSpPr>
@@ -300,9 +312,11 @@
       <p:sp>
         <p:nvSpPr>
           <p:cNvPr id="3" name="Google Shape;3;n"/>
-          <p:cNvSpPr/>
+          <p:cNvSpPr>
+            <a:spLocks noGrp="1" noRot="1" noChangeAspect="1"/>
+          </p:cNvSpPr>
           <p:nvPr>
-            <p:ph idx="2" type="sldImg"/>
+            <p:ph type="sldImg" idx="2"/>
           </p:nvPr>
         </p:nvSpPr>
         <p:spPr>
@@ -311,9 +325,13 @@
             <a:ext cx="6096075" cy="3429000"/>
           </a:xfrm>
           <a:custGeom>
-            <a:rect b="b" l="l" r="r" t="t"/>
+            <a:avLst/>
+            <a:gdLst/>
+            <a:ahLst/>
+            <a:cxnLst/>
+            <a:rect l="l" t="t" r="r" b="b"/>
             <a:pathLst>
-              <a:path extrusionOk="0" h="120000" w="120000">
+              <a:path w="120000" h="120000" extrusionOk="0">
                 <a:moveTo>
                   <a:pt x="0" y="0"/>
                 </a:moveTo>
@@ -331,23 +349,25 @@
             </a:pathLst>
           </a:custGeom>
           <a:noFill/>
-          <a:ln cap="flat" cmpd="sng" w="9525">
+          <a:ln w="9525" cap="flat" cmpd="sng">
             <a:solidFill>
               <a:srgbClr val="000000"/>
             </a:solidFill>
             <a:prstDash val="solid"/>
             <a:round/>
-            <a:headEnd len="sm" w="sm" type="none"/>
-            <a:tailEnd len="sm" w="sm" type="none"/>
+            <a:headEnd type="none" w="sm" len="sm"/>
+            <a:tailEnd type="none" w="sm" len="sm"/>
           </a:ln>
         </p:spPr>
       </p:sp>
       <p:sp>
         <p:nvSpPr>
           <p:cNvPr id="4" name="Google Shape;4;n"/>
-          <p:cNvSpPr txBox="1"/>
+          <p:cNvSpPr txBox="1">
+            <a:spLocks noGrp="1"/>
+          </p:cNvSpPr>
           <p:nvPr>
-            <p:ph idx="1" type="body"/>
+            <p:ph type="body" idx="1"/>
           </p:nvPr>
         </p:nvSpPr>
         <p:spPr>
@@ -364,11 +384,11 @@
           </a:ln>
         </p:spPr>
         <p:txBody>
-          <a:bodyPr anchorCtr="0" anchor="t" bIns="91425" lIns="91425" spcFirstLastPara="1" rIns="91425" wrap="square" tIns="91425">
+          <a:bodyPr spcFirstLastPara="1" wrap="square" lIns="91425" tIns="91425" rIns="91425" bIns="91425" anchor="t" anchorCtr="0">
             <a:noAutofit/>
           </a:bodyPr>
           <a:lstStyle>
-            <a:lvl1pPr indent="-298450" lvl="0" marL="457200">
+            <a:lvl1pPr marL="457200" lvl="0" indent="-298450">
               <a:spcBef>
                 <a:spcPts val="0"/>
               </a:spcBef>
@@ -379,7 +399,7 @@
               <a:buChar char="●"/>
               <a:defRPr sz="1100"/>
             </a:lvl1pPr>
-            <a:lvl2pPr indent="-298450" lvl="1" marL="914400">
+            <a:lvl2pPr marL="914400" lvl="1" indent="-298450">
               <a:spcBef>
                 <a:spcPts val="0"/>
               </a:spcBef>
@@ -390,7 +410,7 @@
               <a:buChar char="○"/>
               <a:defRPr sz="1100"/>
             </a:lvl2pPr>
-            <a:lvl3pPr indent="-298450" lvl="2" marL="1371600">
+            <a:lvl3pPr marL="1371600" lvl="2" indent="-298450">
               <a:spcBef>
                 <a:spcPts val="0"/>
               </a:spcBef>
@@ -401,7 +421,7 @@
               <a:buChar char="■"/>
               <a:defRPr sz="1100"/>
             </a:lvl3pPr>
-            <a:lvl4pPr indent="-298450" lvl="3" marL="1828800">
+            <a:lvl4pPr marL="1828800" lvl="3" indent="-298450">
               <a:spcBef>
                 <a:spcPts val="0"/>
               </a:spcBef>
@@ -412,7 +432,7 @@
               <a:buChar char="●"/>
               <a:defRPr sz="1100"/>
             </a:lvl4pPr>
-            <a:lvl5pPr indent="-298450" lvl="4" marL="2286000">
+            <a:lvl5pPr marL="2286000" lvl="4" indent="-298450">
               <a:spcBef>
                 <a:spcPts val="0"/>
               </a:spcBef>
@@ -423,7 +443,7 @@
               <a:buChar char="○"/>
               <a:defRPr sz="1100"/>
             </a:lvl5pPr>
-            <a:lvl6pPr indent="-298450" lvl="5" marL="2743200">
+            <a:lvl6pPr marL="2743200" lvl="5" indent="-298450">
               <a:spcBef>
                 <a:spcPts val="0"/>
               </a:spcBef>
@@ -434,7 +454,7 @@
               <a:buChar char="■"/>
               <a:defRPr sz="1100"/>
             </a:lvl6pPr>
-            <a:lvl7pPr indent="-298450" lvl="6" marL="3200400">
+            <a:lvl7pPr marL="3200400" lvl="6" indent="-298450">
               <a:spcBef>
                 <a:spcPts val="0"/>
               </a:spcBef>
@@ -445,7 +465,7 @@
               <a:buChar char="●"/>
               <a:defRPr sz="1100"/>
             </a:lvl7pPr>
-            <a:lvl8pPr indent="-298450" lvl="7" marL="3657600">
+            <a:lvl8pPr marL="3657600" lvl="7" indent="-298450">
               <a:spcBef>
                 <a:spcPts val="0"/>
               </a:spcBef>
@@ -456,7 +476,7 @@
               <a:buChar char="○"/>
               <a:defRPr sz="1100"/>
             </a:lvl8pPr>
-            <a:lvl9pPr indent="-298450" lvl="8" marL="4114800">
+            <a:lvl9pPr marL="4114800" lvl="8" indent="-298450">
               <a:spcBef>
                 <a:spcPts val="0"/>
               </a:spcBef>
@@ -468,14 +488,16 @@
               <a:defRPr sz="1100"/>
             </a:lvl9pPr>
           </a:lstStyle>
-          <a:p/>
+          <a:p>
+            <a:endParaRPr/>
+          </a:p>
         </p:txBody>
       </p:sp>
     </p:spTree>
   </p:cSld>
-  <p:clrMap accent1="accent1" accent2="accent2" accent3="accent3" accent4="accent4" accent5="accent5" accent6="accent6" bg1="lt1" bg2="dk2" tx1="dk1" tx2="lt2" folHlink="folHlink" hlink="hlink"/>
+  <p:clrMap bg1="lt1" tx1="dk1" bg2="dk2" tx2="lt2" accent1="accent1" accent2="accent2" accent3="accent3" accent4="accent4" accent5="accent5" accent6="accent6" hlink="hlink" folHlink="folHlink"/>
   <p:notesStyle>
-    <a:defPPr lvl="0" marR="0" rtl="0" algn="l">
+    <a:defPPr marR="0" lvl="0" algn="l" rtl="0">
       <a:lnSpc>
         <a:spcPct val="100000"/>
       </a:lnSpc>
@@ -486,7 +508,7 @@
         <a:spcPts val="0"/>
       </a:spcAft>
     </a:defPPr>
-    <a:lvl1pPr lvl="0" marR="0" rtl="0" algn="l">
+    <a:lvl1pPr marR="0" lvl="0" algn="l" rtl="0">
       <a:lnSpc>
         <a:spcPct val="100000"/>
       </a:lnSpc>
@@ -500,7 +522,7 @@
         <a:srgbClr val="000000"/>
       </a:buClr>
       <a:buFont typeface="Arial"/>
-      <a:defRPr b="0" i="0" sz="1400" u="none" cap="none" strike="noStrike">
+      <a:defRPr sz="1400" b="0" i="0" u="none" strike="noStrike" cap="none">
         <a:solidFill>
           <a:srgbClr val="000000"/>
         </a:solidFill>
@@ -510,7 +532,7 @@
         <a:sym typeface="Arial"/>
       </a:defRPr>
     </a:lvl1pPr>
-    <a:lvl2pPr lvl="1" marR="0" rtl="0" algn="l">
+    <a:lvl2pPr marR="0" lvl="1" algn="l" rtl="0">
       <a:lnSpc>
         <a:spcPct val="100000"/>
       </a:lnSpc>
@@ -524,7 +546,7 @@
         <a:srgbClr val="000000"/>
       </a:buClr>
       <a:buFont typeface="Arial"/>
-      <a:defRPr b="0" i="0" sz="1400" u="none" cap="none" strike="noStrike">
+      <a:defRPr sz="1400" b="0" i="0" u="none" strike="noStrike" cap="none">
         <a:solidFill>
           <a:srgbClr val="000000"/>
         </a:solidFill>
@@ -534,7 +556,7 @@
         <a:sym typeface="Arial"/>
       </a:defRPr>
     </a:lvl2pPr>
-    <a:lvl3pPr lvl="2" marR="0" rtl="0" algn="l">
+    <a:lvl3pPr marR="0" lvl="2" algn="l" rtl="0">
       <a:lnSpc>
         <a:spcPct val="100000"/>
       </a:lnSpc>
@@ -548,7 +570,7 @@
         <a:srgbClr val="000000"/>
       </a:buClr>
       <a:buFont typeface="Arial"/>
-      <a:defRPr b="0" i="0" sz="1400" u="none" cap="none" strike="noStrike">
+      <a:defRPr sz="1400" b="0" i="0" u="none" strike="noStrike" cap="none">
         <a:solidFill>
           <a:srgbClr val="000000"/>
         </a:solidFill>
@@ -558,7 +580,7 @@
         <a:sym typeface="Arial"/>
       </a:defRPr>
     </a:lvl3pPr>
-    <a:lvl4pPr lvl="3" marR="0" rtl="0" algn="l">
+    <a:lvl4pPr marR="0" lvl="3" algn="l" rtl="0">
       <a:lnSpc>
         <a:spcPct val="100000"/>
       </a:lnSpc>
@@ -572,7 +594,7 @@
         <a:srgbClr val="000000"/>
       </a:buClr>
       <a:buFont typeface="Arial"/>
-      <a:defRPr b="0" i="0" sz="1400" u="none" cap="none" strike="noStrike">
+      <a:defRPr sz="1400" b="0" i="0" u="none" strike="noStrike" cap="none">
         <a:solidFill>
           <a:srgbClr val="000000"/>
         </a:solidFill>
@@ -582,7 +604,7 @@
         <a:sym typeface="Arial"/>
       </a:defRPr>
     </a:lvl4pPr>
-    <a:lvl5pPr lvl="4" marR="0" rtl="0" algn="l">
+    <a:lvl5pPr marR="0" lvl="4" algn="l" rtl="0">
       <a:lnSpc>
         <a:spcPct val="100000"/>
       </a:lnSpc>
@@ -596,7 +618,7 @@
         <a:srgbClr val="000000"/>
       </a:buClr>
       <a:buFont typeface="Arial"/>
-      <a:defRPr b="0" i="0" sz="1400" u="none" cap="none" strike="noStrike">
+      <a:defRPr sz="1400" b="0" i="0" u="none" strike="noStrike" cap="none">
         <a:solidFill>
           <a:srgbClr val="000000"/>
         </a:solidFill>
@@ -606,7 +628,7 @@
         <a:sym typeface="Arial"/>
       </a:defRPr>
     </a:lvl5pPr>
-    <a:lvl6pPr lvl="5" marR="0" rtl="0" algn="l">
+    <a:lvl6pPr marR="0" lvl="5" algn="l" rtl="0">
       <a:lnSpc>
         <a:spcPct val="100000"/>
       </a:lnSpc>
@@ -620,7 +642,7 @@
         <a:srgbClr val="000000"/>
       </a:buClr>
       <a:buFont typeface="Arial"/>
-      <a:defRPr b="0" i="0" sz="1400" u="none" cap="none" strike="noStrike">
+      <a:defRPr sz="1400" b="0" i="0" u="none" strike="noStrike" cap="none">
         <a:solidFill>
           <a:srgbClr val="000000"/>
         </a:solidFill>
@@ -630,7 +652,7 @@
         <a:sym typeface="Arial"/>
       </a:defRPr>
     </a:lvl6pPr>
-    <a:lvl7pPr lvl="6" marR="0" rtl="0" algn="l">
+    <a:lvl7pPr marR="0" lvl="6" algn="l" rtl="0">
       <a:lnSpc>
         <a:spcPct val="100000"/>
       </a:lnSpc>
@@ -644,7 +666,7 @@
         <a:srgbClr val="000000"/>
       </a:buClr>
       <a:buFont typeface="Arial"/>
-      <a:defRPr b="0" i="0" sz="1400" u="none" cap="none" strike="noStrike">
+      <a:defRPr sz="1400" b="0" i="0" u="none" strike="noStrike" cap="none">
         <a:solidFill>
           <a:srgbClr val="000000"/>
         </a:solidFill>
@@ -654,7 +676,7 @@
         <a:sym typeface="Arial"/>
       </a:defRPr>
     </a:lvl7pPr>
-    <a:lvl8pPr lvl="7" marR="0" rtl="0" algn="l">
+    <a:lvl8pPr marR="0" lvl="7" algn="l" rtl="0">
       <a:lnSpc>
         <a:spcPct val="100000"/>
       </a:lnSpc>
@@ -668,7 +690,7 @@
         <a:srgbClr val="000000"/>
       </a:buClr>
       <a:buFont typeface="Arial"/>
-      <a:defRPr b="0" i="0" sz="1400" u="none" cap="none" strike="noStrike">
+      <a:defRPr sz="1400" b="0" i="0" u="none" strike="noStrike" cap="none">
         <a:solidFill>
           <a:srgbClr val="000000"/>
         </a:solidFill>
@@ -678,7 +700,7 @@
         <a:sym typeface="Arial"/>
       </a:defRPr>
     </a:lvl8pPr>
-    <a:lvl9pPr lvl="8" marR="0" rtl="0" algn="l">
+    <a:lvl9pPr marR="0" lvl="8" algn="l" rtl="0">
       <a:lnSpc>
         <a:spcPct val="100000"/>
       </a:lnSpc>
@@ -692,7 +714,7 @@
         <a:srgbClr val="000000"/>
       </a:buClr>
       <a:buFont typeface="Arial"/>
-      <a:defRPr b="0" i="0" sz="1400" u="none" cap="none" strike="noStrike">
+      <a:defRPr sz="1400" b="0" i="0" u="none" strike="noStrike" cap="none">
         <a:solidFill>
           <a:srgbClr val="000000"/>
         </a:solidFill>
@@ -707,11 +729,11 @@
 </file>
 
 <file path=ppt/notesSlides/notesSlide1.xml><?xml version="1.0" encoding="utf-8"?>
-<p:notes xmlns:a="http://schemas.openxmlformats.org/drawingml/2006/main" xmlns:r="http://schemas.openxmlformats.org/officeDocument/2006/relationships" xmlns:mc="http://schemas.openxmlformats.org/markup-compatibility/2006" xmlns:mv="urn:schemas-microsoft-com:mac:vml" xmlns:p="http://schemas.openxmlformats.org/presentationml/2006/main" xmlns:c="http://schemas.openxmlformats.org/drawingml/2006/chart" xmlns:dgm="http://schemas.openxmlformats.org/drawingml/2006/diagram" xmlns:o="urn:schemas-microsoft-com:office:office" xmlns:v="urn:schemas-microsoft-com:vml" xmlns:pvml="urn:schemas-microsoft-com:office:powerpoint" xmlns:com="http://schemas.openxmlformats.org/drawingml/2006/compatibility" xmlns:p14="http://schemas.microsoft.com/office/powerpoint/2010/main" xmlns:p15="http://schemas.microsoft.com/office/powerpoint/2012/main" showMasterPhAnim="0" showMasterSp="0">
+<p:notes xmlns:a="http://schemas.openxmlformats.org/drawingml/2006/main" xmlns:r="http://schemas.openxmlformats.org/officeDocument/2006/relationships" xmlns:p="http://schemas.openxmlformats.org/presentationml/2006/main" showMasterSp="0" showMasterPhAnim="0">
   <p:cSld>
     <p:spTree>
       <p:nvGrpSpPr>
-        <p:cNvPr id="52" name="Shape 52"/>
+        <p:cNvPr id="1" name="Shape 52"/>
         <p:cNvGrpSpPr/>
         <p:nvPr/>
       </p:nvGrpSpPr>
@@ -726,9 +748,11 @@
       <p:sp>
         <p:nvSpPr>
           <p:cNvPr id="53" name="Google Shape;53;p:notes"/>
-          <p:cNvSpPr/>
+          <p:cNvSpPr>
+            <a:spLocks noGrp="1" noRot="1" noChangeAspect="1"/>
+          </p:cNvSpPr>
           <p:nvPr>
-            <p:ph idx="2" type="sldImg"/>
+            <p:ph type="sldImg" idx="2"/>
           </p:nvPr>
         </p:nvSpPr>
         <p:spPr>
@@ -737,9 +761,13 @@
             <a:ext cx="6096075" cy="3429000"/>
           </a:xfrm>
           <a:custGeom>
-            <a:rect b="b" l="l" r="r" t="t"/>
+            <a:avLst/>
+            <a:gdLst/>
+            <a:ahLst/>
+            <a:cxnLst/>
+            <a:rect l="l" t="t" r="r" b="b"/>
             <a:pathLst>
-              <a:path extrusionOk="0" h="120000" w="120000">
+              <a:path w="120000" h="120000" extrusionOk="0">
                 <a:moveTo>
                   <a:pt x="0" y="0"/>
                 </a:moveTo>
@@ -761,9 +789,11 @@
       <p:sp>
         <p:nvSpPr>
           <p:cNvPr id="54" name="Google Shape;54;p:notes"/>
-          <p:cNvSpPr txBox="1"/>
+          <p:cNvSpPr txBox="1">
+            <a:spLocks noGrp="1"/>
+          </p:cNvSpPr>
           <p:nvPr>
-            <p:ph idx="1" type="body"/>
+            <p:ph type="body" idx="1"/>
           </p:nvPr>
         </p:nvSpPr>
         <p:spPr>
@@ -776,12 +806,12 @@
           </a:prstGeom>
         </p:spPr>
         <p:txBody>
-          <a:bodyPr anchorCtr="0" anchor="t" bIns="91425" lIns="91425" spcFirstLastPara="1" rIns="91425" wrap="square" tIns="91425">
+          <a:bodyPr spcFirstLastPara="1" wrap="square" lIns="91425" tIns="91425" rIns="91425" bIns="91425" anchor="t" anchorCtr="0">
             <a:noAutofit/>
           </a:bodyPr>
           <a:lstStyle/>
           <a:p>
-            <a:pPr indent="0" lvl="0" marL="0" rtl="0" algn="l">
+            <a:pPr marL="0" lvl="0" indent="0" algn="l" rtl="0">
               <a:spcBef>
                 <a:spcPts val="0"/>
               </a:spcBef>
@@ -790,9 +820,6 @@
               </a:spcAft>
               <a:buNone/>
             </a:pPr>
-            <a:r>
-              <a:t/>
-            </a:r>
             <a:endParaRPr/>
           </a:p>
         </p:txBody>
@@ -806,11 +833,11 @@
 </file>
 
 <file path=ppt/notesSlides/notesSlide2.xml><?xml version="1.0" encoding="utf-8"?>
-<p:notes xmlns:a="http://schemas.openxmlformats.org/drawingml/2006/main" xmlns:r="http://schemas.openxmlformats.org/officeDocument/2006/relationships" xmlns:mc="http://schemas.openxmlformats.org/markup-compatibility/2006" xmlns:mv="urn:schemas-microsoft-com:mac:vml" xmlns:p="http://schemas.openxmlformats.org/presentationml/2006/main" xmlns:c="http://schemas.openxmlformats.org/drawingml/2006/chart" xmlns:dgm="http://schemas.openxmlformats.org/drawingml/2006/diagram" xmlns:o="urn:schemas-microsoft-com:office:office" xmlns:v="urn:schemas-microsoft-com:vml" xmlns:pvml="urn:schemas-microsoft-com:office:powerpoint" xmlns:com="http://schemas.openxmlformats.org/drawingml/2006/compatibility" xmlns:p14="http://schemas.microsoft.com/office/powerpoint/2010/main" xmlns:p15="http://schemas.microsoft.com/office/powerpoint/2012/main" showMasterPhAnim="0" showMasterSp="0">
+<p:notes xmlns:a="http://schemas.openxmlformats.org/drawingml/2006/main" xmlns:r="http://schemas.openxmlformats.org/officeDocument/2006/relationships" xmlns:p="http://schemas.openxmlformats.org/presentationml/2006/main" showMasterSp="0" showMasterPhAnim="0">
   <p:cSld>
     <p:spTree>
       <p:nvGrpSpPr>
-        <p:cNvPr id="58" name="Shape 58"/>
+        <p:cNvPr id="1" name="Shape 58"/>
         <p:cNvGrpSpPr/>
         <p:nvPr/>
       </p:nvGrpSpPr>
@@ -825,9 +852,11 @@
       <p:sp>
         <p:nvSpPr>
           <p:cNvPr id="59" name="Google Shape;59;g6b46441db9_0_230:notes"/>
-          <p:cNvSpPr/>
+          <p:cNvSpPr>
+            <a:spLocks noGrp="1" noRot="1" noChangeAspect="1"/>
+          </p:cNvSpPr>
           <p:nvPr>
-            <p:ph idx="2" type="sldImg"/>
+            <p:ph type="sldImg" idx="2"/>
           </p:nvPr>
         </p:nvSpPr>
         <p:spPr>
@@ -836,9 +865,13 @@
             <a:ext cx="6096000" cy="3429000"/>
           </a:xfrm>
           <a:custGeom>
-            <a:rect b="b" l="l" r="r" t="t"/>
+            <a:avLst/>
+            <a:gdLst/>
+            <a:ahLst/>
+            <a:cxnLst/>
+            <a:rect l="l" t="t" r="r" b="b"/>
             <a:pathLst>
-              <a:path extrusionOk="0" h="120000" w="120000">
+              <a:path w="120000" h="120000" extrusionOk="0">
                 <a:moveTo>
                   <a:pt x="0" y="0"/>
                 </a:moveTo>
@@ -860,9 +893,11 @@
       <p:sp>
         <p:nvSpPr>
           <p:cNvPr id="60" name="Google Shape;60;g6b46441db9_0_230:notes"/>
-          <p:cNvSpPr txBox="1"/>
+          <p:cNvSpPr txBox="1">
+            <a:spLocks noGrp="1"/>
+          </p:cNvSpPr>
           <p:nvPr>
-            <p:ph idx="1" type="body"/>
+            <p:ph type="body" idx="1"/>
           </p:nvPr>
         </p:nvSpPr>
         <p:spPr>
@@ -875,12 +910,12 @@
           </a:prstGeom>
         </p:spPr>
         <p:txBody>
-          <a:bodyPr anchorCtr="0" anchor="t" bIns="91425" lIns="91425" spcFirstLastPara="1" rIns="91425" wrap="square" tIns="91425">
+          <a:bodyPr spcFirstLastPara="1" wrap="square" lIns="91425" tIns="91425" rIns="91425" bIns="91425" anchor="t" anchorCtr="0">
             <a:noAutofit/>
           </a:bodyPr>
           <a:lstStyle/>
           <a:p>
-            <a:pPr indent="0" lvl="0" marL="0" rtl="0" algn="l">
+            <a:pPr marL="0" lvl="0" indent="0" algn="l" rtl="0">
               <a:spcBef>
                 <a:spcPts val="0"/>
               </a:spcBef>
@@ -889,9 +924,6 @@
               </a:spcAft>
               <a:buNone/>
             </a:pPr>
-            <a:r>
-              <a:t/>
-            </a:r>
             <a:endParaRPr/>
           </a:p>
         </p:txBody>
@@ -905,11 +937,11 @@
 </file>
 
 <file path=ppt/notesSlides/notesSlide3.xml><?xml version="1.0" encoding="utf-8"?>
-<p:notes xmlns:a="http://schemas.openxmlformats.org/drawingml/2006/main" xmlns:r="http://schemas.openxmlformats.org/officeDocument/2006/relationships" xmlns:mc="http://schemas.openxmlformats.org/markup-compatibility/2006" xmlns:mv="urn:schemas-microsoft-com:mac:vml" xmlns:p="http://schemas.openxmlformats.org/presentationml/2006/main" xmlns:c="http://schemas.openxmlformats.org/drawingml/2006/chart" xmlns:dgm="http://schemas.openxmlformats.org/drawingml/2006/diagram" xmlns:o="urn:schemas-microsoft-com:office:office" xmlns:v="urn:schemas-microsoft-com:vml" xmlns:pvml="urn:schemas-microsoft-com:office:powerpoint" xmlns:com="http://schemas.openxmlformats.org/drawingml/2006/compatibility" xmlns:p14="http://schemas.microsoft.com/office/powerpoint/2010/main" xmlns:p15="http://schemas.microsoft.com/office/powerpoint/2012/main" showMasterPhAnim="0" showMasterSp="0">
+<p:notes xmlns:a="http://schemas.openxmlformats.org/drawingml/2006/main" xmlns:r="http://schemas.openxmlformats.org/officeDocument/2006/relationships" xmlns:p="http://schemas.openxmlformats.org/presentationml/2006/main" showMasterSp="0" showMasterPhAnim="0">
   <p:cSld>
     <p:spTree>
       <p:nvGrpSpPr>
-        <p:cNvPr id="64" name="Shape 64"/>
+        <p:cNvPr id="1" name="Shape 64"/>
         <p:cNvGrpSpPr/>
         <p:nvPr/>
       </p:nvGrpSpPr>
@@ -924,9 +956,11 @@
       <p:sp>
         <p:nvSpPr>
           <p:cNvPr id="65" name="Google Shape;65;g6b46441db9_0_0:notes"/>
-          <p:cNvSpPr/>
+          <p:cNvSpPr>
+            <a:spLocks noGrp="1" noRot="1" noChangeAspect="1"/>
+          </p:cNvSpPr>
           <p:nvPr>
-            <p:ph idx="2" type="sldImg"/>
+            <p:ph type="sldImg" idx="2"/>
           </p:nvPr>
         </p:nvSpPr>
         <p:spPr>
@@ -935,9 +969,13 @@
             <a:ext cx="6096000" cy="3429000"/>
           </a:xfrm>
           <a:custGeom>
-            <a:rect b="b" l="l" r="r" t="t"/>
+            <a:avLst/>
+            <a:gdLst/>
+            <a:ahLst/>
+            <a:cxnLst/>
+            <a:rect l="l" t="t" r="r" b="b"/>
             <a:pathLst>
-              <a:path extrusionOk="0" h="120000" w="120000">
+              <a:path w="120000" h="120000" extrusionOk="0">
                 <a:moveTo>
                   <a:pt x="0" y="0"/>
                 </a:moveTo>
@@ -959,9 +997,11 @@
       <p:sp>
         <p:nvSpPr>
           <p:cNvPr id="66" name="Google Shape;66;g6b46441db9_0_0:notes"/>
-          <p:cNvSpPr txBox="1"/>
+          <p:cNvSpPr txBox="1">
+            <a:spLocks noGrp="1"/>
+          </p:cNvSpPr>
           <p:nvPr>
-            <p:ph idx="1" type="body"/>
+            <p:ph type="body" idx="1"/>
           </p:nvPr>
         </p:nvSpPr>
         <p:spPr>
@@ -974,12 +1014,12 @@
           </a:prstGeom>
         </p:spPr>
         <p:txBody>
-          <a:bodyPr anchorCtr="0" anchor="t" bIns="91425" lIns="91425" spcFirstLastPara="1" rIns="91425" wrap="square" tIns="91425">
+          <a:bodyPr spcFirstLastPara="1" wrap="square" lIns="91425" tIns="91425" rIns="91425" bIns="91425" anchor="t" anchorCtr="0">
             <a:noAutofit/>
           </a:bodyPr>
           <a:lstStyle/>
           <a:p>
-            <a:pPr indent="0" lvl="0" marL="0" rtl="0" algn="l">
+            <a:pPr marL="0" lvl="0" indent="0" algn="l" rtl="0">
               <a:spcBef>
                 <a:spcPts val="0"/>
               </a:spcBef>
@@ -988,9 +1028,6 @@
               </a:spcAft>
               <a:buNone/>
             </a:pPr>
-            <a:r>
-              <a:t/>
-            </a:r>
             <a:endParaRPr/>
           </a:p>
         </p:txBody>
@@ -1004,11 +1041,11 @@
 </file>
 
 <file path=ppt/notesSlides/notesSlide4.xml><?xml version="1.0" encoding="utf-8"?>
-<p:notes xmlns:a="http://schemas.openxmlformats.org/drawingml/2006/main" xmlns:r="http://schemas.openxmlformats.org/officeDocument/2006/relationships" xmlns:mc="http://schemas.openxmlformats.org/markup-compatibility/2006" xmlns:mv="urn:schemas-microsoft-com:mac:vml" xmlns:p="http://schemas.openxmlformats.org/presentationml/2006/main" xmlns:c="http://schemas.openxmlformats.org/drawingml/2006/chart" xmlns:dgm="http://schemas.openxmlformats.org/drawingml/2006/diagram" xmlns:o="urn:schemas-microsoft-com:office:office" xmlns:v="urn:schemas-microsoft-com:vml" xmlns:pvml="urn:schemas-microsoft-com:office:powerpoint" xmlns:com="http://schemas.openxmlformats.org/drawingml/2006/compatibility" xmlns:p14="http://schemas.microsoft.com/office/powerpoint/2010/main" xmlns:p15="http://schemas.microsoft.com/office/powerpoint/2012/main" showMasterPhAnim="0" showMasterSp="0">
+<p:notes xmlns:a="http://schemas.openxmlformats.org/drawingml/2006/main" xmlns:r="http://schemas.openxmlformats.org/officeDocument/2006/relationships" xmlns:p="http://schemas.openxmlformats.org/presentationml/2006/main" showMasterSp="0" showMasterPhAnim="0">
   <p:cSld>
     <p:spTree>
       <p:nvGrpSpPr>
-        <p:cNvPr id="71" name="Shape 71"/>
+        <p:cNvPr id="1" name="Shape 71"/>
         <p:cNvGrpSpPr/>
         <p:nvPr/>
       </p:nvGrpSpPr>
@@ -1023,9 +1060,11 @@
       <p:sp>
         <p:nvSpPr>
           <p:cNvPr id="72" name="Google Shape;72;g6b46441db9_0_10:notes"/>
-          <p:cNvSpPr/>
+          <p:cNvSpPr>
+            <a:spLocks noGrp="1" noRot="1" noChangeAspect="1"/>
+          </p:cNvSpPr>
           <p:nvPr>
-            <p:ph idx="2" type="sldImg"/>
+            <p:ph type="sldImg" idx="2"/>
           </p:nvPr>
         </p:nvSpPr>
         <p:spPr>
@@ -1034,9 +1073,13 @@
             <a:ext cx="6096000" cy="3429000"/>
           </a:xfrm>
           <a:custGeom>
-            <a:rect b="b" l="l" r="r" t="t"/>
+            <a:avLst/>
+            <a:gdLst/>
+            <a:ahLst/>
+            <a:cxnLst/>
+            <a:rect l="l" t="t" r="r" b="b"/>
             <a:pathLst>
-              <a:path extrusionOk="0" h="120000" w="120000">
+              <a:path w="120000" h="120000" extrusionOk="0">
                 <a:moveTo>
                   <a:pt x="0" y="0"/>
                 </a:moveTo>
@@ -1058,9 +1101,11 @@
       <p:sp>
         <p:nvSpPr>
           <p:cNvPr id="73" name="Google Shape;73;g6b46441db9_0_10:notes"/>
-          <p:cNvSpPr txBox="1"/>
+          <p:cNvSpPr txBox="1">
+            <a:spLocks noGrp="1"/>
+          </p:cNvSpPr>
           <p:nvPr>
-            <p:ph idx="1" type="body"/>
+            <p:ph type="body" idx="1"/>
           </p:nvPr>
         </p:nvSpPr>
         <p:spPr>
@@ -1073,12 +1118,12 @@
           </a:prstGeom>
         </p:spPr>
         <p:txBody>
-          <a:bodyPr anchorCtr="0" anchor="t" bIns="91425" lIns="91425" spcFirstLastPara="1" rIns="91425" wrap="square" tIns="91425">
+          <a:bodyPr spcFirstLastPara="1" wrap="square" lIns="91425" tIns="91425" rIns="91425" bIns="91425" anchor="t" anchorCtr="0">
             <a:noAutofit/>
           </a:bodyPr>
           <a:lstStyle/>
           <a:p>
-            <a:pPr indent="0" lvl="0" marL="0" rtl="0" algn="l">
+            <a:pPr marL="0" lvl="0" indent="0" algn="l" rtl="0">
               <a:spcBef>
                 <a:spcPts val="0"/>
               </a:spcBef>
@@ -1087,9 +1132,6 @@
               </a:spcAft>
               <a:buNone/>
             </a:pPr>
-            <a:r>
-              <a:t/>
-            </a:r>
             <a:endParaRPr/>
           </a:p>
         </p:txBody>
@@ -1103,11 +1145,11 @@
 </file>
 
 <file path=ppt/notesSlides/notesSlide5.xml><?xml version="1.0" encoding="utf-8"?>
-<p:notes xmlns:a="http://schemas.openxmlformats.org/drawingml/2006/main" xmlns:r="http://schemas.openxmlformats.org/officeDocument/2006/relationships" xmlns:mc="http://schemas.openxmlformats.org/markup-compatibility/2006" xmlns:mv="urn:schemas-microsoft-com:mac:vml" xmlns:p="http://schemas.openxmlformats.org/presentationml/2006/main" xmlns:c="http://schemas.openxmlformats.org/drawingml/2006/chart" xmlns:dgm="http://schemas.openxmlformats.org/drawingml/2006/diagram" xmlns:o="urn:schemas-microsoft-com:office:office" xmlns:v="urn:schemas-microsoft-com:vml" xmlns:pvml="urn:schemas-microsoft-com:office:powerpoint" xmlns:com="http://schemas.openxmlformats.org/drawingml/2006/compatibility" xmlns:p14="http://schemas.microsoft.com/office/powerpoint/2010/main" xmlns:p15="http://schemas.microsoft.com/office/powerpoint/2012/main" showMasterPhAnim="0" showMasterSp="0">
+<p:notes xmlns:a="http://schemas.openxmlformats.org/drawingml/2006/main" xmlns:r="http://schemas.openxmlformats.org/officeDocument/2006/relationships" xmlns:p="http://schemas.openxmlformats.org/presentationml/2006/main" showMasterSp="0" showMasterPhAnim="0">
   <p:cSld>
     <p:spTree>
       <p:nvGrpSpPr>
-        <p:cNvPr id="78" name="Shape 78"/>
+        <p:cNvPr id="1" name="Shape 78"/>
         <p:cNvGrpSpPr/>
         <p:nvPr/>
       </p:nvGrpSpPr>
@@ -1122,9 +1164,11 @@
       <p:sp>
         <p:nvSpPr>
           <p:cNvPr id="79" name="Google Shape;79;g6b46441db9_0_253:notes"/>
-          <p:cNvSpPr/>
+          <p:cNvSpPr>
+            <a:spLocks noGrp="1" noRot="1" noChangeAspect="1"/>
+          </p:cNvSpPr>
           <p:nvPr>
-            <p:ph idx="2" type="sldImg"/>
+            <p:ph type="sldImg" idx="2"/>
           </p:nvPr>
         </p:nvSpPr>
         <p:spPr>
@@ -1133,9 +1177,13 @@
             <a:ext cx="6096000" cy="3429000"/>
           </a:xfrm>
           <a:custGeom>
-            <a:rect b="b" l="l" r="r" t="t"/>
+            <a:avLst/>
+            <a:gdLst/>
+            <a:ahLst/>
+            <a:cxnLst/>
+            <a:rect l="l" t="t" r="r" b="b"/>
             <a:pathLst>
-              <a:path extrusionOk="0" h="120000" w="120000">
+              <a:path w="120000" h="120000" extrusionOk="0">
                 <a:moveTo>
                   <a:pt x="0" y="0"/>
                 </a:moveTo>
@@ -1157,9 +1205,11 @@
       <p:sp>
         <p:nvSpPr>
           <p:cNvPr id="80" name="Google Shape;80;g6b46441db9_0_253:notes"/>
-          <p:cNvSpPr txBox="1"/>
+          <p:cNvSpPr txBox="1">
+            <a:spLocks noGrp="1"/>
+          </p:cNvSpPr>
           <p:nvPr>
-            <p:ph idx="1" type="body"/>
+            <p:ph type="body" idx="1"/>
           </p:nvPr>
         </p:nvSpPr>
         <p:spPr>
@@ -1172,12 +1222,12 @@
           </a:prstGeom>
         </p:spPr>
         <p:txBody>
-          <a:bodyPr anchorCtr="0" anchor="t" bIns="91425" lIns="91425" spcFirstLastPara="1" rIns="91425" wrap="square" tIns="91425">
+          <a:bodyPr spcFirstLastPara="1" wrap="square" lIns="91425" tIns="91425" rIns="91425" bIns="91425" anchor="t" anchorCtr="0">
             <a:noAutofit/>
           </a:bodyPr>
           <a:lstStyle/>
           <a:p>
-            <a:pPr indent="0" lvl="0" marL="0" rtl="0" algn="l">
+            <a:pPr marL="0" lvl="0" indent="0" algn="l" rtl="0">
               <a:spcBef>
                 <a:spcPts val="0"/>
               </a:spcBef>
@@ -1186,9 +1236,6 @@
               </a:spcAft>
               <a:buNone/>
             </a:pPr>
-            <a:r>
-              <a:t/>
-            </a:r>
             <a:endParaRPr/>
           </a:p>
         </p:txBody>
@@ -1202,11 +1249,11 @@
 </file>
 
 <file path=ppt/notesSlides/notesSlide6.xml><?xml version="1.0" encoding="utf-8"?>
-<p:notes xmlns:a="http://schemas.openxmlformats.org/drawingml/2006/main" xmlns:r="http://schemas.openxmlformats.org/officeDocument/2006/relationships" xmlns:mc="http://schemas.openxmlformats.org/markup-compatibility/2006" xmlns:mv="urn:schemas-microsoft-com:mac:vml" xmlns:p="http://schemas.openxmlformats.org/presentationml/2006/main" xmlns:c="http://schemas.openxmlformats.org/drawingml/2006/chart" xmlns:dgm="http://schemas.openxmlformats.org/drawingml/2006/diagram" xmlns:o="urn:schemas-microsoft-com:office:office" xmlns:v="urn:schemas-microsoft-com:vml" xmlns:pvml="urn:schemas-microsoft-com:office:powerpoint" xmlns:com="http://schemas.openxmlformats.org/drawingml/2006/compatibility" xmlns:p14="http://schemas.microsoft.com/office/powerpoint/2010/main" xmlns:p15="http://schemas.microsoft.com/office/powerpoint/2012/main" showMasterPhAnim="0" showMasterSp="0">
+<p:notes xmlns:a="http://schemas.openxmlformats.org/drawingml/2006/main" xmlns:r="http://schemas.openxmlformats.org/officeDocument/2006/relationships" xmlns:p="http://schemas.openxmlformats.org/presentationml/2006/main" showMasterSp="0" showMasterPhAnim="0">
   <p:cSld>
     <p:spTree>
       <p:nvGrpSpPr>
-        <p:cNvPr id="86" name="Shape 86"/>
+        <p:cNvPr id="1" name="Shape 86"/>
         <p:cNvGrpSpPr/>
         <p:nvPr/>
       </p:nvGrpSpPr>
@@ -1221,9 +1268,11 @@
       <p:sp>
         <p:nvSpPr>
           <p:cNvPr id="87" name="Google Shape;87;g6b46441db9_0_5:notes"/>
-          <p:cNvSpPr/>
+          <p:cNvSpPr>
+            <a:spLocks noGrp="1" noRot="1" noChangeAspect="1"/>
+          </p:cNvSpPr>
           <p:nvPr>
-            <p:ph idx="2" type="sldImg"/>
+            <p:ph type="sldImg" idx="2"/>
           </p:nvPr>
         </p:nvSpPr>
         <p:spPr>
@@ -1232,9 +1281,13 @@
             <a:ext cx="6096000" cy="3429000"/>
           </a:xfrm>
           <a:custGeom>
-            <a:rect b="b" l="l" r="r" t="t"/>
+            <a:avLst/>
+            <a:gdLst/>
+            <a:ahLst/>
+            <a:cxnLst/>
+            <a:rect l="l" t="t" r="r" b="b"/>
             <a:pathLst>
-              <a:path extrusionOk="0" h="120000" w="120000">
+              <a:path w="120000" h="120000" extrusionOk="0">
                 <a:moveTo>
                   <a:pt x="0" y="0"/>
                 </a:moveTo>
@@ -1256,9 +1309,11 @@
       <p:sp>
         <p:nvSpPr>
           <p:cNvPr id="88" name="Google Shape;88;g6b46441db9_0_5:notes"/>
-          <p:cNvSpPr txBox="1"/>
+          <p:cNvSpPr txBox="1">
+            <a:spLocks noGrp="1"/>
+          </p:cNvSpPr>
           <p:nvPr>
-            <p:ph idx="1" type="body"/>
+            <p:ph type="body" idx="1"/>
           </p:nvPr>
         </p:nvSpPr>
         <p:spPr>
@@ -1271,12 +1326,12 @@
           </a:prstGeom>
         </p:spPr>
         <p:txBody>
-          <a:bodyPr anchorCtr="0" anchor="t" bIns="91425" lIns="91425" spcFirstLastPara="1" rIns="91425" wrap="square" tIns="91425">
+          <a:bodyPr spcFirstLastPara="1" wrap="square" lIns="91425" tIns="91425" rIns="91425" bIns="91425" anchor="t" anchorCtr="0">
             <a:noAutofit/>
           </a:bodyPr>
           <a:lstStyle/>
           <a:p>
-            <a:pPr indent="0" lvl="0" marL="0" rtl="0" algn="l">
+            <a:pPr marL="0" lvl="0" indent="0" algn="l" rtl="0">
               <a:spcBef>
                 <a:spcPts val="0"/>
               </a:spcBef>
@@ -1285,9 +1340,6 @@
               </a:spcAft>
               <a:buNone/>
             </a:pPr>
-            <a:r>
-              <a:t/>
-            </a:r>
             <a:endParaRPr/>
           </a:p>
         </p:txBody>
@@ -1301,11 +1353,11 @@
 </file>
 
 <file path=ppt/notesSlides/notesSlide7.xml><?xml version="1.0" encoding="utf-8"?>
-<p:notes xmlns:a="http://schemas.openxmlformats.org/drawingml/2006/main" xmlns:r="http://schemas.openxmlformats.org/officeDocument/2006/relationships" xmlns:mc="http://schemas.openxmlformats.org/markup-compatibility/2006" xmlns:mv="urn:schemas-microsoft-com:mac:vml" xmlns:p="http://schemas.openxmlformats.org/presentationml/2006/main" xmlns:c="http://schemas.openxmlformats.org/drawingml/2006/chart" xmlns:dgm="http://schemas.openxmlformats.org/drawingml/2006/diagram" xmlns:o="urn:schemas-microsoft-com:office:office" xmlns:v="urn:schemas-microsoft-com:vml" xmlns:pvml="urn:schemas-microsoft-com:office:powerpoint" xmlns:com="http://schemas.openxmlformats.org/drawingml/2006/compatibility" xmlns:p14="http://schemas.microsoft.com/office/powerpoint/2010/main" xmlns:p15="http://schemas.microsoft.com/office/powerpoint/2012/main" showMasterPhAnim="0" showMasterSp="0">
+<p:notes xmlns:a="http://schemas.openxmlformats.org/drawingml/2006/main" xmlns:r="http://schemas.openxmlformats.org/officeDocument/2006/relationships" xmlns:p="http://schemas.openxmlformats.org/presentationml/2006/main" showMasterSp="0" showMasterPhAnim="0">
   <p:cSld>
     <p:spTree>
       <p:nvGrpSpPr>
-        <p:cNvPr id="97" name="Shape 97"/>
+        <p:cNvPr id="1" name="Shape 97"/>
         <p:cNvGrpSpPr/>
         <p:nvPr/>
       </p:nvGrpSpPr>
@@ -1320,20 +1372,26 @@
       <p:sp>
         <p:nvSpPr>
           <p:cNvPr id="98" name="Google Shape;98;g6b46441db9_0_264:notes"/>
-          <p:cNvSpPr/>
+          <p:cNvSpPr>
+            <a:spLocks noGrp="1" noRot="1" noChangeAspect="1"/>
+          </p:cNvSpPr>
           <p:nvPr>
-            <p:ph idx="2" type="sldImg"/>
+            <p:ph type="sldImg" idx="2"/>
           </p:nvPr>
         </p:nvSpPr>
         <p:spPr>
           <a:xfrm>
-            <a:off x="381300" y="685800"/>
+            <a:off x="381000" y="685800"/>
             <a:ext cx="6096000" cy="3429000"/>
           </a:xfrm>
           <a:custGeom>
-            <a:rect b="b" l="l" r="r" t="t"/>
+            <a:avLst/>
+            <a:gdLst/>
+            <a:ahLst/>
+            <a:cxnLst/>
+            <a:rect l="l" t="t" r="r" b="b"/>
             <a:pathLst>
-              <a:path extrusionOk="0" h="120000" w="120000">
+              <a:path w="120000" h="120000" extrusionOk="0">
                 <a:moveTo>
                   <a:pt x="0" y="0"/>
                 </a:moveTo>
@@ -1355,9 +1413,11 @@
       <p:sp>
         <p:nvSpPr>
           <p:cNvPr id="99" name="Google Shape;99;g6b46441db9_0_264:notes"/>
-          <p:cNvSpPr txBox="1"/>
+          <p:cNvSpPr txBox="1">
+            <a:spLocks noGrp="1"/>
+          </p:cNvSpPr>
           <p:nvPr>
-            <p:ph idx="1" type="body"/>
+            <p:ph type="body" idx="1"/>
           </p:nvPr>
         </p:nvSpPr>
         <p:spPr>
@@ -1370,12 +1430,12 @@
           </a:prstGeom>
         </p:spPr>
         <p:txBody>
-          <a:bodyPr anchorCtr="0" anchor="t" bIns="91425" lIns="91425" spcFirstLastPara="1" rIns="91425" wrap="square" tIns="91425">
+          <a:bodyPr spcFirstLastPara="1" wrap="square" lIns="91425" tIns="91425" rIns="91425" bIns="91425" anchor="t" anchorCtr="0">
             <a:noAutofit/>
           </a:bodyPr>
           <a:lstStyle/>
           <a:p>
-            <a:pPr indent="0" lvl="0" marL="0" rtl="0" algn="l">
+            <a:pPr marL="0" lvl="0" indent="0" algn="l" rtl="0">
               <a:spcBef>
                 <a:spcPts val="0"/>
               </a:spcBef>
@@ -1384,9 +1444,6 @@
               </a:spcAft>
               <a:buNone/>
             </a:pPr>
-            <a:r>
-              <a:t/>
-            </a:r>
             <a:endParaRPr/>
           </a:p>
         </p:txBody>
@@ -1400,11 +1457,11 @@
 </file>
 
 <file path=ppt/notesSlides/notesSlide8.xml><?xml version="1.0" encoding="utf-8"?>
-<p:notes xmlns:a="http://schemas.openxmlformats.org/drawingml/2006/main" xmlns:r="http://schemas.openxmlformats.org/officeDocument/2006/relationships" xmlns:mc="http://schemas.openxmlformats.org/markup-compatibility/2006" xmlns:mv="urn:schemas-microsoft-com:mac:vml" xmlns:p="http://schemas.openxmlformats.org/presentationml/2006/main" xmlns:c="http://schemas.openxmlformats.org/drawingml/2006/chart" xmlns:dgm="http://schemas.openxmlformats.org/drawingml/2006/diagram" xmlns:o="urn:schemas-microsoft-com:office:office" xmlns:v="urn:schemas-microsoft-com:vml" xmlns:pvml="urn:schemas-microsoft-com:office:powerpoint" xmlns:com="http://schemas.openxmlformats.org/drawingml/2006/compatibility" xmlns:p14="http://schemas.microsoft.com/office/powerpoint/2010/main" xmlns:p15="http://schemas.microsoft.com/office/powerpoint/2012/main" showMasterPhAnim="0" showMasterSp="0">
+<p:notes xmlns:a="http://schemas.openxmlformats.org/drawingml/2006/main" xmlns:r="http://schemas.openxmlformats.org/officeDocument/2006/relationships" xmlns:p="http://schemas.openxmlformats.org/presentationml/2006/main" showMasterSp="0" showMasterPhAnim="0">
   <p:cSld>
     <p:spTree>
       <p:nvGrpSpPr>
-        <p:cNvPr id="103" name="Shape 103"/>
+        <p:cNvPr id="1" name="Shape 103"/>
         <p:cNvGrpSpPr/>
         <p:nvPr/>
       </p:nvGrpSpPr>
@@ -1419,9 +1476,11 @@
       <p:sp>
         <p:nvSpPr>
           <p:cNvPr id="104" name="Google Shape;104;g6b46441db9_0_235:notes"/>
-          <p:cNvSpPr/>
+          <p:cNvSpPr>
+            <a:spLocks noGrp="1" noRot="1" noChangeAspect="1"/>
+          </p:cNvSpPr>
           <p:nvPr>
-            <p:ph idx="2" type="sldImg"/>
+            <p:ph type="sldImg" idx="2"/>
           </p:nvPr>
         </p:nvSpPr>
         <p:spPr>
@@ -1430,9 +1489,13 @@
             <a:ext cx="6096000" cy="3429000"/>
           </a:xfrm>
           <a:custGeom>
-            <a:rect b="b" l="l" r="r" t="t"/>
+            <a:avLst/>
+            <a:gdLst/>
+            <a:ahLst/>
+            <a:cxnLst/>
+            <a:rect l="l" t="t" r="r" b="b"/>
             <a:pathLst>
-              <a:path extrusionOk="0" h="120000" w="120000">
+              <a:path w="120000" h="120000" extrusionOk="0">
                 <a:moveTo>
                   <a:pt x="0" y="0"/>
                 </a:moveTo>
@@ -1454,9 +1517,11 @@
       <p:sp>
         <p:nvSpPr>
           <p:cNvPr id="105" name="Google Shape;105;g6b46441db9_0_235:notes"/>
-          <p:cNvSpPr txBox="1"/>
+          <p:cNvSpPr txBox="1">
+            <a:spLocks noGrp="1"/>
+          </p:cNvSpPr>
           <p:nvPr>
-            <p:ph idx="1" type="body"/>
+            <p:ph type="body" idx="1"/>
           </p:nvPr>
         </p:nvSpPr>
         <p:spPr>
@@ -1469,12 +1534,12 @@
           </a:prstGeom>
         </p:spPr>
         <p:txBody>
-          <a:bodyPr anchorCtr="0" anchor="t" bIns="91425" lIns="91425" spcFirstLastPara="1" rIns="91425" wrap="square" tIns="91425">
+          <a:bodyPr spcFirstLastPara="1" wrap="square" lIns="91425" tIns="91425" rIns="91425" bIns="91425" anchor="t" anchorCtr="0">
             <a:noAutofit/>
           </a:bodyPr>
           <a:lstStyle/>
           <a:p>
-            <a:pPr indent="0" lvl="0" marL="0" rtl="0" algn="l">
+            <a:pPr marL="0" lvl="0" indent="0" algn="l" rtl="0">
               <a:spcBef>
                 <a:spcPts val="0"/>
               </a:spcBef>
@@ -1483,9 +1548,6 @@
               </a:spcAft>
               <a:buNone/>
             </a:pPr>
-            <a:r>
-              <a:t/>
-            </a:r>
             <a:endParaRPr/>
           </a:p>
         </p:txBody>
@@ -1499,11 +1561,11 @@
 </file>
 
 <file path=ppt/slideLayouts/slideLayout1.xml><?xml version="1.0" encoding="utf-8"?>
-<p:sldLayout xmlns:a="http://schemas.openxmlformats.org/drawingml/2006/main" xmlns:r="http://schemas.openxmlformats.org/officeDocument/2006/relationships" xmlns:mc="http://schemas.openxmlformats.org/markup-compatibility/2006" xmlns:mv="urn:schemas-microsoft-com:mac:vml" xmlns:p="http://schemas.openxmlformats.org/presentationml/2006/main" xmlns:c="http://schemas.openxmlformats.org/drawingml/2006/chart" xmlns:dgm="http://schemas.openxmlformats.org/drawingml/2006/diagram" xmlns:o="urn:schemas-microsoft-com:office:office" xmlns:v="urn:schemas-microsoft-com:vml" xmlns:pvml="urn:schemas-microsoft-com:office:powerpoint" xmlns:com="http://schemas.openxmlformats.org/drawingml/2006/compatibility" xmlns:p14="http://schemas.microsoft.com/office/powerpoint/2010/main" xmlns:p15="http://schemas.microsoft.com/office/powerpoint/2012/main" matchingName="Title slide" type="title">
+<p:sldLayout xmlns:a="http://schemas.openxmlformats.org/drawingml/2006/main" xmlns:r="http://schemas.openxmlformats.org/officeDocument/2006/relationships" xmlns:p="http://schemas.openxmlformats.org/presentationml/2006/main" matchingName="Title slide" type="title">
   <p:cSld name="TITLE">
     <p:spTree>
       <p:nvGrpSpPr>
-        <p:cNvPr id="9" name="Shape 9"/>
+        <p:cNvPr id="1" name="Shape 9"/>
         <p:cNvGrpSpPr/>
         <p:nvPr/>
       </p:nvGrpSpPr>
@@ -1530,21 +1592,23 @@
             <a:avLst/>
           </a:prstGeom>
           <a:noFill/>
-          <a:ln cap="flat" cmpd="sng" w="76200">
+          <a:ln w="76200" cap="flat" cmpd="sng">
             <a:solidFill>
               <a:schemeClr val="dk1"/>
             </a:solidFill>
             <a:prstDash val="solid"/>
             <a:round/>
-            <a:headEnd len="sm" w="sm" type="none"/>
-            <a:tailEnd len="sm" w="sm" type="none"/>
+            <a:headEnd type="none" w="sm" len="sm"/>
+            <a:tailEnd type="none" w="sm" len="sm"/>
           </a:ln>
         </p:spPr>
       </p:cxnSp>
       <p:sp>
         <p:nvSpPr>
           <p:cNvPr id="11" name="Google Shape;11;p2"/>
-          <p:cNvSpPr txBox="1"/>
+          <p:cNvSpPr txBox="1">
+            <a:spLocks noGrp="1"/>
+          </p:cNvSpPr>
           <p:nvPr>
             <p:ph type="ctrTitle"/>
           </p:nvPr>
@@ -1559,7 +1623,7 @@
           </a:prstGeom>
         </p:spPr>
         <p:txBody>
-          <a:bodyPr anchorCtr="0" anchor="b" bIns="91425" lIns="91425" spcFirstLastPara="1" rIns="91425" wrap="square" tIns="91425">
+          <a:bodyPr spcFirstLastPara="1" wrap="square" lIns="91425" tIns="91425" rIns="91425" bIns="91425" anchor="b" anchorCtr="0">
             <a:noAutofit/>
           </a:bodyPr>
           <a:lstStyle>
@@ -1663,15 +1727,19 @@
               <a:defRPr sz="5400"/>
             </a:lvl9pPr>
           </a:lstStyle>
-          <a:p/>
+          <a:p>
+            <a:endParaRPr/>
+          </a:p>
         </p:txBody>
       </p:sp>
       <p:sp>
         <p:nvSpPr>
           <p:cNvPr id="12" name="Google Shape;12;p2"/>
-          <p:cNvSpPr txBox="1"/>
+          <p:cNvSpPr txBox="1">
+            <a:spLocks noGrp="1"/>
+          </p:cNvSpPr>
           <p:nvPr>
-            <p:ph idx="1" type="subTitle"/>
+            <p:ph type="subTitle" idx="1"/>
           </p:nvPr>
         </p:nvSpPr>
         <p:spPr>
@@ -1684,7 +1752,7 @@
           </a:prstGeom>
         </p:spPr>
         <p:txBody>
-          <a:bodyPr anchorCtr="0" anchor="t" bIns="91425" lIns="91425" spcFirstLastPara="1" rIns="91425" wrap="square" tIns="91425">
+          <a:bodyPr spcFirstLastPara="1" wrap="square" lIns="91425" tIns="91425" rIns="91425" bIns="91425" anchor="t" anchorCtr="0">
             <a:noAutofit/>
           </a:bodyPr>
           <a:lstStyle>
@@ -1815,15 +1883,19 @@
               <a:defRPr sz="2400"/>
             </a:lvl9pPr>
           </a:lstStyle>
-          <a:p/>
+          <a:p>
+            <a:endParaRPr/>
+          </a:p>
         </p:txBody>
       </p:sp>
       <p:sp>
         <p:nvSpPr>
           <p:cNvPr id="13" name="Google Shape;13;p2"/>
-          <p:cNvSpPr txBox="1"/>
+          <p:cNvSpPr txBox="1">
+            <a:spLocks noGrp="1"/>
+          </p:cNvSpPr>
           <p:nvPr>
-            <p:ph idx="12" type="sldNum"/>
+            <p:ph type="sldNum" idx="12"/>
           </p:nvPr>
         </p:nvSpPr>
         <p:spPr>
@@ -1836,7 +1908,7 @@
           </a:prstGeom>
         </p:spPr>
         <p:txBody>
-          <a:bodyPr anchorCtr="0" anchor="ctr" bIns="91425" lIns="91425" spcFirstLastPara="1" rIns="91425" wrap="square" tIns="91425">
+          <a:bodyPr spcFirstLastPara="1" wrap="square" lIns="91425" tIns="91425" rIns="91425" bIns="91425" anchor="ctr" anchorCtr="0">
             <a:noAutofit/>
           </a:bodyPr>
           <a:lstStyle>
@@ -1878,7 +1950,7 @@
             </a:lvl9pPr>
           </a:lstStyle>
           <a:p>
-            <a:pPr indent="0" lvl="0" marL="0" rtl="0" algn="r">
+            <a:pPr marL="0" lvl="0" indent="0" algn="r" rtl="0">
               <a:spcBef>
                 <a:spcPts val="0"/>
               </a:spcBef>
@@ -1904,11 +1976,11 @@
 </file>
 
 <file path=ppt/slideLayouts/slideLayout10.xml><?xml version="1.0" encoding="utf-8"?>
-<p:sldLayout xmlns:a="http://schemas.openxmlformats.org/drawingml/2006/main" xmlns:r="http://schemas.openxmlformats.org/officeDocument/2006/relationships" xmlns:mc="http://schemas.openxmlformats.org/markup-compatibility/2006" xmlns:mv="urn:schemas-microsoft-com:mac:vml" xmlns:p="http://schemas.openxmlformats.org/presentationml/2006/main" xmlns:c="http://schemas.openxmlformats.org/drawingml/2006/chart" xmlns:dgm="http://schemas.openxmlformats.org/drawingml/2006/diagram" xmlns:o="urn:schemas-microsoft-com:office:office" xmlns:v="urn:schemas-microsoft-com:vml" xmlns:pvml="urn:schemas-microsoft-com:office:powerpoint" xmlns:com="http://schemas.openxmlformats.org/drawingml/2006/compatibility" xmlns:p14="http://schemas.microsoft.com/office/powerpoint/2010/main" xmlns:p15="http://schemas.microsoft.com/office/powerpoint/2012/main" matchingName="Big number">
+<p:sldLayout xmlns:a="http://schemas.openxmlformats.org/drawingml/2006/main" xmlns:r="http://schemas.openxmlformats.org/officeDocument/2006/relationships" xmlns:p="http://schemas.openxmlformats.org/presentationml/2006/main" matchingName="Big number">
   <p:cSld name="BIG_NUMBER">
     <p:spTree>
       <p:nvGrpSpPr>
-        <p:cNvPr id="46" name="Shape 46"/>
+        <p:cNvPr id="1" name="Shape 46"/>
         <p:cNvGrpSpPr/>
         <p:nvPr/>
       </p:nvGrpSpPr>
@@ -1923,9 +1995,11 @@
       <p:sp>
         <p:nvSpPr>
           <p:cNvPr id="47" name="Google Shape;47;p11"/>
-          <p:cNvSpPr txBox="1"/>
+          <p:cNvSpPr txBox="1">
+            <a:spLocks noGrp="1"/>
+          </p:cNvSpPr>
           <p:nvPr>
-            <p:ph hasCustomPrompt="1" type="title"/>
+            <p:ph type="title" hasCustomPrompt="1"/>
           </p:nvPr>
         </p:nvSpPr>
         <p:spPr>
@@ -1938,7 +2012,7 @@
           </a:prstGeom>
         </p:spPr>
         <p:txBody>
-          <a:bodyPr anchorCtr="0" anchor="ctr" bIns="91425" lIns="91425" spcFirstLastPara="1" rIns="91425" wrap="square" tIns="91425">
+          <a:bodyPr spcFirstLastPara="1" wrap="square" lIns="91425" tIns="91425" rIns="91425" bIns="91425" anchor="ctr" anchorCtr="0">
             <a:noAutofit/>
           </a:bodyPr>
           <a:lstStyle>
@@ -2115,9 +2189,11 @@
       <p:sp>
         <p:nvSpPr>
           <p:cNvPr id="48" name="Google Shape;48;p11"/>
-          <p:cNvSpPr txBox="1"/>
+          <p:cNvSpPr txBox="1">
+            <a:spLocks noGrp="1"/>
+          </p:cNvSpPr>
           <p:nvPr>
-            <p:ph idx="1" type="body"/>
+            <p:ph type="body" idx="1"/>
           </p:nvPr>
         </p:nvSpPr>
         <p:spPr>
@@ -2130,11 +2206,11 @@
           </a:prstGeom>
         </p:spPr>
         <p:txBody>
-          <a:bodyPr anchorCtr="0" anchor="t" bIns="91425" lIns="91425" spcFirstLastPara="1" rIns="91425" wrap="square" tIns="91425">
+          <a:bodyPr spcFirstLastPara="1" wrap="square" lIns="91425" tIns="91425" rIns="91425" bIns="91425" anchor="t" anchorCtr="0">
             <a:noAutofit/>
           </a:bodyPr>
           <a:lstStyle>
-            <a:lvl1pPr indent="-342900" lvl="0" marL="457200" algn="ctr">
+            <a:lvl1pPr marL="457200" lvl="0" indent="-342900" algn="ctr">
               <a:spcBef>
                 <a:spcPts val="0"/>
               </a:spcBef>
@@ -2145,7 +2221,7 @@
               <a:buChar char="●"/>
               <a:defRPr/>
             </a:lvl1pPr>
-            <a:lvl2pPr indent="-317500" lvl="1" marL="914400" algn="ctr">
+            <a:lvl2pPr marL="914400" lvl="1" indent="-317500" algn="ctr">
               <a:spcBef>
                 <a:spcPts val="1600"/>
               </a:spcBef>
@@ -2156,7 +2232,7 @@
               <a:buChar char="○"/>
               <a:defRPr/>
             </a:lvl2pPr>
-            <a:lvl3pPr indent="-317500" lvl="2" marL="1371600" algn="ctr">
+            <a:lvl3pPr marL="1371600" lvl="2" indent="-317500" algn="ctr">
               <a:spcBef>
                 <a:spcPts val="1600"/>
               </a:spcBef>
@@ -2167,7 +2243,7 @@
               <a:buChar char="■"/>
               <a:defRPr/>
             </a:lvl3pPr>
-            <a:lvl4pPr indent="-317500" lvl="3" marL="1828800" algn="ctr">
+            <a:lvl4pPr marL="1828800" lvl="3" indent="-317500" algn="ctr">
               <a:spcBef>
                 <a:spcPts val="1600"/>
               </a:spcBef>
@@ -2178,7 +2254,7 @@
               <a:buChar char="●"/>
               <a:defRPr/>
             </a:lvl4pPr>
-            <a:lvl5pPr indent="-317500" lvl="4" marL="2286000" algn="ctr">
+            <a:lvl5pPr marL="2286000" lvl="4" indent="-317500" algn="ctr">
               <a:spcBef>
                 <a:spcPts val="1600"/>
               </a:spcBef>
@@ -2189,7 +2265,7 @@
               <a:buChar char="○"/>
               <a:defRPr/>
             </a:lvl5pPr>
-            <a:lvl6pPr indent="-317500" lvl="5" marL="2743200" algn="ctr">
+            <a:lvl6pPr marL="2743200" lvl="5" indent="-317500" algn="ctr">
               <a:spcBef>
                 <a:spcPts val="1600"/>
               </a:spcBef>
@@ -2200,7 +2276,7 @@
               <a:buChar char="■"/>
               <a:defRPr/>
             </a:lvl6pPr>
-            <a:lvl7pPr indent="-317500" lvl="6" marL="3200400" algn="ctr">
+            <a:lvl7pPr marL="3200400" lvl="6" indent="-317500" algn="ctr">
               <a:spcBef>
                 <a:spcPts val="1600"/>
               </a:spcBef>
@@ -2211,7 +2287,7 @@
               <a:buChar char="●"/>
               <a:defRPr/>
             </a:lvl7pPr>
-            <a:lvl8pPr indent="-317500" lvl="7" marL="3657600" algn="ctr">
+            <a:lvl8pPr marL="3657600" lvl="7" indent="-317500" algn="ctr">
               <a:spcBef>
                 <a:spcPts val="1600"/>
               </a:spcBef>
@@ -2222,7 +2298,7 @@
               <a:buChar char="○"/>
               <a:defRPr/>
             </a:lvl8pPr>
-            <a:lvl9pPr indent="-317500" lvl="8" marL="4114800" algn="ctr">
+            <a:lvl9pPr marL="4114800" lvl="8" indent="-317500" algn="ctr">
               <a:spcBef>
                 <a:spcPts val="1600"/>
               </a:spcBef>
@@ -2234,15 +2310,19 @@
               <a:defRPr/>
             </a:lvl9pPr>
           </a:lstStyle>
-          <a:p/>
+          <a:p>
+            <a:endParaRPr/>
+          </a:p>
         </p:txBody>
       </p:sp>
       <p:sp>
         <p:nvSpPr>
           <p:cNvPr id="49" name="Google Shape;49;p11"/>
-          <p:cNvSpPr txBox="1"/>
+          <p:cNvSpPr txBox="1">
+            <a:spLocks noGrp="1"/>
+          </p:cNvSpPr>
           <p:nvPr>
-            <p:ph idx="12" type="sldNum"/>
+            <p:ph type="sldNum" idx="12"/>
           </p:nvPr>
         </p:nvSpPr>
         <p:spPr>
@@ -2255,7 +2335,7 @@
           </a:prstGeom>
         </p:spPr>
         <p:txBody>
-          <a:bodyPr anchorCtr="0" anchor="ctr" bIns="91425" lIns="91425" spcFirstLastPara="1" rIns="91425" wrap="square" tIns="91425">
+          <a:bodyPr spcFirstLastPara="1" wrap="square" lIns="91425" tIns="91425" rIns="91425" bIns="91425" anchor="ctr" anchorCtr="0">
             <a:noAutofit/>
           </a:bodyPr>
           <a:lstStyle>
@@ -2297,7 +2377,7 @@
             </a:lvl9pPr>
           </a:lstStyle>
           <a:p>
-            <a:pPr indent="0" lvl="0" marL="0" rtl="0" algn="r">
+            <a:pPr marL="0" lvl="0" indent="0" algn="r" rtl="0">
               <a:spcBef>
                 <a:spcPts val="0"/>
               </a:spcBef>
@@ -2323,11 +2403,11 @@
 </file>
 
 <file path=ppt/slideLayouts/slideLayout11.xml><?xml version="1.0" encoding="utf-8"?>
-<p:sldLayout xmlns:a="http://schemas.openxmlformats.org/drawingml/2006/main" xmlns:r="http://schemas.openxmlformats.org/officeDocument/2006/relationships" xmlns:mc="http://schemas.openxmlformats.org/markup-compatibility/2006" xmlns:mv="urn:schemas-microsoft-com:mac:vml" xmlns:p="http://schemas.openxmlformats.org/presentationml/2006/main" xmlns:c="http://schemas.openxmlformats.org/drawingml/2006/chart" xmlns:dgm="http://schemas.openxmlformats.org/drawingml/2006/diagram" xmlns:o="urn:schemas-microsoft-com:office:office" xmlns:v="urn:schemas-microsoft-com:vml" xmlns:pvml="urn:schemas-microsoft-com:office:powerpoint" xmlns:com="http://schemas.openxmlformats.org/drawingml/2006/compatibility" xmlns:p14="http://schemas.microsoft.com/office/powerpoint/2010/main" xmlns:p15="http://schemas.microsoft.com/office/powerpoint/2012/main" matchingName="Blank" type="blank">
+<p:sldLayout xmlns:a="http://schemas.openxmlformats.org/drawingml/2006/main" xmlns:r="http://schemas.openxmlformats.org/officeDocument/2006/relationships" xmlns:p="http://schemas.openxmlformats.org/presentationml/2006/main" matchingName="Blank" type="blank">
   <p:cSld name="BLANK">
     <p:spTree>
       <p:nvGrpSpPr>
-        <p:cNvPr id="50" name="Shape 50"/>
+        <p:cNvPr id="1" name="Shape 50"/>
         <p:cNvGrpSpPr/>
         <p:nvPr/>
       </p:nvGrpSpPr>
@@ -2342,9 +2422,11 @@
       <p:sp>
         <p:nvSpPr>
           <p:cNvPr id="51" name="Google Shape;51;p12"/>
-          <p:cNvSpPr txBox="1"/>
+          <p:cNvSpPr txBox="1">
+            <a:spLocks noGrp="1"/>
+          </p:cNvSpPr>
           <p:nvPr>
-            <p:ph idx="12" type="sldNum"/>
+            <p:ph type="sldNum" idx="12"/>
           </p:nvPr>
         </p:nvSpPr>
         <p:spPr>
@@ -2357,7 +2439,7 @@
           </a:prstGeom>
         </p:spPr>
         <p:txBody>
-          <a:bodyPr anchorCtr="0" anchor="ctr" bIns="91425" lIns="91425" spcFirstLastPara="1" rIns="91425" wrap="square" tIns="91425">
+          <a:bodyPr spcFirstLastPara="1" wrap="square" lIns="91425" tIns="91425" rIns="91425" bIns="91425" anchor="ctr" anchorCtr="0">
             <a:noAutofit/>
           </a:bodyPr>
           <a:lstStyle>
@@ -2399,7 +2481,7 @@
             </a:lvl9pPr>
           </a:lstStyle>
           <a:p>
-            <a:pPr indent="0" lvl="0" marL="0" rtl="0" algn="r">
+            <a:pPr marL="0" lvl="0" indent="0" algn="r" rtl="0">
               <a:spcBef>
                 <a:spcPts val="0"/>
               </a:spcBef>
@@ -2425,18 +2507,19 @@
 </file>
 
 <file path=ppt/slideLayouts/slideLayout2.xml><?xml version="1.0" encoding="utf-8"?>
-<p:sldLayout xmlns:a="http://schemas.openxmlformats.org/drawingml/2006/main" xmlns:r="http://schemas.openxmlformats.org/officeDocument/2006/relationships" xmlns:mc="http://schemas.openxmlformats.org/markup-compatibility/2006" xmlns:mv="urn:schemas-microsoft-com:mac:vml" xmlns:p="http://schemas.openxmlformats.org/presentationml/2006/main" xmlns:c="http://schemas.openxmlformats.org/drawingml/2006/chart" xmlns:dgm="http://schemas.openxmlformats.org/drawingml/2006/diagram" xmlns:o="urn:schemas-microsoft-com:office:office" xmlns:v="urn:schemas-microsoft-com:vml" xmlns:pvml="urn:schemas-microsoft-com:office:powerpoint" xmlns:com="http://schemas.openxmlformats.org/drawingml/2006/compatibility" xmlns:p14="http://schemas.microsoft.com/office/powerpoint/2010/main" xmlns:p15="http://schemas.microsoft.com/office/powerpoint/2012/main" matchingName="Section header" type="secHead">
+<p:sldLayout xmlns:a="http://schemas.openxmlformats.org/drawingml/2006/main" xmlns:r="http://schemas.openxmlformats.org/officeDocument/2006/relationships" xmlns:p="http://schemas.openxmlformats.org/presentationml/2006/main" matchingName="Section header" type="secHead">
   <p:cSld name="SECTION_HEADER">
     <p:bg>
       <p:bgPr>
         <a:solidFill>
           <a:schemeClr val="dk1"/>
         </a:solidFill>
+        <a:effectLst/>
       </p:bgPr>
     </p:bg>
     <p:spTree>
       <p:nvGrpSpPr>
-        <p:cNvPr id="14" name="Shape 14"/>
+        <p:cNvPr id="1" name="Shape 14"/>
         <p:cNvGrpSpPr/>
         <p:nvPr/>
       </p:nvGrpSpPr>
@@ -2451,7 +2534,9 @@
       <p:sp>
         <p:nvSpPr>
           <p:cNvPr id="15" name="Google Shape;15;p3"/>
-          <p:cNvSpPr txBox="1"/>
+          <p:cNvSpPr txBox="1">
+            <a:spLocks noGrp="1"/>
+          </p:cNvSpPr>
           <p:nvPr>
             <p:ph type="title"/>
           </p:nvPr>
@@ -2466,7 +2551,7 @@
           </a:prstGeom>
         </p:spPr>
         <p:txBody>
-          <a:bodyPr anchorCtr="0" anchor="b" bIns="91425" lIns="91425" spcFirstLastPara="1" rIns="91425" wrap="square" tIns="91425">
+          <a:bodyPr spcFirstLastPara="1" wrap="square" lIns="91425" tIns="91425" rIns="91425" bIns="91425" anchor="b" anchorCtr="0">
             <a:noAutofit/>
           </a:bodyPr>
           <a:lstStyle>
@@ -2633,15 +2718,19 @@
               </a:defRPr>
             </a:lvl9pPr>
           </a:lstStyle>
-          <a:p/>
+          <a:p>
+            <a:endParaRPr/>
+          </a:p>
         </p:txBody>
       </p:sp>
       <p:sp>
         <p:nvSpPr>
           <p:cNvPr id="16" name="Google Shape;16;p3"/>
-          <p:cNvSpPr txBox="1"/>
+          <p:cNvSpPr txBox="1">
+            <a:spLocks noGrp="1"/>
+          </p:cNvSpPr>
           <p:nvPr>
-            <p:ph idx="12" type="sldNum"/>
+            <p:ph type="sldNum" idx="12"/>
           </p:nvPr>
         </p:nvSpPr>
         <p:spPr>
@@ -2654,7 +2743,7 @@
           </a:prstGeom>
         </p:spPr>
         <p:txBody>
-          <a:bodyPr anchorCtr="0" anchor="ctr" bIns="91425" lIns="91425" spcFirstLastPara="1" rIns="91425" wrap="square" tIns="91425">
+          <a:bodyPr spcFirstLastPara="1" wrap="square" lIns="91425" tIns="91425" rIns="91425" bIns="91425" anchor="ctr" anchorCtr="0">
             <a:noAutofit/>
           </a:bodyPr>
           <a:lstStyle>
@@ -2732,7 +2821,7 @@
             </a:lvl9pPr>
           </a:lstStyle>
           <a:p>
-            <a:pPr indent="0" lvl="0" marL="0" rtl="0" algn="r">
+            <a:pPr marL="0" lvl="0" indent="0" algn="r" rtl="0">
               <a:spcBef>
                 <a:spcPts val="0"/>
               </a:spcBef>
@@ -2758,11 +2847,11 @@
 </file>
 
 <file path=ppt/slideLayouts/slideLayout3.xml><?xml version="1.0" encoding="utf-8"?>
-<p:sldLayout xmlns:a="http://schemas.openxmlformats.org/drawingml/2006/main" xmlns:r="http://schemas.openxmlformats.org/officeDocument/2006/relationships" xmlns:mc="http://schemas.openxmlformats.org/markup-compatibility/2006" xmlns:mv="urn:schemas-microsoft-com:mac:vml" xmlns:p="http://schemas.openxmlformats.org/presentationml/2006/main" xmlns:c="http://schemas.openxmlformats.org/drawingml/2006/chart" xmlns:dgm="http://schemas.openxmlformats.org/drawingml/2006/diagram" xmlns:o="urn:schemas-microsoft-com:office:office" xmlns:v="urn:schemas-microsoft-com:vml" xmlns:pvml="urn:schemas-microsoft-com:office:powerpoint" xmlns:com="http://schemas.openxmlformats.org/drawingml/2006/compatibility" xmlns:p14="http://schemas.microsoft.com/office/powerpoint/2010/main" xmlns:p15="http://schemas.microsoft.com/office/powerpoint/2012/main" matchingName="Title and body" type="tx">
+<p:sldLayout xmlns:a="http://schemas.openxmlformats.org/drawingml/2006/main" xmlns:r="http://schemas.openxmlformats.org/officeDocument/2006/relationships" xmlns:p="http://schemas.openxmlformats.org/presentationml/2006/main" matchingName="Title and body" type="tx">
   <p:cSld name="TITLE_AND_BODY">
     <p:spTree>
       <p:nvGrpSpPr>
-        <p:cNvPr id="17" name="Shape 17"/>
+        <p:cNvPr id="1" name="Shape 17"/>
         <p:cNvGrpSpPr/>
         <p:nvPr/>
       </p:nvGrpSpPr>
@@ -2777,7 +2866,9 @@
       <p:sp>
         <p:nvSpPr>
           <p:cNvPr id="18" name="Google Shape;18;p4"/>
-          <p:cNvSpPr txBox="1"/>
+          <p:cNvSpPr txBox="1">
+            <a:spLocks noGrp="1"/>
+          </p:cNvSpPr>
           <p:nvPr>
             <p:ph type="title"/>
           </p:nvPr>
@@ -2792,7 +2883,7 @@
           </a:prstGeom>
         </p:spPr>
         <p:txBody>
-          <a:bodyPr anchorCtr="0" anchor="t" bIns="91425" lIns="91425" spcFirstLastPara="1" rIns="91425" wrap="square" tIns="91425">
+          <a:bodyPr spcFirstLastPara="1" wrap="square" lIns="91425" tIns="91425" rIns="91425" bIns="91425" anchor="t" anchorCtr="0">
             <a:noAutofit/>
           </a:bodyPr>
           <a:lstStyle>
@@ -2896,15 +2987,19 @@
               <a:defRPr/>
             </a:lvl9pPr>
           </a:lstStyle>
-          <a:p/>
+          <a:p>
+            <a:endParaRPr/>
+          </a:p>
         </p:txBody>
       </p:sp>
       <p:sp>
         <p:nvSpPr>
           <p:cNvPr id="19" name="Google Shape;19;p4"/>
-          <p:cNvSpPr txBox="1"/>
+          <p:cNvSpPr txBox="1">
+            <a:spLocks noGrp="1"/>
+          </p:cNvSpPr>
           <p:nvPr>
-            <p:ph idx="1" type="body"/>
+            <p:ph type="body" idx="1"/>
           </p:nvPr>
         </p:nvSpPr>
         <p:spPr>
@@ -2917,11 +3012,11 @@
           </a:prstGeom>
         </p:spPr>
         <p:txBody>
-          <a:bodyPr anchorCtr="0" anchor="t" bIns="91425" lIns="91425" spcFirstLastPara="1" rIns="91425" wrap="square" tIns="91425">
+          <a:bodyPr spcFirstLastPara="1" wrap="square" lIns="91425" tIns="91425" rIns="91425" bIns="91425" anchor="t" anchorCtr="0">
             <a:noAutofit/>
           </a:bodyPr>
           <a:lstStyle>
-            <a:lvl1pPr indent="-342900" lvl="0" marL="457200">
+            <a:lvl1pPr marL="457200" lvl="0" indent="-342900">
               <a:spcBef>
                 <a:spcPts val="0"/>
               </a:spcBef>
@@ -2932,7 +3027,7 @@
               <a:buChar char="●"/>
               <a:defRPr/>
             </a:lvl1pPr>
-            <a:lvl2pPr indent="-317500" lvl="1" marL="914400">
+            <a:lvl2pPr marL="914400" lvl="1" indent="-317500">
               <a:spcBef>
                 <a:spcPts val="1600"/>
               </a:spcBef>
@@ -2943,7 +3038,7 @@
               <a:buChar char="○"/>
               <a:defRPr/>
             </a:lvl2pPr>
-            <a:lvl3pPr indent="-317500" lvl="2" marL="1371600">
+            <a:lvl3pPr marL="1371600" lvl="2" indent="-317500">
               <a:spcBef>
                 <a:spcPts val="1600"/>
               </a:spcBef>
@@ -2954,7 +3049,7 @@
               <a:buChar char="■"/>
               <a:defRPr/>
             </a:lvl3pPr>
-            <a:lvl4pPr indent="-317500" lvl="3" marL="1828800">
+            <a:lvl4pPr marL="1828800" lvl="3" indent="-317500">
               <a:spcBef>
                 <a:spcPts val="1600"/>
               </a:spcBef>
@@ -2965,7 +3060,7 @@
               <a:buChar char="●"/>
               <a:defRPr/>
             </a:lvl4pPr>
-            <a:lvl5pPr indent="-317500" lvl="4" marL="2286000">
+            <a:lvl5pPr marL="2286000" lvl="4" indent="-317500">
               <a:spcBef>
                 <a:spcPts val="1600"/>
               </a:spcBef>
@@ -2976,7 +3071,7 @@
               <a:buChar char="○"/>
               <a:defRPr/>
             </a:lvl5pPr>
-            <a:lvl6pPr indent="-317500" lvl="5" marL="2743200">
+            <a:lvl6pPr marL="2743200" lvl="5" indent="-317500">
               <a:spcBef>
                 <a:spcPts val="1600"/>
               </a:spcBef>
@@ -2987,7 +3082,7 @@
               <a:buChar char="■"/>
               <a:defRPr/>
             </a:lvl6pPr>
-            <a:lvl7pPr indent="-317500" lvl="6" marL="3200400">
+            <a:lvl7pPr marL="3200400" lvl="6" indent="-317500">
               <a:spcBef>
                 <a:spcPts val="1600"/>
               </a:spcBef>
@@ -2998,7 +3093,7 @@
               <a:buChar char="●"/>
               <a:defRPr/>
             </a:lvl7pPr>
-            <a:lvl8pPr indent="-317500" lvl="7" marL="3657600">
+            <a:lvl8pPr marL="3657600" lvl="7" indent="-317500">
               <a:spcBef>
                 <a:spcPts val="1600"/>
               </a:spcBef>
@@ -3009,7 +3104,7 @@
               <a:buChar char="○"/>
               <a:defRPr/>
             </a:lvl8pPr>
-            <a:lvl9pPr indent="-317500" lvl="8" marL="4114800">
+            <a:lvl9pPr marL="4114800" lvl="8" indent="-317500">
               <a:spcBef>
                 <a:spcPts val="1600"/>
               </a:spcBef>
@@ -3021,15 +3116,19 @@
               <a:defRPr/>
             </a:lvl9pPr>
           </a:lstStyle>
-          <a:p/>
+          <a:p>
+            <a:endParaRPr/>
+          </a:p>
         </p:txBody>
       </p:sp>
       <p:sp>
         <p:nvSpPr>
           <p:cNvPr id="20" name="Google Shape;20;p4"/>
-          <p:cNvSpPr txBox="1"/>
+          <p:cNvSpPr txBox="1">
+            <a:spLocks noGrp="1"/>
+          </p:cNvSpPr>
           <p:nvPr>
-            <p:ph idx="12" type="sldNum"/>
+            <p:ph type="sldNum" idx="12"/>
           </p:nvPr>
         </p:nvSpPr>
         <p:spPr>
@@ -3042,7 +3141,7 @@
           </a:prstGeom>
         </p:spPr>
         <p:txBody>
-          <a:bodyPr anchorCtr="0" anchor="ctr" bIns="91425" lIns="91425" spcFirstLastPara="1" rIns="91425" wrap="square" tIns="91425">
+          <a:bodyPr spcFirstLastPara="1" wrap="square" lIns="91425" tIns="91425" rIns="91425" bIns="91425" anchor="ctr" anchorCtr="0">
             <a:noAutofit/>
           </a:bodyPr>
           <a:lstStyle>
@@ -3084,7 +3183,7 @@
             </a:lvl9pPr>
           </a:lstStyle>
           <a:p>
-            <a:pPr indent="0" lvl="0" marL="0" rtl="0" algn="r">
+            <a:pPr marL="0" lvl="0" indent="0" algn="r" rtl="0">
               <a:spcBef>
                 <a:spcPts val="0"/>
               </a:spcBef>
@@ -3110,11 +3209,11 @@
 </file>
 
 <file path=ppt/slideLayouts/slideLayout4.xml><?xml version="1.0" encoding="utf-8"?>
-<p:sldLayout xmlns:a="http://schemas.openxmlformats.org/drawingml/2006/main" xmlns:r="http://schemas.openxmlformats.org/officeDocument/2006/relationships" xmlns:mc="http://schemas.openxmlformats.org/markup-compatibility/2006" xmlns:mv="urn:schemas-microsoft-com:mac:vml" xmlns:p="http://schemas.openxmlformats.org/presentationml/2006/main" xmlns:c="http://schemas.openxmlformats.org/drawingml/2006/chart" xmlns:dgm="http://schemas.openxmlformats.org/drawingml/2006/diagram" xmlns:o="urn:schemas-microsoft-com:office:office" xmlns:v="urn:schemas-microsoft-com:vml" xmlns:pvml="urn:schemas-microsoft-com:office:powerpoint" xmlns:com="http://schemas.openxmlformats.org/drawingml/2006/compatibility" xmlns:p14="http://schemas.microsoft.com/office/powerpoint/2010/main" xmlns:p15="http://schemas.microsoft.com/office/powerpoint/2012/main" matchingName="Title and two columns" type="twoColTx">
+<p:sldLayout xmlns:a="http://schemas.openxmlformats.org/drawingml/2006/main" xmlns:r="http://schemas.openxmlformats.org/officeDocument/2006/relationships" xmlns:p="http://schemas.openxmlformats.org/presentationml/2006/main" matchingName="Title and two columns" type="twoColTx">
   <p:cSld name="TITLE_AND_TWO_COLUMNS">
     <p:spTree>
       <p:nvGrpSpPr>
-        <p:cNvPr id="21" name="Shape 21"/>
+        <p:cNvPr id="1" name="Shape 21"/>
         <p:cNvGrpSpPr/>
         <p:nvPr/>
       </p:nvGrpSpPr>
@@ -3129,7 +3228,9 @@
       <p:sp>
         <p:nvSpPr>
           <p:cNvPr id="22" name="Google Shape;22;p5"/>
-          <p:cNvSpPr txBox="1"/>
+          <p:cNvSpPr txBox="1">
+            <a:spLocks noGrp="1"/>
+          </p:cNvSpPr>
           <p:nvPr>
             <p:ph type="title"/>
           </p:nvPr>
@@ -3144,7 +3245,7 @@
           </a:prstGeom>
         </p:spPr>
         <p:txBody>
-          <a:bodyPr anchorCtr="0" anchor="t" bIns="91425" lIns="91425" spcFirstLastPara="1" rIns="91425" wrap="square" tIns="91425">
+          <a:bodyPr spcFirstLastPara="1" wrap="square" lIns="91425" tIns="91425" rIns="91425" bIns="91425" anchor="t" anchorCtr="0">
             <a:noAutofit/>
           </a:bodyPr>
           <a:lstStyle>
@@ -3248,15 +3349,19 @@
               <a:defRPr/>
             </a:lvl9pPr>
           </a:lstStyle>
-          <a:p/>
+          <a:p>
+            <a:endParaRPr/>
+          </a:p>
         </p:txBody>
       </p:sp>
       <p:sp>
         <p:nvSpPr>
           <p:cNvPr id="23" name="Google Shape;23;p5"/>
-          <p:cNvSpPr txBox="1"/>
+          <p:cNvSpPr txBox="1">
+            <a:spLocks noGrp="1"/>
+          </p:cNvSpPr>
           <p:nvPr>
-            <p:ph idx="1" type="body"/>
+            <p:ph type="body" idx="1"/>
           </p:nvPr>
         </p:nvSpPr>
         <p:spPr>
@@ -3269,11 +3374,11 @@
           </a:prstGeom>
         </p:spPr>
         <p:txBody>
-          <a:bodyPr anchorCtr="0" anchor="t" bIns="91425" lIns="91425" spcFirstLastPara="1" rIns="91425" wrap="square" tIns="91425">
+          <a:bodyPr spcFirstLastPara="1" wrap="square" lIns="91425" tIns="91425" rIns="91425" bIns="91425" anchor="t" anchorCtr="0">
             <a:noAutofit/>
           </a:bodyPr>
           <a:lstStyle>
-            <a:lvl1pPr indent="-317500" lvl="0" marL="457200">
+            <a:lvl1pPr marL="457200" lvl="0" indent="-317500">
               <a:spcBef>
                 <a:spcPts val="0"/>
               </a:spcBef>
@@ -3284,7 +3389,7 @@
               <a:buChar char="●"/>
               <a:defRPr sz="1400"/>
             </a:lvl1pPr>
-            <a:lvl2pPr indent="-304800" lvl="1" marL="914400">
+            <a:lvl2pPr marL="914400" lvl="1" indent="-304800">
               <a:spcBef>
                 <a:spcPts val="1600"/>
               </a:spcBef>
@@ -3295,7 +3400,7 @@
               <a:buChar char="○"/>
               <a:defRPr sz="1200"/>
             </a:lvl2pPr>
-            <a:lvl3pPr indent="-304800" lvl="2" marL="1371600">
+            <a:lvl3pPr marL="1371600" lvl="2" indent="-304800">
               <a:spcBef>
                 <a:spcPts val="1600"/>
               </a:spcBef>
@@ -3306,7 +3411,7 @@
               <a:buChar char="■"/>
               <a:defRPr sz="1200"/>
             </a:lvl3pPr>
-            <a:lvl4pPr indent="-304800" lvl="3" marL="1828800">
+            <a:lvl4pPr marL="1828800" lvl="3" indent="-304800">
               <a:spcBef>
                 <a:spcPts val="1600"/>
               </a:spcBef>
@@ -3317,7 +3422,7 @@
               <a:buChar char="●"/>
               <a:defRPr sz="1200"/>
             </a:lvl4pPr>
-            <a:lvl5pPr indent="-304800" lvl="4" marL="2286000">
+            <a:lvl5pPr marL="2286000" lvl="4" indent="-304800">
               <a:spcBef>
                 <a:spcPts val="1600"/>
               </a:spcBef>
@@ -3328,7 +3433,7 @@
               <a:buChar char="○"/>
               <a:defRPr sz="1200"/>
             </a:lvl5pPr>
-            <a:lvl6pPr indent="-304800" lvl="5" marL="2743200">
+            <a:lvl6pPr marL="2743200" lvl="5" indent="-304800">
               <a:spcBef>
                 <a:spcPts val="1600"/>
               </a:spcBef>
@@ -3339,7 +3444,7 @@
               <a:buChar char="■"/>
               <a:defRPr sz="1200"/>
             </a:lvl6pPr>
-            <a:lvl7pPr indent="-304800" lvl="6" marL="3200400">
+            <a:lvl7pPr marL="3200400" lvl="6" indent="-304800">
               <a:spcBef>
                 <a:spcPts val="1600"/>
               </a:spcBef>
@@ -3350,7 +3455,7 @@
               <a:buChar char="●"/>
               <a:defRPr sz="1200"/>
             </a:lvl7pPr>
-            <a:lvl8pPr indent="-304800" lvl="7" marL="3657600">
+            <a:lvl8pPr marL="3657600" lvl="7" indent="-304800">
               <a:spcBef>
                 <a:spcPts val="1600"/>
               </a:spcBef>
@@ -3361,7 +3466,7 @@
               <a:buChar char="○"/>
               <a:defRPr sz="1200"/>
             </a:lvl8pPr>
-            <a:lvl9pPr indent="-304800" lvl="8" marL="4114800">
+            <a:lvl9pPr marL="4114800" lvl="8" indent="-304800">
               <a:spcBef>
                 <a:spcPts val="1600"/>
               </a:spcBef>
@@ -3373,15 +3478,19 @@
               <a:defRPr sz="1200"/>
             </a:lvl9pPr>
           </a:lstStyle>
-          <a:p/>
+          <a:p>
+            <a:endParaRPr/>
+          </a:p>
         </p:txBody>
       </p:sp>
       <p:sp>
         <p:nvSpPr>
           <p:cNvPr id="24" name="Google Shape;24;p5"/>
-          <p:cNvSpPr txBox="1"/>
+          <p:cNvSpPr txBox="1">
+            <a:spLocks noGrp="1"/>
+          </p:cNvSpPr>
           <p:nvPr>
-            <p:ph idx="2" type="body"/>
+            <p:ph type="body" idx="2"/>
           </p:nvPr>
         </p:nvSpPr>
         <p:spPr>
@@ -3394,11 +3503,11 @@
           </a:prstGeom>
         </p:spPr>
         <p:txBody>
-          <a:bodyPr anchorCtr="0" anchor="t" bIns="91425" lIns="91425" spcFirstLastPara="1" rIns="91425" wrap="square" tIns="91425">
+          <a:bodyPr spcFirstLastPara="1" wrap="square" lIns="91425" tIns="91425" rIns="91425" bIns="91425" anchor="t" anchorCtr="0">
             <a:noAutofit/>
           </a:bodyPr>
           <a:lstStyle>
-            <a:lvl1pPr indent="-317500" lvl="0" marL="457200">
+            <a:lvl1pPr marL="457200" lvl="0" indent="-317500">
               <a:spcBef>
                 <a:spcPts val="0"/>
               </a:spcBef>
@@ -3409,7 +3518,7 @@
               <a:buChar char="●"/>
               <a:defRPr sz="1400"/>
             </a:lvl1pPr>
-            <a:lvl2pPr indent="-304800" lvl="1" marL="914400">
+            <a:lvl2pPr marL="914400" lvl="1" indent="-304800">
               <a:spcBef>
                 <a:spcPts val="1600"/>
               </a:spcBef>
@@ -3420,7 +3529,7 @@
               <a:buChar char="○"/>
               <a:defRPr sz="1200"/>
             </a:lvl2pPr>
-            <a:lvl3pPr indent="-304800" lvl="2" marL="1371600">
+            <a:lvl3pPr marL="1371600" lvl="2" indent="-304800">
               <a:spcBef>
                 <a:spcPts val="1600"/>
               </a:spcBef>
@@ -3431,7 +3540,7 @@
               <a:buChar char="■"/>
               <a:defRPr sz="1200"/>
             </a:lvl3pPr>
-            <a:lvl4pPr indent="-304800" lvl="3" marL="1828800">
+            <a:lvl4pPr marL="1828800" lvl="3" indent="-304800">
               <a:spcBef>
                 <a:spcPts val="1600"/>
               </a:spcBef>
@@ -3442,7 +3551,7 @@
               <a:buChar char="●"/>
               <a:defRPr sz="1200"/>
             </a:lvl4pPr>
-            <a:lvl5pPr indent="-304800" lvl="4" marL="2286000">
+            <a:lvl5pPr marL="2286000" lvl="4" indent="-304800">
               <a:spcBef>
                 <a:spcPts val="1600"/>
               </a:spcBef>
@@ -3453,7 +3562,7 @@
               <a:buChar char="○"/>
               <a:defRPr sz="1200"/>
             </a:lvl5pPr>
-            <a:lvl6pPr indent="-304800" lvl="5" marL="2743200">
+            <a:lvl6pPr marL="2743200" lvl="5" indent="-304800">
               <a:spcBef>
                 <a:spcPts val="1600"/>
               </a:spcBef>
@@ -3464,7 +3573,7 @@
               <a:buChar char="■"/>
               <a:defRPr sz="1200"/>
             </a:lvl6pPr>
-            <a:lvl7pPr indent="-304800" lvl="6" marL="3200400">
+            <a:lvl7pPr marL="3200400" lvl="6" indent="-304800">
               <a:spcBef>
                 <a:spcPts val="1600"/>
               </a:spcBef>
@@ -3475,7 +3584,7 @@
               <a:buChar char="●"/>
               <a:defRPr sz="1200"/>
             </a:lvl7pPr>
-            <a:lvl8pPr indent="-304800" lvl="7" marL="3657600">
+            <a:lvl8pPr marL="3657600" lvl="7" indent="-304800">
               <a:spcBef>
                 <a:spcPts val="1600"/>
               </a:spcBef>
@@ -3486,7 +3595,7 @@
               <a:buChar char="○"/>
               <a:defRPr sz="1200"/>
             </a:lvl8pPr>
-            <a:lvl9pPr indent="-304800" lvl="8" marL="4114800">
+            <a:lvl9pPr marL="4114800" lvl="8" indent="-304800">
               <a:spcBef>
                 <a:spcPts val="1600"/>
               </a:spcBef>
@@ -3498,15 +3607,19 @@
               <a:defRPr sz="1200"/>
             </a:lvl9pPr>
           </a:lstStyle>
-          <a:p/>
+          <a:p>
+            <a:endParaRPr/>
+          </a:p>
         </p:txBody>
       </p:sp>
       <p:sp>
         <p:nvSpPr>
           <p:cNvPr id="25" name="Google Shape;25;p5"/>
-          <p:cNvSpPr txBox="1"/>
+          <p:cNvSpPr txBox="1">
+            <a:spLocks noGrp="1"/>
+          </p:cNvSpPr>
           <p:nvPr>
-            <p:ph idx="12" type="sldNum"/>
+            <p:ph type="sldNum" idx="12"/>
           </p:nvPr>
         </p:nvSpPr>
         <p:spPr>
@@ -3519,7 +3632,7 @@
           </a:prstGeom>
         </p:spPr>
         <p:txBody>
-          <a:bodyPr anchorCtr="0" anchor="ctr" bIns="91425" lIns="91425" spcFirstLastPara="1" rIns="91425" wrap="square" tIns="91425">
+          <a:bodyPr spcFirstLastPara="1" wrap="square" lIns="91425" tIns="91425" rIns="91425" bIns="91425" anchor="ctr" anchorCtr="0">
             <a:noAutofit/>
           </a:bodyPr>
           <a:lstStyle>
@@ -3561,7 +3674,7 @@
             </a:lvl9pPr>
           </a:lstStyle>
           <a:p>
-            <a:pPr indent="0" lvl="0" marL="0" rtl="0" algn="r">
+            <a:pPr marL="0" lvl="0" indent="0" algn="r" rtl="0">
               <a:spcBef>
                 <a:spcPts val="0"/>
               </a:spcBef>
@@ -3587,11 +3700,11 @@
 </file>
 
 <file path=ppt/slideLayouts/slideLayout5.xml><?xml version="1.0" encoding="utf-8"?>
-<p:sldLayout xmlns:a="http://schemas.openxmlformats.org/drawingml/2006/main" xmlns:r="http://schemas.openxmlformats.org/officeDocument/2006/relationships" xmlns:mc="http://schemas.openxmlformats.org/markup-compatibility/2006" xmlns:mv="urn:schemas-microsoft-com:mac:vml" xmlns:p="http://schemas.openxmlformats.org/presentationml/2006/main" xmlns:c="http://schemas.openxmlformats.org/drawingml/2006/chart" xmlns:dgm="http://schemas.openxmlformats.org/drawingml/2006/diagram" xmlns:o="urn:schemas-microsoft-com:office:office" xmlns:v="urn:schemas-microsoft-com:vml" xmlns:pvml="urn:schemas-microsoft-com:office:powerpoint" xmlns:com="http://schemas.openxmlformats.org/drawingml/2006/compatibility" xmlns:p14="http://schemas.microsoft.com/office/powerpoint/2010/main" xmlns:p15="http://schemas.microsoft.com/office/powerpoint/2012/main" matchingName="Title only" type="titleOnly">
+<p:sldLayout xmlns:a="http://schemas.openxmlformats.org/drawingml/2006/main" xmlns:r="http://schemas.openxmlformats.org/officeDocument/2006/relationships" xmlns:p="http://schemas.openxmlformats.org/presentationml/2006/main" matchingName="Title only" type="titleOnly">
   <p:cSld name="TITLE_ONLY">
     <p:spTree>
       <p:nvGrpSpPr>
-        <p:cNvPr id="26" name="Shape 26"/>
+        <p:cNvPr id="1" name="Shape 26"/>
         <p:cNvGrpSpPr/>
         <p:nvPr/>
       </p:nvGrpSpPr>
@@ -3606,7 +3719,9 @@
       <p:sp>
         <p:nvSpPr>
           <p:cNvPr id="27" name="Google Shape;27;p6"/>
-          <p:cNvSpPr txBox="1"/>
+          <p:cNvSpPr txBox="1">
+            <a:spLocks noGrp="1"/>
+          </p:cNvSpPr>
           <p:nvPr>
             <p:ph type="title"/>
           </p:nvPr>
@@ -3621,7 +3736,7 @@
           </a:prstGeom>
         </p:spPr>
         <p:txBody>
-          <a:bodyPr anchorCtr="0" anchor="t" bIns="91425" lIns="91425" spcFirstLastPara="1" rIns="91425" wrap="square" tIns="91425">
+          <a:bodyPr spcFirstLastPara="1" wrap="square" lIns="91425" tIns="91425" rIns="91425" bIns="91425" anchor="t" anchorCtr="0">
             <a:noAutofit/>
           </a:bodyPr>
           <a:lstStyle>
@@ -3725,15 +3840,19 @@
               <a:defRPr/>
             </a:lvl9pPr>
           </a:lstStyle>
-          <a:p/>
+          <a:p>
+            <a:endParaRPr/>
+          </a:p>
         </p:txBody>
       </p:sp>
       <p:sp>
         <p:nvSpPr>
           <p:cNvPr id="28" name="Google Shape;28;p6"/>
-          <p:cNvSpPr txBox="1"/>
+          <p:cNvSpPr txBox="1">
+            <a:spLocks noGrp="1"/>
+          </p:cNvSpPr>
           <p:nvPr>
-            <p:ph idx="12" type="sldNum"/>
+            <p:ph type="sldNum" idx="12"/>
           </p:nvPr>
         </p:nvSpPr>
         <p:spPr>
@@ -3746,7 +3865,7 @@
           </a:prstGeom>
         </p:spPr>
         <p:txBody>
-          <a:bodyPr anchorCtr="0" anchor="ctr" bIns="91425" lIns="91425" spcFirstLastPara="1" rIns="91425" wrap="square" tIns="91425">
+          <a:bodyPr spcFirstLastPara="1" wrap="square" lIns="91425" tIns="91425" rIns="91425" bIns="91425" anchor="ctr" anchorCtr="0">
             <a:noAutofit/>
           </a:bodyPr>
           <a:lstStyle>
@@ -3788,7 +3907,7 @@
             </a:lvl9pPr>
           </a:lstStyle>
           <a:p>
-            <a:pPr indent="0" lvl="0" marL="0" rtl="0" algn="r">
+            <a:pPr marL="0" lvl="0" indent="0" algn="r" rtl="0">
               <a:spcBef>
                 <a:spcPts val="0"/>
               </a:spcBef>
@@ -3814,11 +3933,11 @@
 </file>
 
 <file path=ppt/slideLayouts/slideLayout6.xml><?xml version="1.0" encoding="utf-8"?>
-<p:sldLayout xmlns:a="http://schemas.openxmlformats.org/drawingml/2006/main" xmlns:r="http://schemas.openxmlformats.org/officeDocument/2006/relationships" xmlns:mc="http://schemas.openxmlformats.org/markup-compatibility/2006" xmlns:mv="urn:schemas-microsoft-com:mac:vml" xmlns:p="http://schemas.openxmlformats.org/presentationml/2006/main" xmlns:c="http://schemas.openxmlformats.org/drawingml/2006/chart" xmlns:dgm="http://schemas.openxmlformats.org/drawingml/2006/diagram" xmlns:o="urn:schemas-microsoft-com:office:office" xmlns:v="urn:schemas-microsoft-com:vml" xmlns:pvml="urn:schemas-microsoft-com:office:powerpoint" xmlns:com="http://schemas.openxmlformats.org/drawingml/2006/compatibility" xmlns:p14="http://schemas.microsoft.com/office/powerpoint/2010/main" xmlns:p15="http://schemas.microsoft.com/office/powerpoint/2012/main" matchingName="One column text">
+<p:sldLayout xmlns:a="http://schemas.openxmlformats.org/drawingml/2006/main" xmlns:r="http://schemas.openxmlformats.org/officeDocument/2006/relationships" xmlns:p="http://schemas.openxmlformats.org/presentationml/2006/main" matchingName="One column text">
   <p:cSld name="ONE_COLUMN_TEXT">
     <p:spTree>
       <p:nvGrpSpPr>
-        <p:cNvPr id="29" name="Shape 29"/>
+        <p:cNvPr id="1" name="Shape 29"/>
         <p:cNvGrpSpPr/>
         <p:nvPr/>
       </p:nvGrpSpPr>
@@ -3833,7 +3952,9 @@
       <p:sp>
         <p:nvSpPr>
           <p:cNvPr id="30" name="Google Shape;30;p7"/>
-          <p:cNvSpPr txBox="1"/>
+          <p:cNvSpPr txBox="1">
+            <a:spLocks noGrp="1"/>
+          </p:cNvSpPr>
           <p:nvPr>
             <p:ph type="title"/>
           </p:nvPr>
@@ -3848,7 +3969,7 @@
           </a:prstGeom>
         </p:spPr>
         <p:txBody>
-          <a:bodyPr anchorCtr="0" anchor="b" bIns="91425" lIns="91425" spcFirstLastPara="1" rIns="91425" wrap="square" tIns="91425">
+          <a:bodyPr spcFirstLastPara="1" wrap="square" lIns="91425" tIns="91425" rIns="91425" bIns="91425" anchor="b" anchorCtr="0">
             <a:noAutofit/>
           </a:bodyPr>
           <a:lstStyle>
@@ -3952,15 +4073,19 @@
               <a:defRPr sz="2400"/>
             </a:lvl9pPr>
           </a:lstStyle>
-          <a:p/>
+          <a:p>
+            <a:endParaRPr/>
+          </a:p>
         </p:txBody>
       </p:sp>
       <p:sp>
         <p:nvSpPr>
           <p:cNvPr id="31" name="Google Shape;31;p7"/>
-          <p:cNvSpPr txBox="1"/>
+          <p:cNvSpPr txBox="1">
+            <a:spLocks noGrp="1"/>
+          </p:cNvSpPr>
           <p:nvPr>
-            <p:ph idx="1" type="body"/>
+            <p:ph type="body" idx="1"/>
           </p:nvPr>
         </p:nvSpPr>
         <p:spPr>
@@ -3973,11 +4098,11 @@
           </a:prstGeom>
         </p:spPr>
         <p:txBody>
-          <a:bodyPr anchorCtr="0" anchor="t" bIns="91425" lIns="91425" spcFirstLastPara="1" rIns="91425" wrap="square" tIns="91425">
+          <a:bodyPr spcFirstLastPara="1" wrap="square" lIns="91425" tIns="91425" rIns="91425" bIns="91425" anchor="t" anchorCtr="0">
             <a:noAutofit/>
           </a:bodyPr>
           <a:lstStyle>
-            <a:lvl1pPr indent="-304800" lvl="0" marL="457200">
+            <a:lvl1pPr marL="457200" lvl="0" indent="-304800">
               <a:spcBef>
                 <a:spcPts val="0"/>
               </a:spcBef>
@@ -3988,7 +4113,7 @@
               <a:buChar char="●"/>
               <a:defRPr sz="1200"/>
             </a:lvl1pPr>
-            <a:lvl2pPr indent="-304800" lvl="1" marL="914400">
+            <a:lvl2pPr marL="914400" lvl="1" indent="-304800">
               <a:spcBef>
                 <a:spcPts val="1600"/>
               </a:spcBef>
@@ -3999,7 +4124,7 @@
               <a:buChar char="○"/>
               <a:defRPr sz="1200"/>
             </a:lvl2pPr>
-            <a:lvl3pPr indent="-304800" lvl="2" marL="1371600">
+            <a:lvl3pPr marL="1371600" lvl="2" indent="-304800">
               <a:spcBef>
                 <a:spcPts val="1600"/>
               </a:spcBef>
@@ -4010,7 +4135,7 @@
               <a:buChar char="■"/>
               <a:defRPr sz="1200"/>
             </a:lvl3pPr>
-            <a:lvl4pPr indent="-304800" lvl="3" marL="1828800">
+            <a:lvl4pPr marL="1828800" lvl="3" indent="-304800">
               <a:spcBef>
                 <a:spcPts val="1600"/>
               </a:spcBef>
@@ -4021,7 +4146,7 @@
               <a:buChar char="●"/>
               <a:defRPr sz="1200"/>
             </a:lvl4pPr>
-            <a:lvl5pPr indent="-304800" lvl="4" marL="2286000">
+            <a:lvl5pPr marL="2286000" lvl="4" indent="-304800">
               <a:spcBef>
                 <a:spcPts val="1600"/>
               </a:spcBef>
@@ -4032,7 +4157,7 @@
               <a:buChar char="○"/>
               <a:defRPr sz="1200"/>
             </a:lvl5pPr>
-            <a:lvl6pPr indent="-304800" lvl="5" marL="2743200">
+            <a:lvl6pPr marL="2743200" lvl="5" indent="-304800">
               <a:spcBef>
                 <a:spcPts val="1600"/>
               </a:spcBef>
@@ -4043,7 +4168,7 @@
               <a:buChar char="■"/>
               <a:defRPr sz="1200"/>
             </a:lvl6pPr>
-            <a:lvl7pPr indent="-304800" lvl="6" marL="3200400">
+            <a:lvl7pPr marL="3200400" lvl="6" indent="-304800">
               <a:spcBef>
                 <a:spcPts val="1600"/>
               </a:spcBef>
@@ -4054,7 +4179,7 @@
               <a:buChar char="●"/>
               <a:defRPr sz="1200"/>
             </a:lvl7pPr>
-            <a:lvl8pPr indent="-304800" lvl="7" marL="3657600">
+            <a:lvl8pPr marL="3657600" lvl="7" indent="-304800">
               <a:spcBef>
                 <a:spcPts val="1600"/>
               </a:spcBef>
@@ -4065,7 +4190,7 @@
               <a:buChar char="○"/>
               <a:defRPr sz="1200"/>
             </a:lvl8pPr>
-            <a:lvl9pPr indent="-304800" lvl="8" marL="4114800">
+            <a:lvl9pPr marL="4114800" lvl="8" indent="-304800">
               <a:spcBef>
                 <a:spcPts val="1600"/>
               </a:spcBef>
@@ -4077,15 +4202,19 @@
               <a:defRPr sz="1200"/>
             </a:lvl9pPr>
           </a:lstStyle>
-          <a:p/>
+          <a:p>
+            <a:endParaRPr/>
+          </a:p>
         </p:txBody>
       </p:sp>
       <p:sp>
         <p:nvSpPr>
           <p:cNvPr id="32" name="Google Shape;32;p7"/>
-          <p:cNvSpPr txBox="1"/>
+          <p:cNvSpPr txBox="1">
+            <a:spLocks noGrp="1"/>
+          </p:cNvSpPr>
           <p:nvPr>
-            <p:ph idx="12" type="sldNum"/>
+            <p:ph type="sldNum" idx="12"/>
           </p:nvPr>
         </p:nvSpPr>
         <p:spPr>
@@ -4098,7 +4227,7 @@
           </a:prstGeom>
         </p:spPr>
         <p:txBody>
-          <a:bodyPr anchorCtr="0" anchor="ctr" bIns="91425" lIns="91425" spcFirstLastPara="1" rIns="91425" wrap="square" tIns="91425">
+          <a:bodyPr spcFirstLastPara="1" wrap="square" lIns="91425" tIns="91425" rIns="91425" bIns="91425" anchor="ctr" anchorCtr="0">
             <a:noAutofit/>
           </a:bodyPr>
           <a:lstStyle>
@@ -4140,7 +4269,7 @@
             </a:lvl9pPr>
           </a:lstStyle>
           <a:p>
-            <a:pPr indent="0" lvl="0" marL="0" rtl="0" algn="r">
+            <a:pPr marL="0" lvl="0" indent="0" algn="r" rtl="0">
               <a:spcBef>
                 <a:spcPts val="0"/>
               </a:spcBef>
@@ -4166,18 +4295,19 @@
 </file>
 
 <file path=ppt/slideLayouts/slideLayout7.xml><?xml version="1.0" encoding="utf-8"?>
-<p:sldLayout xmlns:a="http://schemas.openxmlformats.org/drawingml/2006/main" xmlns:r="http://schemas.openxmlformats.org/officeDocument/2006/relationships" xmlns:mc="http://schemas.openxmlformats.org/markup-compatibility/2006" xmlns:mv="urn:schemas-microsoft-com:mac:vml" xmlns:p="http://schemas.openxmlformats.org/presentationml/2006/main" xmlns:c="http://schemas.openxmlformats.org/drawingml/2006/chart" xmlns:dgm="http://schemas.openxmlformats.org/drawingml/2006/diagram" xmlns:o="urn:schemas-microsoft-com:office:office" xmlns:v="urn:schemas-microsoft-com:vml" xmlns:pvml="urn:schemas-microsoft-com:office:powerpoint" xmlns:com="http://schemas.openxmlformats.org/drawingml/2006/compatibility" xmlns:p14="http://schemas.microsoft.com/office/powerpoint/2010/main" xmlns:p15="http://schemas.microsoft.com/office/powerpoint/2012/main" matchingName="Main point">
+<p:sldLayout xmlns:a="http://schemas.openxmlformats.org/drawingml/2006/main" xmlns:r="http://schemas.openxmlformats.org/officeDocument/2006/relationships" xmlns:p="http://schemas.openxmlformats.org/presentationml/2006/main" matchingName="Main point">
   <p:cSld name="MAIN_POINT">
     <p:bg>
       <p:bgPr>
         <a:solidFill>
           <a:schemeClr val="accent3"/>
         </a:solidFill>
+        <a:effectLst/>
       </p:bgPr>
     </p:bg>
     <p:spTree>
       <p:nvGrpSpPr>
-        <p:cNvPr id="33" name="Shape 33"/>
+        <p:cNvPr id="1" name="Shape 33"/>
         <p:cNvGrpSpPr/>
         <p:nvPr/>
       </p:nvGrpSpPr>
@@ -4192,7 +4322,9 @@
       <p:sp>
         <p:nvSpPr>
           <p:cNvPr id="34" name="Google Shape;34;p8"/>
-          <p:cNvSpPr txBox="1"/>
+          <p:cNvSpPr txBox="1">
+            <a:spLocks noGrp="1"/>
+          </p:cNvSpPr>
           <p:nvPr>
             <p:ph type="title"/>
           </p:nvPr>
@@ -4207,7 +4339,7 @@
           </a:prstGeom>
         </p:spPr>
         <p:txBody>
-          <a:bodyPr anchorCtr="0" anchor="ctr" bIns="91425" lIns="91425" spcFirstLastPara="1" rIns="91425" wrap="square" tIns="91425">
+          <a:bodyPr spcFirstLastPara="1" wrap="square" lIns="91425" tIns="91425" rIns="91425" bIns="91425" anchor="ctr" anchorCtr="0">
             <a:noAutofit/>
           </a:bodyPr>
           <a:lstStyle>
@@ -4374,15 +4506,19 @@
               </a:defRPr>
             </a:lvl9pPr>
           </a:lstStyle>
-          <a:p/>
+          <a:p>
+            <a:endParaRPr/>
+          </a:p>
         </p:txBody>
       </p:sp>
       <p:sp>
         <p:nvSpPr>
           <p:cNvPr id="35" name="Google Shape;35;p8"/>
-          <p:cNvSpPr txBox="1"/>
+          <p:cNvSpPr txBox="1">
+            <a:spLocks noGrp="1"/>
+          </p:cNvSpPr>
           <p:nvPr>
-            <p:ph idx="12" type="sldNum"/>
+            <p:ph type="sldNum" idx="12"/>
           </p:nvPr>
         </p:nvSpPr>
         <p:spPr>
@@ -4395,7 +4531,7 @@
           </a:prstGeom>
         </p:spPr>
         <p:txBody>
-          <a:bodyPr anchorCtr="0" anchor="ctr" bIns="91425" lIns="91425" spcFirstLastPara="1" rIns="91425" wrap="square" tIns="91425">
+          <a:bodyPr spcFirstLastPara="1" wrap="square" lIns="91425" tIns="91425" rIns="91425" bIns="91425" anchor="ctr" anchorCtr="0">
             <a:noAutofit/>
           </a:bodyPr>
           <a:lstStyle>
@@ -4473,7 +4609,7 @@
             </a:lvl9pPr>
           </a:lstStyle>
           <a:p>
-            <a:pPr indent="0" lvl="0" marL="0" rtl="0" algn="r">
+            <a:pPr marL="0" lvl="0" indent="0" algn="r" rtl="0">
               <a:spcBef>
                 <a:spcPts val="0"/>
               </a:spcBef>
@@ -4499,11 +4635,11 @@
 </file>
 
 <file path=ppt/slideLayouts/slideLayout8.xml><?xml version="1.0" encoding="utf-8"?>
-<p:sldLayout xmlns:a="http://schemas.openxmlformats.org/drawingml/2006/main" xmlns:r="http://schemas.openxmlformats.org/officeDocument/2006/relationships" xmlns:mc="http://schemas.openxmlformats.org/markup-compatibility/2006" xmlns:mv="urn:schemas-microsoft-com:mac:vml" xmlns:p="http://schemas.openxmlformats.org/presentationml/2006/main" xmlns:c="http://schemas.openxmlformats.org/drawingml/2006/chart" xmlns:dgm="http://schemas.openxmlformats.org/drawingml/2006/diagram" xmlns:o="urn:schemas-microsoft-com:office:office" xmlns:v="urn:schemas-microsoft-com:vml" xmlns:pvml="urn:schemas-microsoft-com:office:powerpoint" xmlns:com="http://schemas.openxmlformats.org/drawingml/2006/compatibility" xmlns:p14="http://schemas.microsoft.com/office/powerpoint/2010/main" xmlns:p15="http://schemas.microsoft.com/office/powerpoint/2012/main" matchingName="Section title and description">
+<p:sldLayout xmlns:a="http://schemas.openxmlformats.org/drawingml/2006/main" xmlns:r="http://schemas.openxmlformats.org/officeDocument/2006/relationships" xmlns:p="http://schemas.openxmlformats.org/presentationml/2006/main" matchingName="Section title and description">
   <p:cSld name="SECTION_TITLE_AND_DESCRIPTION">
     <p:spTree>
       <p:nvGrpSpPr>
-        <p:cNvPr id="36" name="Shape 36"/>
+        <p:cNvPr id="1" name="Shape 36"/>
         <p:cNvGrpSpPr/>
         <p:nvPr/>
       </p:nvGrpSpPr>
@@ -4537,12 +4673,12 @@
           </a:ln>
         </p:spPr>
         <p:txBody>
-          <a:bodyPr anchorCtr="0" anchor="ctr" bIns="91425" lIns="91425" spcFirstLastPara="1" rIns="91425" wrap="square" tIns="91425">
+          <a:bodyPr spcFirstLastPara="1" wrap="square" lIns="91425" tIns="91425" rIns="91425" bIns="91425" anchor="ctr" anchorCtr="0">
             <a:noAutofit/>
           </a:bodyPr>
           <a:lstStyle/>
           <a:p>
-            <a:pPr indent="0" lvl="0" marL="0" rtl="0" algn="l">
+            <a:pPr marL="0" lvl="0" indent="0" algn="l" rtl="0">
               <a:spcBef>
                 <a:spcPts val="0"/>
               </a:spcBef>
@@ -4551,9 +4687,6 @@
               </a:spcAft>
               <a:buNone/>
             </a:pPr>
-            <a:r>
-              <a:t/>
-            </a:r>
             <a:endParaRPr/>
           </a:p>
         </p:txBody>
@@ -4573,21 +4706,23 @@
             <a:avLst/>
           </a:prstGeom>
           <a:noFill/>
-          <a:ln cap="flat" cmpd="sng" w="19050">
+          <a:ln w="19050" cap="flat" cmpd="sng">
             <a:solidFill>
               <a:schemeClr val="lt1"/>
             </a:solidFill>
             <a:prstDash val="solid"/>
             <a:round/>
-            <a:headEnd len="sm" w="sm" type="none"/>
-            <a:tailEnd len="sm" w="sm" type="none"/>
+            <a:headEnd type="none" w="sm" len="sm"/>
+            <a:tailEnd type="none" w="sm" len="sm"/>
           </a:ln>
         </p:spPr>
       </p:cxnSp>
       <p:sp>
         <p:nvSpPr>
           <p:cNvPr id="39" name="Google Shape;39;p9"/>
-          <p:cNvSpPr txBox="1"/>
+          <p:cNvSpPr txBox="1">
+            <a:spLocks noGrp="1"/>
+          </p:cNvSpPr>
           <p:nvPr>
             <p:ph type="title"/>
           </p:nvPr>
@@ -4602,7 +4737,7 @@
           </a:prstGeom>
         </p:spPr>
         <p:txBody>
-          <a:bodyPr anchorCtr="0" anchor="b" bIns="91425" lIns="91425" spcFirstLastPara="1" rIns="91425" wrap="square" tIns="91425">
+          <a:bodyPr spcFirstLastPara="1" wrap="square" lIns="91425" tIns="91425" rIns="91425" bIns="91425" anchor="b" anchorCtr="0">
             <a:noAutofit/>
           </a:bodyPr>
           <a:lstStyle>
@@ -4706,15 +4841,19 @@
               <a:defRPr sz="3800"/>
             </a:lvl9pPr>
           </a:lstStyle>
-          <a:p/>
+          <a:p>
+            <a:endParaRPr/>
+          </a:p>
         </p:txBody>
       </p:sp>
       <p:sp>
         <p:nvSpPr>
           <p:cNvPr id="40" name="Google Shape;40;p9"/>
-          <p:cNvSpPr txBox="1"/>
+          <p:cNvSpPr txBox="1">
+            <a:spLocks noGrp="1"/>
+          </p:cNvSpPr>
           <p:nvPr>
-            <p:ph idx="1" type="subTitle"/>
+            <p:ph type="subTitle" idx="1"/>
           </p:nvPr>
         </p:nvSpPr>
         <p:spPr>
@@ -4727,7 +4866,7 @@
           </a:prstGeom>
         </p:spPr>
         <p:txBody>
-          <a:bodyPr anchorCtr="0" anchor="t" bIns="91425" lIns="91425" spcFirstLastPara="1" rIns="91425" wrap="square" tIns="91425">
+          <a:bodyPr spcFirstLastPara="1" wrap="square" lIns="91425" tIns="91425" rIns="91425" bIns="91425" anchor="t" anchorCtr="0">
             <a:noAutofit/>
           </a:bodyPr>
           <a:lstStyle>
@@ -4858,15 +4997,19 @@
               <a:defRPr sz="1800"/>
             </a:lvl9pPr>
           </a:lstStyle>
-          <a:p/>
+          <a:p>
+            <a:endParaRPr/>
+          </a:p>
         </p:txBody>
       </p:sp>
       <p:sp>
         <p:nvSpPr>
           <p:cNvPr id="41" name="Google Shape;41;p9"/>
-          <p:cNvSpPr txBox="1"/>
+          <p:cNvSpPr txBox="1">
+            <a:spLocks noGrp="1"/>
+          </p:cNvSpPr>
           <p:nvPr>
-            <p:ph idx="2" type="body"/>
+            <p:ph type="body" idx="2"/>
           </p:nvPr>
         </p:nvSpPr>
         <p:spPr>
@@ -4879,11 +5022,11 @@
           </a:prstGeom>
         </p:spPr>
         <p:txBody>
-          <a:bodyPr anchorCtr="0" anchor="ctr" bIns="91425" lIns="91425" spcFirstLastPara="1" rIns="91425" wrap="square" tIns="91425">
+          <a:bodyPr spcFirstLastPara="1" wrap="square" lIns="91425" tIns="91425" rIns="91425" bIns="91425" anchor="ctr" anchorCtr="0">
             <a:noAutofit/>
           </a:bodyPr>
           <a:lstStyle>
-            <a:lvl1pPr indent="-342900" lvl="0" marL="457200">
+            <a:lvl1pPr marL="457200" lvl="0" indent="-342900">
               <a:spcBef>
                 <a:spcPts val="0"/>
               </a:spcBef>
@@ -4901,7 +5044,7 @@
                 </a:solidFill>
               </a:defRPr>
             </a:lvl1pPr>
-            <a:lvl2pPr indent="-317500" lvl="1" marL="914400">
+            <a:lvl2pPr marL="914400" lvl="1" indent="-317500">
               <a:spcBef>
                 <a:spcPts val="1600"/>
               </a:spcBef>
@@ -4919,7 +5062,7 @@
                 </a:solidFill>
               </a:defRPr>
             </a:lvl2pPr>
-            <a:lvl3pPr indent="-317500" lvl="2" marL="1371600">
+            <a:lvl3pPr marL="1371600" lvl="2" indent="-317500">
               <a:spcBef>
                 <a:spcPts val="1600"/>
               </a:spcBef>
@@ -4937,7 +5080,7 @@
                 </a:solidFill>
               </a:defRPr>
             </a:lvl3pPr>
-            <a:lvl4pPr indent="-317500" lvl="3" marL="1828800">
+            <a:lvl4pPr marL="1828800" lvl="3" indent="-317500">
               <a:spcBef>
                 <a:spcPts val="1600"/>
               </a:spcBef>
@@ -4955,7 +5098,7 @@
                 </a:solidFill>
               </a:defRPr>
             </a:lvl4pPr>
-            <a:lvl5pPr indent="-317500" lvl="4" marL="2286000">
+            <a:lvl5pPr marL="2286000" lvl="4" indent="-317500">
               <a:spcBef>
                 <a:spcPts val="1600"/>
               </a:spcBef>
@@ -4973,7 +5116,7 @@
                 </a:solidFill>
               </a:defRPr>
             </a:lvl5pPr>
-            <a:lvl6pPr indent="-317500" lvl="5" marL="2743200">
+            <a:lvl6pPr marL="2743200" lvl="5" indent="-317500">
               <a:spcBef>
                 <a:spcPts val="1600"/>
               </a:spcBef>
@@ -4991,7 +5134,7 @@
                 </a:solidFill>
               </a:defRPr>
             </a:lvl6pPr>
-            <a:lvl7pPr indent="-317500" lvl="6" marL="3200400">
+            <a:lvl7pPr marL="3200400" lvl="6" indent="-317500">
               <a:spcBef>
                 <a:spcPts val="1600"/>
               </a:spcBef>
@@ -5009,7 +5152,7 @@
                 </a:solidFill>
               </a:defRPr>
             </a:lvl7pPr>
-            <a:lvl8pPr indent="-317500" lvl="7" marL="3657600">
+            <a:lvl8pPr marL="3657600" lvl="7" indent="-317500">
               <a:spcBef>
                 <a:spcPts val="1600"/>
               </a:spcBef>
@@ -5027,7 +5170,7 @@
                 </a:solidFill>
               </a:defRPr>
             </a:lvl8pPr>
-            <a:lvl9pPr indent="-317500" lvl="8" marL="4114800">
+            <a:lvl9pPr marL="4114800" lvl="8" indent="-317500">
               <a:spcBef>
                 <a:spcPts val="1600"/>
               </a:spcBef>
@@ -5046,15 +5189,19 @@
               </a:defRPr>
             </a:lvl9pPr>
           </a:lstStyle>
-          <a:p/>
+          <a:p>
+            <a:endParaRPr/>
+          </a:p>
         </p:txBody>
       </p:sp>
       <p:sp>
         <p:nvSpPr>
           <p:cNvPr id="42" name="Google Shape;42;p9"/>
-          <p:cNvSpPr txBox="1"/>
+          <p:cNvSpPr txBox="1">
+            <a:spLocks noGrp="1"/>
+          </p:cNvSpPr>
           <p:nvPr>
-            <p:ph idx="12" type="sldNum"/>
+            <p:ph type="sldNum" idx="12"/>
           </p:nvPr>
         </p:nvSpPr>
         <p:spPr>
@@ -5067,7 +5214,7 @@
           </a:prstGeom>
         </p:spPr>
         <p:txBody>
-          <a:bodyPr anchorCtr="0" anchor="ctr" bIns="91425" lIns="91425" spcFirstLastPara="1" rIns="91425" wrap="square" tIns="91425">
+          <a:bodyPr spcFirstLastPara="1" wrap="square" lIns="91425" tIns="91425" rIns="91425" bIns="91425" anchor="ctr" anchorCtr="0">
             <a:noAutofit/>
           </a:bodyPr>
           <a:lstStyle>
@@ -5145,7 +5292,7 @@
             </a:lvl9pPr>
           </a:lstStyle>
           <a:p>
-            <a:pPr indent="0" lvl="0" marL="0" rtl="0" algn="r">
+            <a:pPr marL="0" lvl="0" indent="0" algn="r" rtl="0">
               <a:spcBef>
                 <a:spcPts val="0"/>
               </a:spcBef>
@@ -5171,11 +5318,11 @@
 </file>
 
 <file path=ppt/slideLayouts/slideLayout9.xml><?xml version="1.0" encoding="utf-8"?>
-<p:sldLayout xmlns:a="http://schemas.openxmlformats.org/drawingml/2006/main" xmlns:r="http://schemas.openxmlformats.org/officeDocument/2006/relationships" xmlns:mc="http://schemas.openxmlformats.org/markup-compatibility/2006" xmlns:mv="urn:schemas-microsoft-com:mac:vml" xmlns:p="http://schemas.openxmlformats.org/presentationml/2006/main" xmlns:c="http://schemas.openxmlformats.org/drawingml/2006/chart" xmlns:dgm="http://schemas.openxmlformats.org/drawingml/2006/diagram" xmlns:o="urn:schemas-microsoft-com:office:office" xmlns:v="urn:schemas-microsoft-com:vml" xmlns:pvml="urn:schemas-microsoft-com:office:powerpoint" xmlns:com="http://schemas.openxmlformats.org/drawingml/2006/compatibility" xmlns:p14="http://schemas.microsoft.com/office/powerpoint/2010/main" xmlns:p15="http://schemas.microsoft.com/office/powerpoint/2012/main" matchingName="Caption">
+<p:sldLayout xmlns:a="http://schemas.openxmlformats.org/drawingml/2006/main" xmlns:r="http://schemas.openxmlformats.org/officeDocument/2006/relationships" xmlns:p="http://schemas.openxmlformats.org/presentationml/2006/main" matchingName="Caption">
   <p:cSld name="CAPTION_ONLY">
     <p:spTree>
       <p:nvGrpSpPr>
-        <p:cNvPr id="43" name="Shape 43"/>
+        <p:cNvPr id="1" name="Shape 43"/>
         <p:cNvGrpSpPr/>
         <p:nvPr/>
       </p:nvGrpSpPr>
@@ -5190,9 +5337,11 @@
       <p:sp>
         <p:nvSpPr>
           <p:cNvPr id="44" name="Google Shape;44;p10"/>
-          <p:cNvSpPr txBox="1"/>
+          <p:cNvSpPr txBox="1">
+            <a:spLocks noGrp="1"/>
+          </p:cNvSpPr>
           <p:nvPr>
-            <p:ph idx="1" type="body"/>
+            <p:ph type="body" idx="1"/>
           </p:nvPr>
         </p:nvSpPr>
         <p:spPr>
@@ -5205,11 +5354,11 @@
           </a:prstGeom>
         </p:spPr>
         <p:txBody>
-          <a:bodyPr anchorCtr="0" anchor="ctr" bIns="91425" lIns="91425" spcFirstLastPara="1" rIns="91425" wrap="square" tIns="91425">
+          <a:bodyPr spcFirstLastPara="1" wrap="square" lIns="91425" tIns="91425" rIns="91425" bIns="91425" anchor="ctr" anchorCtr="0">
             <a:noAutofit/>
           </a:bodyPr>
           <a:lstStyle>
-            <a:lvl1pPr indent="-228600" lvl="0" marL="457200">
+            <a:lvl1pPr marL="457200" lvl="0" indent="-228600">
               <a:lnSpc>
                 <a:spcPct val="100000"/>
               </a:lnSpc>
@@ -5236,15 +5385,19 @@
               </a:defRPr>
             </a:lvl1pPr>
           </a:lstStyle>
-          <a:p/>
+          <a:p>
+            <a:endParaRPr/>
+          </a:p>
         </p:txBody>
       </p:sp>
       <p:sp>
         <p:nvSpPr>
           <p:cNvPr id="45" name="Google Shape;45;p10"/>
-          <p:cNvSpPr txBox="1"/>
+          <p:cNvSpPr txBox="1">
+            <a:spLocks noGrp="1"/>
+          </p:cNvSpPr>
           <p:nvPr>
-            <p:ph idx="12" type="sldNum"/>
+            <p:ph type="sldNum" idx="12"/>
           </p:nvPr>
         </p:nvSpPr>
         <p:spPr>
@@ -5257,7 +5410,7 @@
           </a:prstGeom>
         </p:spPr>
         <p:txBody>
-          <a:bodyPr anchorCtr="0" anchor="ctr" bIns="91425" lIns="91425" spcFirstLastPara="1" rIns="91425" wrap="square" tIns="91425">
+          <a:bodyPr spcFirstLastPara="1" wrap="square" lIns="91425" tIns="91425" rIns="91425" bIns="91425" anchor="ctr" anchorCtr="0">
             <a:noAutofit/>
           </a:bodyPr>
           <a:lstStyle>
@@ -5299,7 +5452,7 @@
             </a:lvl9pPr>
           </a:lstStyle>
           <a:p>
-            <a:pPr indent="0" lvl="0" marL="0" rtl="0" algn="r">
+            <a:pPr marL="0" lvl="0" indent="0" algn="r" rtl="0">
               <a:spcBef>
                 <a:spcPts val="0"/>
               </a:spcBef>
@@ -5325,18 +5478,19 @@
 </file>
 
 <file path=ppt/slideMasters/slideMaster1.xml><?xml version="1.0" encoding="utf-8"?>
-<p:sldMaster xmlns:a="http://schemas.openxmlformats.org/drawingml/2006/main" xmlns:r="http://schemas.openxmlformats.org/officeDocument/2006/relationships" xmlns:mc="http://schemas.openxmlformats.org/markup-compatibility/2006" xmlns:mv="urn:schemas-microsoft-com:mac:vml" xmlns:p="http://schemas.openxmlformats.org/presentationml/2006/main" xmlns:c="http://schemas.openxmlformats.org/drawingml/2006/chart" xmlns:dgm="http://schemas.openxmlformats.org/drawingml/2006/diagram" xmlns:o="urn:schemas-microsoft-com:office:office" xmlns:v="urn:schemas-microsoft-com:vml" xmlns:pvml="urn:schemas-microsoft-com:office:powerpoint" xmlns:com="http://schemas.openxmlformats.org/drawingml/2006/compatibility" xmlns:p14="http://schemas.microsoft.com/office/powerpoint/2010/main" xmlns:p15="http://schemas.microsoft.com/office/powerpoint/2012/main">
+<p:sldMaster xmlns:a="http://schemas.openxmlformats.org/drawingml/2006/main" xmlns:r="http://schemas.openxmlformats.org/officeDocument/2006/relationships" xmlns:p="http://schemas.openxmlformats.org/presentationml/2006/main">
   <p:cSld name="gameday">
     <p:bg>
       <p:bgPr>
         <a:solidFill>
           <a:schemeClr val="lt1"/>
         </a:solidFill>
+        <a:effectLst/>
       </p:bgPr>
     </p:bg>
     <p:spTree>
       <p:nvGrpSpPr>
-        <p:cNvPr id="5" name="Shape 5"/>
+        <p:cNvPr id="1" name="Shape 5"/>
         <p:cNvGrpSpPr/>
         <p:nvPr/>
       </p:nvGrpSpPr>
@@ -5351,7 +5505,9 @@
       <p:sp>
         <p:nvSpPr>
           <p:cNvPr id="6" name="Google Shape;6;p1"/>
-          <p:cNvSpPr txBox="1"/>
+          <p:cNvSpPr txBox="1">
+            <a:spLocks noGrp="1"/>
+          </p:cNvSpPr>
           <p:nvPr>
             <p:ph type="title"/>
           </p:nvPr>
@@ -5370,7 +5526,7 @@
           </a:ln>
         </p:spPr>
         <p:txBody>
-          <a:bodyPr anchorCtr="0" anchor="t" bIns="91425" lIns="91425" spcFirstLastPara="1" rIns="91425" wrap="square" tIns="91425">
+          <a:bodyPr spcFirstLastPara="1" wrap="square" lIns="91425" tIns="91425" rIns="91425" bIns="91425" anchor="t" anchorCtr="0">
             <a:noAutofit/>
           </a:bodyPr>
           <a:lstStyle>
@@ -5582,15 +5738,19 @@
               </a:defRPr>
             </a:lvl9pPr>
           </a:lstStyle>
-          <a:p/>
+          <a:p>
+            <a:endParaRPr/>
+          </a:p>
         </p:txBody>
       </p:sp>
       <p:sp>
         <p:nvSpPr>
           <p:cNvPr id="7" name="Google Shape;7;p1"/>
-          <p:cNvSpPr txBox="1"/>
+          <p:cNvSpPr txBox="1">
+            <a:spLocks noGrp="1"/>
+          </p:cNvSpPr>
           <p:nvPr>
-            <p:ph idx="1" type="body"/>
+            <p:ph type="body" idx="1"/>
           </p:nvPr>
         </p:nvSpPr>
         <p:spPr>
@@ -5607,11 +5767,11 @@
           </a:ln>
         </p:spPr>
         <p:txBody>
-          <a:bodyPr anchorCtr="0" anchor="t" bIns="91425" lIns="91425" spcFirstLastPara="1" rIns="91425" wrap="square" tIns="91425">
+          <a:bodyPr spcFirstLastPara="1" wrap="square" lIns="91425" tIns="91425" rIns="91425" bIns="91425" anchor="t" anchorCtr="0">
             <a:noAutofit/>
           </a:bodyPr>
           <a:lstStyle>
-            <a:lvl1pPr indent="-342900" lvl="0" marL="457200">
+            <a:lvl1pPr marL="457200" lvl="0" indent="-342900">
               <a:lnSpc>
                 <a:spcPct val="115000"/>
               </a:lnSpc>
@@ -5637,7 +5797,7 @@
                 <a:sym typeface="Proxima Nova"/>
               </a:defRPr>
             </a:lvl1pPr>
-            <a:lvl2pPr indent="-317500" lvl="1" marL="914400">
+            <a:lvl2pPr marL="914400" lvl="1" indent="-317500">
               <a:lnSpc>
                 <a:spcPct val="115000"/>
               </a:lnSpc>
@@ -5663,7 +5823,7 @@
                 <a:sym typeface="Proxima Nova"/>
               </a:defRPr>
             </a:lvl2pPr>
-            <a:lvl3pPr indent="-317500" lvl="2" marL="1371600">
+            <a:lvl3pPr marL="1371600" lvl="2" indent="-317500">
               <a:lnSpc>
                 <a:spcPct val="115000"/>
               </a:lnSpc>
@@ -5689,7 +5849,7 @@
                 <a:sym typeface="Proxima Nova"/>
               </a:defRPr>
             </a:lvl3pPr>
-            <a:lvl4pPr indent="-317500" lvl="3" marL="1828800">
+            <a:lvl4pPr marL="1828800" lvl="3" indent="-317500">
               <a:lnSpc>
                 <a:spcPct val="115000"/>
               </a:lnSpc>
@@ -5715,7 +5875,7 @@
                 <a:sym typeface="Proxima Nova"/>
               </a:defRPr>
             </a:lvl4pPr>
-            <a:lvl5pPr indent="-317500" lvl="4" marL="2286000">
+            <a:lvl5pPr marL="2286000" lvl="4" indent="-317500">
               <a:lnSpc>
                 <a:spcPct val="115000"/>
               </a:lnSpc>
@@ -5741,7 +5901,7 @@
                 <a:sym typeface="Proxima Nova"/>
               </a:defRPr>
             </a:lvl5pPr>
-            <a:lvl6pPr indent="-317500" lvl="5" marL="2743200">
+            <a:lvl6pPr marL="2743200" lvl="5" indent="-317500">
               <a:lnSpc>
                 <a:spcPct val="115000"/>
               </a:lnSpc>
@@ -5767,7 +5927,7 @@
                 <a:sym typeface="Proxima Nova"/>
               </a:defRPr>
             </a:lvl6pPr>
-            <a:lvl7pPr indent="-317500" lvl="6" marL="3200400">
+            <a:lvl7pPr marL="3200400" lvl="6" indent="-317500">
               <a:lnSpc>
                 <a:spcPct val="115000"/>
               </a:lnSpc>
@@ -5793,7 +5953,7 @@
                 <a:sym typeface="Proxima Nova"/>
               </a:defRPr>
             </a:lvl7pPr>
-            <a:lvl8pPr indent="-317500" lvl="7" marL="3657600">
+            <a:lvl8pPr marL="3657600" lvl="7" indent="-317500">
               <a:lnSpc>
                 <a:spcPct val="115000"/>
               </a:lnSpc>
@@ -5819,7 +5979,7 @@
                 <a:sym typeface="Proxima Nova"/>
               </a:defRPr>
             </a:lvl8pPr>
-            <a:lvl9pPr indent="-317500" lvl="8" marL="4114800">
+            <a:lvl9pPr marL="4114800" lvl="8" indent="-317500">
               <a:lnSpc>
                 <a:spcPct val="115000"/>
               </a:lnSpc>
@@ -5846,15 +6006,19 @@
               </a:defRPr>
             </a:lvl9pPr>
           </a:lstStyle>
-          <a:p/>
+          <a:p>
+            <a:endParaRPr/>
+          </a:p>
         </p:txBody>
       </p:sp>
       <p:sp>
         <p:nvSpPr>
           <p:cNvPr id="8" name="Google Shape;8;p1"/>
-          <p:cNvSpPr txBox="1"/>
+          <p:cNvSpPr txBox="1">
+            <a:spLocks noGrp="1"/>
+          </p:cNvSpPr>
           <p:nvPr>
-            <p:ph idx="12" type="sldNum"/>
+            <p:ph type="sldNum" idx="12"/>
           </p:nvPr>
         </p:nvSpPr>
         <p:spPr>
@@ -5871,7 +6035,7 @@
           </a:ln>
         </p:spPr>
         <p:txBody>
-          <a:bodyPr anchorCtr="0" anchor="ctr" bIns="91425" lIns="91425" spcFirstLastPara="1" rIns="91425" wrap="square" tIns="91425">
+          <a:bodyPr spcFirstLastPara="1" wrap="square" lIns="91425" tIns="91425" rIns="91425" bIns="91425" anchor="ctr" anchorCtr="0">
             <a:noAutofit/>
           </a:bodyPr>
           <a:lstStyle>
@@ -5985,7 +6149,7 @@
             </a:lvl9pPr>
           </a:lstStyle>
           <a:p>
-            <a:pPr indent="0" lvl="0" marL="0" rtl="0" algn="r">
+            <a:pPr marL="0" lvl="0" indent="0" algn="r" rtl="0">
               <a:spcBef>
                 <a:spcPts val="0"/>
               </a:spcBef>
@@ -6004,7 +6168,7 @@
       </p:sp>
     </p:spTree>
   </p:cSld>
-  <p:clrMap accent1="accent1" accent2="accent2" accent3="accent3" accent4="accent4" accent5="accent5" accent6="accent6" bg1="lt1" bg2="dk2" tx1="dk1" tx2="lt2" folHlink="folHlink" hlink="hlink"/>
+  <p:clrMap bg1="lt1" tx1="dk1" bg2="dk2" tx2="lt2" accent1="accent1" accent2="accent2" accent3="accent3" accent4="accent4" accent5="accent5" accent6="accent6" hlink="hlink" folHlink="folHlink"/>
   <p:sldLayoutIdLst>
     <p:sldLayoutId id="2147483648" r:id="rId1"/>
     <p:sldLayoutId id="2147483649" r:id="rId2"/>
@@ -6018,10 +6182,10 @@
     <p:sldLayoutId id="2147483657" r:id="rId10"/>
     <p:sldLayoutId id="2147483658" r:id="rId11"/>
   </p:sldLayoutIdLst>
-  <p:hf dt="0" ftr="0" hdr="0" sldNum="0"/>
+  <p:hf sldNum="0" hdr="0" ftr="0" dt="0"/>
   <p:txStyles>
     <p:titleStyle>
-      <a:defPPr lvl="0" marR="0" rtl="0" algn="l">
+      <a:defPPr marR="0" lvl="0" algn="l" rtl="0">
         <a:lnSpc>
           <a:spcPct val="100000"/>
         </a:lnSpc>
@@ -6032,7 +6196,7 @@
           <a:spcPts val="0"/>
         </a:spcAft>
       </a:defPPr>
-      <a:lvl1pPr lvl="0" marR="0" rtl="0" algn="l">
+      <a:lvl1pPr marR="0" lvl="0" algn="l" rtl="0">
         <a:lnSpc>
           <a:spcPct val="100000"/>
         </a:lnSpc>
@@ -6046,7 +6210,7 @@
           <a:srgbClr val="000000"/>
         </a:buClr>
         <a:buFont typeface="Arial"/>
-        <a:defRPr b="0" i="0" sz="1400" u="none" cap="none" strike="noStrike">
+        <a:defRPr sz="1400" b="0" i="0" u="none" strike="noStrike" cap="none">
           <a:solidFill>
             <a:srgbClr val="000000"/>
           </a:solidFill>
@@ -6056,7 +6220,7 @@
           <a:sym typeface="Arial"/>
         </a:defRPr>
       </a:lvl1pPr>
-      <a:lvl2pPr lvl="1" marR="0" rtl="0" algn="l">
+      <a:lvl2pPr marR="0" lvl="1" algn="l" rtl="0">
         <a:lnSpc>
           <a:spcPct val="100000"/>
         </a:lnSpc>
@@ -6070,7 +6234,7 @@
           <a:srgbClr val="000000"/>
         </a:buClr>
         <a:buFont typeface="Arial"/>
-        <a:defRPr b="0" i="0" sz="1400" u="none" cap="none" strike="noStrike">
+        <a:defRPr sz="1400" b="0" i="0" u="none" strike="noStrike" cap="none">
           <a:solidFill>
             <a:srgbClr val="000000"/>
           </a:solidFill>
@@ -6080,7 +6244,7 @@
           <a:sym typeface="Arial"/>
         </a:defRPr>
       </a:lvl2pPr>
-      <a:lvl3pPr lvl="2" marR="0" rtl="0" algn="l">
+      <a:lvl3pPr marR="0" lvl="2" algn="l" rtl="0">
         <a:lnSpc>
           <a:spcPct val="100000"/>
         </a:lnSpc>
@@ -6094,7 +6258,7 @@
           <a:srgbClr val="000000"/>
         </a:buClr>
         <a:buFont typeface="Arial"/>
-        <a:defRPr b="0" i="0" sz="1400" u="none" cap="none" strike="noStrike">
+        <a:defRPr sz="1400" b="0" i="0" u="none" strike="noStrike" cap="none">
           <a:solidFill>
             <a:srgbClr val="000000"/>
           </a:solidFill>
@@ -6104,7 +6268,7 @@
           <a:sym typeface="Arial"/>
         </a:defRPr>
       </a:lvl3pPr>
-      <a:lvl4pPr lvl="3" marR="0" rtl="0" algn="l">
+      <a:lvl4pPr marR="0" lvl="3" algn="l" rtl="0">
         <a:lnSpc>
           <a:spcPct val="100000"/>
         </a:lnSpc>
@@ -6118,7 +6282,7 @@
           <a:srgbClr val="000000"/>
         </a:buClr>
         <a:buFont typeface="Arial"/>
-        <a:defRPr b="0" i="0" sz="1400" u="none" cap="none" strike="noStrike">
+        <a:defRPr sz="1400" b="0" i="0" u="none" strike="noStrike" cap="none">
           <a:solidFill>
             <a:srgbClr val="000000"/>
           </a:solidFill>
@@ -6128,7 +6292,7 @@
           <a:sym typeface="Arial"/>
         </a:defRPr>
       </a:lvl4pPr>
-      <a:lvl5pPr lvl="4" marR="0" rtl="0" algn="l">
+      <a:lvl5pPr marR="0" lvl="4" algn="l" rtl="0">
         <a:lnSpc>
           <a:spcPct val="100000"/>
         </a:lnSpc>
@@ -6142,7 +6306,7 @@
           <a:srgbClr val="000000"/>
         </a:buClr>
         <a:buFont typeface="Arial"/>
-        <a:defRPr b="0" i="0" sz="1400" u="none" cap="none" strike="noStrike">
+        <a:defRPr sz="1400" b="0" i="0" u="none" strike="noStrike" cap="none">
           <a:solidFill>
             <a:srgbClr val="000000"/>
           </a:solidFill>
@@ -6152,7 +6316,7 @@
           <a:sym typeface="Arial"/>
         </a:defRPr>
       </a:lvl5pPr>
-      <a:lvl6pPr lvl="5" marR="0" rtl="0" algn="l">
+      <a:lvl6pPr marR="0" lvl="5" algn="l" rtl="0">
         <a:lnSpc>
           <a:spcPct val="100000"/>
         </a:lnSpc>
@@ -6166,7 +6330,7 @@
           <a:srgbClr val="000000"/>
         </a:buClr>
         <a:buFont typeface="Arial"/>
-        <a:defRPr b="0" i="0" sz="1400" u="none" cap="none" strike="noStrike">
+        <a:defRPr sz="1400" b="0" i="0" u="none" strike="noStrike" cap="none">
           <a:solidFill>
             <a:srgbClr val="000000"/>
           </a:solidFill>
@@ -6176,7 +6340,7 @@
           <a:sym typeface="Arial"/>
         </a:defRPr>
       </a:lvl6pPr>
-      <a:lvl7pPr lvl="6" marR="0" rtl="0" algn="l">
+      <a:lvl7pPr marR="0" lvl="6" algn="l" rtl="0">
         <a:lnSpc>
           <a:spcPct val="100000"/>
         </a:lnSpc>
@@ -6190,7 +6354,7 @@
           <a:srgbClr val="000000"/>
         </a:buClr>
         <a:buFont typeface="Arial"/>
-        <a:defRPr b="0" i="0" sz="1400" u="none" cap="none" strike="noStrike">
+        <a:defRPr sz="1400" b="0" i="0" u="none" strike="noStrike" cap="none">
           <a:solidFill>
             <a:srgbClr val="000000"/>
           </a:solidFill>
@@ -6200,7 +6364,7 @@
           <a:sym typeface="Arial"/>
         </a:defRPr>
       </a:lvl7pPr>
-      <a:lvl8pPr lvl="7" marR="0" rtl="0" algn="l">
+      <a:lvl8pPr marR="0" lvl="7" algn="l" rtl="0">
         <a:lnSpc>
           <a:spcPct val="100000"/>
         </a:lnSpc>
@@ -6214,7 +6378,7 @@
           <a:srgbClr val="000000"/>
         </a:buClr>
         <a:buFont typeface="Arial"/>
-        <a:defRPr b="0" i="0" sz="1400" u="none" cap="none" strike="noStrike">
+        <a:defRPr sz="1400" b="0" i="0" u="none" strike="noStrike" cap="none">
           <a:solidFill>
             <a:srgbClr val="000000"/>
           </a:solidFill>
@@ -6224,7 +6388,7 @@
           <a:sym typeface="Arial"/>
         </a:defRPr>
       </a:lvl8pPr>
-      <a:lvl9pPr lvl="8" marR="0" rtl="0" algn="l">
+      <a:lvl9pPr marR="0" lvl="8" algn="l" rtl="0">
         <a:lnSpc>
           <a:spcPct val="100000"/>
         </a:lnSpc>
@@ -6238,7 +6402,7 @@
           <a:srgbClr val="000000"/>
         </a:buClr>
         <a:buFont typeface="Arial"/>
-        <a:defRPr b="0" i="0" sz="1400" u="none" cap="none" strike="noStrike">
+        <a:defRPr sz="1400" b="0" i="0" u="none" strike="noStrike" cap="none">
           <a:solidFill>
             <a:srgbClr val="000000"/>
           </a:solidFill>
@@ -6250,7 +6414,7 @@
       </a:lvl9pPr>
     </p:titleStyle>
     <p:bodyStyle>
-      <a:defPPr lvl="0" marR="0" rtl="0" algn="l">
+      <a:defPPr marR="0" lvl="0" algn="l" rtl="0">
         <a:lnSpc>
           <a:spcPct val="100000"/>
         </a:lnSpc>
@@ -6261,7 +6425,7 @@
           <a:spcPts val="0"/>
         </a:spcAft>
       </a:defPPr>
-      <a:lvl1pPr lvl="0" marR="0" rtl="0" algn="l">
+      <a:lvl1pPr marR="0" lvl="0" algn="l" rtl="0">
         <a:lnSpc>
           <a:spcPct val="100000"/>
         </a:lnSpc>
@@ -6275,7 +6439,7 @@
           <a:srgbClr val="000000"/>
         </a:buClr>
         <a:buFont typeface="Arial"/>
-        <a:defRPr b="0" i="0" sz="1400" u="none" cap="none" strike="noStrike">
+        <a:defRPr sz="1400" b="0" i="0" u="none" strike="noStrike" cap="none">
           <a:solidFill>
             <a:srgbClr val="000000"/>
           </a:solidFill>
@@ -6285,7 +6449,7 @@
           <a:sym typeface="Arial"/>
         </a:defRPr>
       </a:lvl1pPr>
-      <a:lvl2pPr lvl="1" marR="0" rtl="0" algn="l">
+      <a:lvl2pPr marR="0" lvl="1" algn="l" rtl="0">
         <a:lnSpc>
           <a:spcPct val="100000"/>
         </a:lnSpc>
@@ -6299,7 +6463,7 @@
           <a:srgbClr val="000000"/>
         </a:buClr>
         <a:buFont typeface="Arial"/>
-        <a:defRPr b="0" i="0" sz="1400" u="none" cap="none" strike="noStrike">
+        <a:defRPr sz="1400" b="0" i="0" u="none" strike="noStrike" cap="none">
           <a:solidFill>
             <a:srgbClr val="000000"/>
           </a:solidFill>
@@ -6309,7 +6473,7 @@
           <a:sym typeface="Arial"/>
         </a:defRPr>
       </a:lvl2pPr>
-      <a:lvl3pPr lvl="2" marR="0" rtl="0" algn="l">
+      <a:lvl3pPr marR="0" lvl="2" algn="l" rtl="0">
         <a:lnSpc>
           <a:spcPct val="100000"/>
         </a:lnSpc>
@@ -6323,7 +6487,7 @@
           <a:srgbClr val="000000"/>
         </a:buClr>
         <a:buFont typeface="Arial"/>
-        <a:defRPr b="0" i="0" sz="1400" u="none" cap="none" strike="noStrike">
+        <a:defRPr sz="1400" b="0" i="0" u="none" strike="noStrike" cap="none">
           <a:solidFill>
             <a:srgbClr val="000000"/>
           </a:solidFill>
@@ -6333,7 +6497,7 @@
           <a:sym typeface="Arial"/>
         </a:defRPr>
       </a:lvl3pPr>
-      <a:lvl4pPr lvl="3" marR="0" rtl="0" algn="l">
+      <a:lvl4pPr marR="0" lvl="3" algn="l" rtl="0">
         <a:lnSpc>
           <a:spcPct val="100000"/>
         </a:lnSpc>
@@ -6347,7 +6511,7 @@
           <a:srgbClr val="000000"/>
         </a:buClr>
         <a:buFont typeface="Arial"/>
-        <a:defRPr b="0" i="0" sz="1400" u="none" cap="none" strike="noStrike">
+        <a:defRPr sz="1400" b="0" i="0" u="none" strike="noStrike" cap="none">
           <a:solidFill>
             <a:srgbClr val="000000"/>
           </a:solidFill>
@@ -6357,7 +6521,7 @@
           <a:sym typeface="Arial"/>
         </a:defRPr>
       </a:lvl4pPr>
-      <a:lvl5pPr lvl="4" marR="0" rtl="0" algn="l">
+      <a:lvl5pPr marR="0" lvl="4" algn="l" rtl="0">
         <a:lnSpc>
           <a:spcPct val="100000"/>
         </a:lnSpc>
@@ -6371,7 +6535,7 @@
           <a:srgbClr val="000000"/>
         </a:buClr>
         <a:buFont typeface="Arial"/>
-        <a:defRPr b="0" i="0" sz="1400" u="none" cap="none" strike="noStrike">
+        <a:defRPr sz="1400" b="0" i="0" u="none" strike="noStrike" cap="none">
           <a:solidFill>
             <a:srgbClr val="000000"/>
           </a:solidFill>
@@ -6381,7 +6545,7 @@
           <a:sym typeface="Arial"/>
         </a:defRPr>
       </a:lvl5pPr>
-      <a:lvl6pPr lvl="5" marR="0" rtl="0" algn="l">
+      <a:lvl6pPr marR="0" lvl="5" algn="l" rtl="0">
         <a:lnSpc>
           <a:spcPct val="100000"/>
         </a:lnSpc>
@@ -6395,7 +6559,7 @@
           <a:srgbClr val="000000"/>
         </a:buClr>
         <a:buFont typeface="Arial"/>
-        <a:defRPr b="0" i="0" sz="1400" u="none" cap="none" strike="noStrike">
+        <a:defRPr sz="1400" b="0" i="0" u="none" strike="noStrike" cap="none">
           <a:solidFill>
             <a:srgbClr val="000000"/>
           </a:solidFill>
@@ -6405,7 +6569,7 @@
           <a:sym typeface="Arial"/>
         </a:defRPr>
       </a:lvl6pPr>
-      <a:lvl7pPr lvl="6" marR="0" rtl="0" algn="l">
+      <a:lvl7pPr marR="0" lvl="6" algn="l" rtl="0">
         <a:lnSpc>
           <a:spcPct val="100000"/>
         </a:lnSpc>
@@ -6419,7 +6583,7 @@
           <a:srgbClr val="000000"/>
         </a:buClr>
         <a:buFont typeface="Arial"/>
-        <a:defRPr b="0" i="0" sz="1400" u="none" cap="none" strike="noStrike">
+        <a:defRPr sz="1400" b="0" i="0" u="none" strike="noStrike" cap="none">
           <a:solidFill>
             <a:srgbClr val="000000"/>
           </a:solidFill>
@@ -6429,7 +6593,7 @@
           <a:sym typeface="Arial"/>
         </a:defRPr>
       </a:lvl7pPr>
-      <a:lvl8pPr lvl="7" marR="0" rtl="0" algn="l">
+      <a:lvl8pPr marR="0" lvl="7" algn="l" rtl="0">
         <a:lnSpc>
           <a:spcPct val="100000"/>
         </a:lnSpc>
@@ -6443,7 +6607,7 @@
           <a:srgbClr val="000000"/>
         </a:buClr>
         <a:buFont typeface="Arial"/>
-        <a:defRPr b="0" i="0" sz="1400" u="none" cap="none" strike="noStrike">
+        <a:defRPr sz="1400" b="0" i="0" u="none" strike="noStrike" cap="none">
           <a:solidFill>
             <a:srgbClr val="000000"/>
           </a:solidFill>
@@ -6453,7 +6617,7 @@
           <a:sym typeface="Arial"/>
         </a:defRPr>
       </a:lvl8pPr>
-      <a:lvl9pPr lvl="8" marR="0" rtl="0" algn="l">
+      <a:lvl9pPr marR="0" lvl="8" algn="l" rtl="0">
         <a:lnSpc>
           <a:spcPct val="100000"/>
         </a:lnSpc>
@@ -6467,7 +6631,7 @@
           <a:srgbClr val="000000"/>
         </a:buClr>
         <a:buFont typeface="Arial"/>
-        <a:defRPr b="0" i="0" sz="1400" u="none" cap="none" strike="noStrike">
+        <a:defRPr sz="1400" b="0" i="0" u="none" strike="noStrike" cap="none">
           <a:solidFill>
             <a:srgbClr val="000000"/>
           </a:solidFill>
@@ -6479,7 +6643,7 @@
       </a:lvl9pPr>
     </p:bodyStyle>
     <p:otherStyle>
-      <a:defPPr lvl="0" marR="0" rtl="0" algn="l">
+      <a:defPPr marR="0" lvl="0" algn="l" rtl="0">
         <a:lnSpc>
           <a:spcPct val="100000"/>
         </a:lnSpc>
@@ -6490,7 +6654,7 @@
           <a:spcPts val="0"/>
         </a:spcAft>
       </a:defPPr>
-      <a:lvl1pPr lvl="0" marR="0" rtl="0" algn="l">
+      <a:lvl1pPr marR="0" lvl="0" algn="l" rtl="0">
         <a:lnSpc>
           <a:spcPct val="100000"/>
         </a:lnSpc>
@@ -6504,7 +6668,7 @@
           <a:srgbClr val="000000"/>
         </a:buClr>
         <a:buFont typeface="Arial"/>
-        <a:defRPr b="0" i="0" sz="1400" u="none" cap="none" strike="noStrike">
+        <a:defRPr sz="1400" b="0" i="0" u="none" strike="noStrike" cap="none">
           <a:solidFill>
             <a:srgbClr val="000000"/>
           </a:solidFill>
@@ -6514,7 +6678,7 @@
           <a:sym typeface="Arial"/>
         </a:defRPr>
       </a:lvl1pPr>
-      <a:lvl2pPr lvl="1" marR="0" rtl="0" algn="l">
+      <a:lvl2pPr marR="0" lvl="1" algn="l" rtl="0">
         <a:lnSpc>
           <a:spcPct val="100000"/>
         </a:lnSpc>
@@ -6528,7 +6692,7 @@
           <a:srgbClr val="000000"/>
         </a:buClr>
         <a:buFont typeface="Arial"/>
-        <a:defRPr b="0" i="0" sz="1400" u="none" cap="none" strike="noStrike">
+        <a:defRPr sz="1400" b="0" i="0" u="none" strike="noStrike" cap="none">
           <a:solidFill>
             <a:srgbClr val="000000"/>
           </a:solidFill>
@@ -6538,7 +6702,7 @@
           <a:sym typeface="Arial"/>
         </a:defRPr>
       </a:lvl2pPr>
-      <a:lvl3pPr lvl="2" marR="0" rtl="0" algn="l">
+      <a:lvl3pPr marR="0" lvl="2" algn="l" rtl="0">
         <a:lnSpc>
           <a:spcPct val="100000"/>
         </a:lnSpc>
@@ -6552,7 +6716,7 @@
           <a:srgbClr val="000000"/>
         </a:buClr>
         <a:buFont typeface="Arial"/>
-        <a:defRPr b="0" i="0" sz="1400" u="none" cap="none" strike="noStrike">
+        <a:defRPr sz="1400" b="0" i="0" u="none" strike="noStrike" cap="none">
           <a:solidFill>
             <a:srgbClr val="000000"/>
           </a:solidFill>
@@ -6562,7 +6726,7 @@
           <a:sym typeface="Arial"/>
         </a:defRPr>
       </a:lvl3pPr>
-      <a:lvl4pPr lvl="3" marR="0" rtl="0" algn="l">
+      <a:lvl4pPr marR="0" lvl="3" algn="l" rtl="0">
         <a:lnSpc>
           <a:spcPct val="100000"/>
         </a:lnSpc>
@@ -6576,7 +6740,7 @@
           <a:srgbClr val="000000"/>
         </a:buClr>
         <a:buFont typeface="Arial"/>
-        <a:defRPr b="0" i="0" sz="1400" u="none" cap="none" strike="noStrike">
+        <a:defRPr sz="1400" b="0" i="0" u="none" strike="noStrike" cap="none">
           <a:solidFill>
             <a:srgbClr val="000000"/>
           </a:solidFill>
@@ -6586,7 +6750,7 @@
           <a:sym typeface="Arial"/>
         </a:defRPr>
       </a:lvl4pPr>
-      <a:lvl5pPr lvl="4" marR="0" rtl="0" algn="l">
+      <a:lvl5pPr marR="0" lvl="4" algn="l" rtl="0">
         <a:lnSpc>
           <a:spcPct val="100000"/>
         </a:lnSpc>
@@ -6600,7 +6764,7 @@
           <a:srgbClr val="000000"/>
         </a:buClr>
         <a:buFont typeface="Arial"/>
-        <a:defRPr b="0" i="0" sz="1400" u="none" cap="none" strike="noStrike">
+        <a:defRPr sz="1400" b="0" i="0" u="none" strike="noStrike" cap="none">
           <a:solidFill>
             <a:srgbClr val="000000"/>
           </a:solidFill>
@@ -6610,7 +6774,7 @@
           <a:sym typeface="Arial"/>
         </a:defRPr>
       </a:lvl5pPr>
-      <a:lvl6pPr lvl="5" marR="0" rtl="0" algn="l">
+      <a:lvl6pPr marR="0" lvl="5" algn="l" rtl="0">
         <a:lnSpc>
           <a:spcPct val="100000"/>
         </a:lnSpc>
@@ -6624,7 +6788,7 @@
           <a:srgbClr val="000000"/>
         </a:buClr>
         <a:buFont typeface="Arial"/>
-        <a:defRPr b="0" i="0" sz="1400" u="none" cap="none" strike="noStrike">
+        <a:defRPr sz="1400" b="0" i="0" u="none" strike="noStrike" cap="none">
           <a:solidFill>
             <a:srgbClr val="000000"/>
           </a:solidFill>
@@ -6634,7 +6798,7 @@
           <a:sym typeface="Arial"/>
         </a:defRPr>
       </a:lvl6pPr>
-      <a:lvl7pPr lvl="6" marR="0" rtl="0" algn="l">
+      <a:lvl7pPr marR="0" lvl="6" algn="l" rtl="0">
         <a:lnSpc>
           <a:spcPct val="100000"/>
         </a:lnSpc>
@@ -6648,7 +6812,7 @@
           <a:srgbClr val="000000"/>
         </a:buClr>
         <a:buFont typeface="Arial"/>
-        <a:defRPr b="0" i="0" sz="1400" u="none" cap="none" strike="noStrike">
+        <a:defRPr sz="1400" b="0" i="0" u="none" strike="noStrike" cap="none">
           <a:solidFill>
             <a:srgbClr val="000000"/>
           </a:solidFill>
@@ -6658,7 +6822,7 @@
           <a:sym typeface="Arial"/>
         </a:defRPr>
       </a:lvl7pPr>
-      <a:lvl8pPr lvl="7" marR="0" rtl="0" algn="l">
+      <a:lvl8pPr marR="0" lvl="7" algn="l" rtl="0">
         <a:lnSpc>
           <a:spcPct val="100000"/>
         </a:lnSpc>
@@ -6672,7 +6836,7 @@
           <a:srgbClr val="000000"/>
         </a:buClr>
         <a:buFont typeface="Arial"/>
-        <a:defRPr b="0" i="0" sz="1400" u="none" cap="none" strike="noStrike">
+        <a:defRPr sz="1400" b="0" i="0" u="none" strike="noStrike" cap="none">
           <a:solidFill>
             <a:srgbClr val="000000"/>
           </a:solidFill>
@@ -6682,7 +6846,7 @@
           <a:sym typeface="Arial"/>
         </a:defRPr>
       </a:lvl8pPr>
-      <a:lvl9pPr lvl="8" marR="0" rtl="0" algn="l">
+      <a:lvl9pPr marR="0" lvl="8" algn="l" rtl="0">
         <a:lnSpc>
           <a:spcPct val="100000"/>
         </a:lnSpc>
@@ -6696,7 +6860,7 @@
           <a:srgbClr val="000000"/>
         </a:buClr>
         <a:buFont typeface="Arial"/>
-        <a:defRPr b="0" i="0" sz="1400" u="none" cap="none" strike="noStrike">
+        <a:defRPr sz="1400" b="0" i="0" u="none" strike="noStrike" cap="none">
           <a:solidFill>
             <a:srgbClr val="000000"/>
           </a:solidFill>
@@ -6712,11 +6876,11 @@
 </file>
 
 <file path=ppt/slides/slide1.xml><?xml version="1.0" encoding="utf-8"?>
-<p:sld xmlns:a="http://schemas.openxmlformats.org/drawingml/2006/main" xmlns:r="http://schemas.openxmlformats.org/officeDocument/2006/relationships" xmlns:mc="http://schemas.openxmlformats.org/markup-compatibility/2006" xmlns:mv="urn:schemas-microsoft-com:mac:vml" xmlns:p="http://schemas.openxmlformats.org/presentationml/2006/main" xmlns:c="http://schemas.openxmlformats.org/drawingml/2006/chart" xmlns:dgm="http://schemas.openxmlformats.org/drawingml/2006/diagram" xmlns:o="urn:schemas-microsoft-com:office:office" xmlns:v="urn:schemas-microsoft-com:vml" xmlns:pvml="urn:schemas-microsoft-com:office:powerpoint" xmlns:com="http://schemas.openxmlformats.org/drawingml/2006/compatibility" xmlns:p14="http://schemas.microsoft.com/office/powerpoint/2010/main" xmlns:p15="http://schemas.microsoft.com/office/powerpoint/2012/main">
+<p:sld xmlns:a="http://schemas.openxmlformats.org/drawingml/2006/main" xmlns:r="http://schemas.openxmlformats.org/officeDocument/2006/relationships" xmlns:p="http://schemas.openxmlformats.org/presentationml/2006/main">
   <p:cSld>
     <p:spTree>
       <p:nvGrpSpPr>
-        <p:cNvPr id="55" name="Shape 55"/>
+        <p:cNvPr id="1" name="Shape 55"/>
         <p:cNvGrpSpPr/>
         <p:nvPr/>
       </p:nvGrpSpPr>
@@ -6731,7 +6895,9 @@
       <p:sp>
         <p:nvSpPr>
           <p:cNvPr id="56" name="Google Shape;56;p13"/>
-          <p:cNvSpPr txBox="1"/>
+          <p:cNvSpPr txBox="1">
+            <a:spLocks noGrp="1"/>
+          </p:cNvSpPr>
           <p:nvPr>
             <p:ph type="ctrTitle"/>
           </p:nvPr>
@@ -6746,12 +6912,12 @@
           </a:prstGeom>
         </p:spPr>
         <p:txBody>
-          <a:bodyPr anchorCtr="0" anchor="b" bIns="91425" lIns="91425" spcFirstLastPara="1" rIns="91425" wrap="square" tIns="91425">
+          <a:bodyPr spcFirstLastPara="1" wrap="square" lIns="91425" tIns="91425" rIns="91425" bIns="91425" anchor="b" anchorCtr="0">
             <a:noAutofit/>
           </a:bodyPr>
           <a:lstStyle/>
           <a:p>
-            <a:pPr indent="0" lvl="0" marL="0" rtl="0" algn="ctr">
+            <a:pPr marL="0" lvl="0" indent="0" algn="ctr" rtl="0">
               <a:spcBef>
                 <a:spcPts val="0"/>
               </a:spcBef>
@@ -6771,9 +6937,11 @@
       <p:sp>
         <p:nvSpPr>
           <p:cNvPr id="57" name="Google Shape;57;p13"/>
-          <p:cNvSpPr txBox="1"/>
+          <p:cNvSpPr txBox="1">
+            <a:spLocks noGrp="1"/>
+          </p:cNvSpPr>
           <p:nvPr>
-            <p:ph idx="1" type="subTitle"/>
+            <p:ph type="subTitle" idx="1"/>
           </p:nvPr>
         </p:nvSpPr>
         <p:spPr>
@@ -6786,12 +6954,12 @@
           </a:prstGeom>
         </p:spPr>
         <p:txBody>
-          <a:bodyPr anchorCtr="0" anchor="t" bIns="91425" lIns="91425" spcFirstLastPara="1" rIns="91425" wrap="square" tIns="91425">
+          <a:bodyPr spcFirstLastPara="1" wrap="square" lIns="91425" tIns="91425" rIns="91425" bIns="91425" anchor="t" anchorCtr="0">
             <a:noAutofit/>
           </a:bodyPr>
           <a:lstStyle/>
           <a:p>
-            <a:pPr indent="0" lvl="0" marL="0" rtl="0" algn="ctr">
+            <a:pPr marL="0" lvl="0" indent="0" algn="ctr" rtl="0">
               <a:spcBef>
                 <a:spcPts val="0"/>
               </a:spcBef>
@@ -6813,37 +6981,7 @@
                 <a:cs typeface="Georgia"/>
                 <a:sym typeface="Georgia"/>
               </a:rPr>
-              <a:t>Rui </a:t>
-            </a:r>
-            <a:r>
-              <a:rPr lang="zh-CN">
-                <a:solidFill>
-                  <a:schemeClr val="accent1"/>
-                </a:solidFill>
-                <a:highlight>
-                  <a:srgbClr val="FFFFFF"/>
-                </a:highlight>
-                <a:latin typeface="Georgia"/>
-                <a:ea typeface="Georgia"/>
-                <a:cs typeface="Georgia"/>
-                <a:sym typeface="Georgia"/>
-              </a:rPr>
-              <a:t>Cao, Feng </a:t>
-            </a:r>
-            <a:r>
-              <a:rPr lang="zh-CN">
-                <a:solidFill>
-                  <a:schemeClr val="accent1"/>
-                </a:solidFill>
-                <a:highlight>
-                  <a:srgbClr val="FFFFFF"/>
-                </a:highlight>
-                <a:latin typeface="Georgia"/>
-                <a:ea typeface="Georgia"/>
-                <a:cs typeface="Georgia"/>
-                <a:sym typeface="Georgia"/>
-              </a:rPr>
-              <a:t>Qiu, Nichole Yao, Xuanhong Ye</a:t>
+              <a:t>Rui Cao, Feng Qiu, Nichole Yao, Xuanhong Ye</a:t>
             </a:r>
             <a:endParaRPr>
               <a:solidFill>
@@ -6866,11 +7004,11 @@
 </file>
 
 <file path=ppt/slides/slide2.xml><?xml version="1.0" encoding="utf-8"?>
-<p:sld xmlns:a="http://schemas.openxmlformats.org/drawingml/2006/main" xmlns:r="http://schemas.openxmlformats.org/officeDocument/2006/relationships" xmlns:mc="http://schemas.openxmlformats.org/markup-compatibility/2006" xmlns:mv="urn:schemas-microsoft-com:mac:vml" xmlns:p="http://schemas.openxmlformats.org/presentationml/2006/main" xmlns:c="http://schemas.openxmlformats.org/drawingml/2006/chart" xmlns:dgm="http://schemas.openxmlformats.org/drawingml/2006/diagram" xmlns:o="urn:schemas-microsoft-com:office:office" xmlns:v="urn:schemas-microsoft-com:vml" xmlns:pvml="urn:schemas-microsoft-com:office:powerpoint" xmlns:com="http://schemas.openxmlformats.org/drawingml/2006/compatibility" xmlns:p14="http://schemas.microsoft.com/office/powerpoint/2010/main" xmlns:p15="http://schemas.microsoft.com/office/powerpoint/2012/main">
+<p:sld xmlns:a="http://schemas.openxmlformats.org/drawingml/2006/main" xmlns:r="http://schemas.openxmlformats.org/officeDocument/2006/relationships" xmlns:p="http://schemas.openxmlformats.org/presentationml/2006/main">
   <p:cSld>
     <p:spTree>
       <p:nvGrpSpPr>
-        <p:cNvPr id="61" name="Shape 61"/>
+        <p:cNvPr id="1" name="Shape 61"/>
         <p:cNvGrpSpPr/>
         <p:nvPr/>
       </p:nvGrpSpPr>
@@ -6885,7 +7023,9 @@
       <p:sp>
         <p:nvSpPr>
           <p:cNvPr id="62" name="Google Shape;62;p14"/>
-          <p:cNvSpPr txBox="1"/>
+          <p:cNvSpPr txBox="1">
+            <a:spLocks noGrp="1"/>
+          </p:cNvSpPr>
           <p:nvPr>
             <p:ph type="title"/>
           </p:nvPr>
@@ -6900,12 +7040,12 @@
           </a:prstGeom>
         </p:spPr>
         <p:txBody>
-          <a:bodyPr anchorCtr="0" anchor="t" bIns="91425" lIns="91425" spcFirstLastPara="1" rIns="91425" wrap="square" tIns="91425">
+          <a:bodyPr spcFirstLastPara="1" wrap="square" lIns="91425" tIns="91425" rIns="91425" bIns="91425" anchor="t" anchorCtr="0">
             <a:noAutofit/>
           </a:bodyPr>
           <a:lstStyle/>
           <a:p>
-            <a:pPr indent="0" lvl="0" marL="0" marR="0" rtl="0" algn="l">
+            <a:pPr marL="0" marR="0" lvl="0" indent="0" algn="l" rtl="0">
               <a:lnSpc>
                 <a:spcPct val="100000"/>
               </a:lnSpc>
@@ -6940,9 +7080,11 @@
       <p:sp>
         <p:nvSpPr>
           <p:cNvPr id="63" name="Google Shape;63;p14"/>
-          <p:cNvSpPr txBox="1"/>
+          <p:cNvSpPr txBox="1">
+            <a:spLocks noGrp="1"/>
+          </p:cNvSpPr>
           <p:nvPr>
-            <p:ph idx="1" type="body"/>
+            <p:ph type="body" idx="1"/>
           </p:nvPr>
         </p:nvSpPr>
         <p:spPr>
@@ -6955,12 +7097,12 @@
           </a:prstGeom>
         </p:spPr>
         <p:txBody>
-          <a:bodyPr anchorCtr="0" anchor="t" bIns="91425" lIns="91425" spcFirstLastPara="1" rIns="91425" wrap="square" tIns="91425">
+          <a:bodyPr spcFirstLastPara="1" wrap="square" lIns="91425" tIns="91425" rIns="91425" bIns="91425" anchor="t" anchorCtr="0">
             <a:noAutofit/>
           </a:bodyPr>
           <a:lstStyle/>
           <a:p>
-            <a:pPr indent="-419100" lvl="0" marL="457200" rtl="0" algn="l">
+            <a:pPr marL="457200" lvl="0" indent="-419100" algn="l" rtl="0">
               <a:spcBef>
                 <a:spcPts val="0"/>
               </a:spcBef>
@@ -6977,7 +7119,7 @@
             <a:endParaRPr sz="3000"/>
           </a:p>
           <a:p>
-            <a:pPr indent="-419100" lvl="0" marL="457200" rtl="0" algn="l">
+            <a:pPr marL="457200" lvl="0" indent="-419100" algn="l" rtl="0">
               <a:spcBef>
                 <a:spcPts val="0"/>
               </a:spcBef>
@@ -6994,7 +7136,7 @@
             <a:endParaRPr sz="3000"/>
           </a:p>
           <a:p>
-            <a:pPr indent="-419100" lvl="0" marL="457200" rtl="0" algn="l">
+            <a:pPr marL="457200" lvl="0" indent="-419100" algn="l" rtl="0">
               <a:spcBef>
                 <a:spcPts val="0"/>
               </a:spcBef>
@@ -7021,11 +7163,11 @@
 </file>
 
 <file path=ppt/slides/slide3.xml><?xml version="1.0" encoding="utf-8"?>
-<p:sld xmlns:a="http://schemas.openxmlformats.org/drawingml/2006/main" xmlns:r="http://schemas.openxmlformats.org/officeDocument/2006/relationships" xmlns:mc="http://schemas.openxmlformats.org/markup-compatibility/2006" xmlns:mv="urn:schemas-microsoft-com:mac:vml" xmlns:p="http://schemas.openxmlformats.org/presentationml/2006/main" xmlns:c="http://schemas.openxmlformats.org/drawingml/2006/chart" xmlns:dgm="http://schemas.openxmlformats.org/drawingml/2006/diagram" xmlns:o="urn:schemas-microsoft-com:office:office" xmlns:v="urn:schemas-microsoft-com:vml" xmlns:pvml="urn:schemas-microsoft-com:office:powerpoint" xmlns:com="http://schemas.openxmlformats.org/drawingml/2006/compatibility" xmlns:p14="http://schemas.microsoft.com/office/powerpoint/2010/main" xmlns:p15="http://schemas.microsoft.com/office/powerpoint/2012/main">
+<p:sld xmlns:a="http://schemas.openxmlformats.org/drawingml/2006/main" xmlns:r="http://schemas.openxmlformats.org/officeDocument/2006/relationships" xmlns:p="http://schemas.openxmlformats.org/presentationml/2006/main">
   <p:cSld>
     <p:spTree>
       <p:nvGrpSpPr>
-        <p:cNvPr id="67" name="Shape 67"/>
+        <p:cNvPr id="1" name="Shape 67"/>
         <p:cNvGrpSpPr/>
         <p:nvPr/>
       </p:nvGrpSpPr>
@@ -7040,7 +7182,9 @@
       <p:sp>
         <p:nvSpPr>
           <p:cNvPr id="68" name="Google Shape;68;p15"/>
-          <p:cNvSpPr txBox="1"/>
+          <p:cNvSpPr txBox="1">
+            <a:spLocks noGrp="1"/>
+          </p:cNvSpPr>
           <p:nvPr>
             <p:ph type="title"/>
           </p:nvPr>
@@ -7055,12 +7199,12 @@
           </a:prstGeom>
         </p:spPr>
         <p:txBody>
-          <a:bodyPr anchorCtr="0" anchor="t" bIns="91425" lIns="91425" spcFirstLastPara="1" rIns="91425" wrap="square" tIns="91425">
+          <a:bodyPr spcFirstLastPara="1" wrap="square" lIns="91425" tIns="91425" rIns="91425" bIns="91425" anchor="t" anchorCtr="0">
             <a:noAutofit/>
           </a:bodyPr>
           <a:lstStyle/>
           <a:p>
-            <a:pPr indent="0" lvl="0" marL="0" rtl="0" algn="l">
+            <a:pPr marL="0" lvl="0" indent="0" algn="l" rtl="0">
               <a:spcBef>
                 <a:spcPts val="0"/>
               </a:spcBef>
@@ -7080,9 +7224,11 @@
       <p:sp>
         <p:nvSpPr>
           <p:cNvPr id="69" name="Google Shape;69;p15"/>
-          <p:cNvSpPr txBox="1"/>
+          <p:cNvSpPr txBox="1">
+            <a:spLocks noGrp="1"/>
+          </p:cNvSpPr>
           <p:nvPr>
-            <p:ph idx="1" type="body"/>
+            <p:ph type="body" idx="1"/>
           </p:nvPr>
         </p:nvSpPr>
         <p:spPr>
@@ -7095,12 +7241,12 @@
           </a:prstGeom>
         </p:spPr>
         <p:txBody>
-          <a:bodyPr anchorCtr="0" anchor="t" bIns="91425" lIns="91425" spcFirstLastPara="1" rIns="91425" wrap="square" tIns="91425">
+          <a:bodyPr spcFirstLastPara="1" wrap="square" lIns="91425" tIns="91425" rIns="91425" bIns="91425" anchor="t" anchorCtr="0">
             <a:noAutofit/>
           </a:bodyPr>
           <a:lstStyle/>
           <a:p>
-            <a:pPr indent="0" lvl="0" marL="0" rtl="0" algn="l">
+            <a:pPr marL="0" lvl="0" indent="0" algn="l" rtl="0">
               <a:lnSpc>
                 <a:spcPct val="100000"/>
               </a:lnSpc>
@@ -7113,13 +7259,13 @@
               <a:buNone/>
             </a:pPr>
             <a:r>
-              <a:rPr b="1" lang="zh-CN"/>
+              <a:rPr lang="zh-CN" b="1"/>
               <a:t>A1: Stochastic gradient descent (SGD)</a:t>
             </a:r>
             <a:endParaRPr b="1"/>
           </a:p>
           <a:p>
-            <a:pPr indent="-342900" lvl="0" marL="457200" rtl="0" algn="l">
+            <a:pPr marL="457200" lvl="0" indent="-342900" algn="l" rtl="0">
               <a:lnSpc>
                 <a:spcPct val="100000"/>
               </a:lnSpc>
@@ -7139,7 +7285,7 @@
             <a:endParaRPr/>
           </a:p>
           <a:p>
-            <a:pPr indent="-342900" lvl="0" marL="457200" rtl="0" algn="l">
+            <a:pPr marL="457200" lvl="0" indent="-342900" algn="l" rtl="0">
               <a:lnSpc>
                 <a:spcPct val="100000"/>
               </a:lnSpc>
@@ -7159,7 +7305,7 @@
             <a:endParaRPr/>
           </a:p>
           <a:p>
-            <a:pPr indent="0" lvl="0" marL="0" rtl="0" algn="l">
+            <a:pPr marL="0" lvl="0" indent="0" algn="l" rtl="0">
               <a:spcBef>
                 <a:spcPts val="1600"/>
               </a:spcBef>
@@ -7169,13 +7315,13 @@
               <a:buNone/>
             </a:pPr>
             <a:r>
-              <a:rPr b="1" lang="zh-CN"/>
+              <a:rPr lang="zh-CN" b="1"/>
               <a:t>P2: Post-Processing with KNN</a:t>
             </a:r>
             <a:endParaRPr b="1"/>
           </a:p>
           <a:p>
-            <a:pPr indent="-342900" lvl="0" marL="457200" rtl="0" algn="l">
+            <a:pPr marL="457200" lvl="0" indent="-342900" algn="l" rtl="0">
               <a:spcBef>
                 <a:spcPts val="1600"/>
               </a:spcBef>
@@ -7192,7 +7338,7 @@
             <a:endParaRPr/>
           </a:p>
           <a:p>
-            <a:pPr indent="-342900" lvl="0" marL="457200" rtl="0" algn="l">
+            <a:pPr marL="457200" lvl="0" indent="-342900" algn="l" rtl="0">
               <a:spcBef>
                 <a:spcPts val="0"/>
               </a:spcBef>
@@ -7207,7 +7353,7 @@
               <a:t>use </a:t>
             </a:r>
             <a:r>
-              <a:rPr b="1" lang="zh-CN"/>
+              <a:rPr lang="zh-CN" b="1"/>
               <a:t>1 nearest neighbor</a:t>
             </a:r>
             <a:r>
@@ -7217,7 +7363,7 @@
             <a:endParaRPr/>
           </a:p>
           <a:p>
-            <a:pPr indent="-342900" lvl="0" marL="457200" rtl="0" algn="l">
+            <a:pPr marL="457200" lvl="0" indent="-342900" algn="l" rtl="0">
               <a:spcBef>
                 <a:spcPts val="0"/>
               </a:spcBef>
@@ -7234,7 +7380,7 @@
             <a:endParaRPr/>
           </a:p>
           <a:p>
-            <a:pPr indent="0" lvl="0" marL="457200" rtl="0" algn="l">
+            <a:pPr marL="457200" lvl="0" indent="0" algn="l" rtl="0">
               <a:spcBef>
                 <a:spcPts val="0"/>
               </a:spcBef>
@@ -7243,13 +7389,10 @@
               </a:spcAft>
               <a:buNone/>
             </a:pPr>
-            <a:r>
-              <a:t/>
-            </a:r>
             <a:endParaRPr/>
           </a:p>
           <a:p>
-            <a:pPr indent="0" lvl="0" marL="0" rtl="0" algn="l">
+            <a:pPr marL="0" lvl="0" indent="0" algn="l" rtl="0">
               <a:spcBef>
                 <a:spcPts val="0"/>
               </a:spcBef>
@@ -7258,9 +7401,6 @@
               </a:spcAft>
               <a:buNone/>
             </a:pPr>
-            <a:r>
-              <a:t/>
-            </a:r>
             <a:endParaRPr/>
           </a:p>
         </p:txBody>
@@ -7275,7 +7415,7 @@
           <a:blip r:embed="rId3">
             <a:alphaModFix/>
           </a:blip>
-          <a:srcRect b="0" l="0" r="51538" t="2439"/>
+          <a:srcRect t="2439" r="51538"/>
           <a:stretch/>
         </p:blipFill>
         <p:spPr>
@@ -7301,11 +7441,11 @@
 </file>
 
 <file path=ppt/slides/slide4.xml><?xml version="1.0" encoding="utf-8"?>
-<p:sld xmlns:a="http://schemas.openxmlformats.org/drawingml/2006/main" xmlns:r="http://schemas.openxmlformats.org/officeDocument/2006/relationships" xmlns:mc="http://schemas.openxmlformats.org/markup-compatibility/2006" xmlns:mv="urn:schemas-microsoft-com:mac:vml" xmlns:p="http://schemas.openxmlformats.org/presentationml/2006/main" xmlns:c="http://schemas.openxmlformats.org/drawingml/2006/chart" xmlns:dgm="http://schemas.openxmlformats.org/drawingml/2006/diagram" xmlns:o="urn:schemas-microsoft-com:office:office" xmlns:v="urn:schemas-microsoft-com:vml" xmlns:pvml="urn:schemas-microsoft-com:office:powerpoint" xmlns:com="http://schemas.openxmlformats.org/drawingml/2006/compatibility" xmlns:p14="http://schemas.microsoft.com/office/powerpoint/2010/main" xmlns:p15="http://schemas.microsoft.com/office/powerpoint/2012/main">
+<p:sld xmlns:a="http://schemas.openxmlformats.org/drawingml/2006/main" xmlns:r="http://schemas.openxmlformats.org/officeDocument/2006/relationships" xmlns:p="http://schemas.openxmlformats.org/presentationml/2006/main">
   <p:cSld>
     <p:spTree>
       <p:nvGrpSpPr>
-        <p:cNvPr id="74" name="Shape 74"/>
+        <p:cNvPr id="1" name="Shape 74"/>
         <p:cNvGrpSpPr/>
         <p:nvPr/>
       </p:nvGrpSpPr>
@@ -7320,7 +7460,9 @@
       <p:sp>
         <p:nvSpPr>
           <p:cNvPr id="75" name="Google Shape;75;p16"/>
-          <p:cNvSpPr txBox="1"/>
+          <p:cNvSpPr txBox="1">
+            <a:spLocks noGrp="1"/>
+          </p:cNvSpPr>
           <p:nvPr>
             <p:ph type="title"/>
           </p:nvPr>
@@ -7335,12 +7477,12 @@
           </a:prstGeom>
         </p:spPr>
         <p:txBody>
-          <a:bodyPr anchorCtr="0" anchor="t" bIns="91425" lIns="91425" spcFirstLastPara="1" rIns="91425" wrap="square" tIns="91425">
+          <a:bodyPr spcFirstLastPara="1" wrap="square" lIns="91425" tIns="91425" rIns="91425" bIns="91425" anchor="t" anchorCtr="0">
             <a:noAutofit/>
           </a:bodyPr>
           <a:lstStyle/>
           <a:p>
-            <a:pPr indent="0" lvl="0" marL="0" rtl="0" algn="l">
+            <a:pPr marL="0" lvl="0" indent="0" algn="l" rtl="0">
               <a:spcBef>
                 <a:spcPts val="0"/>
               </a:spcBef>
@@ -7360,9 +7502,11 @@
       <p:sp>
         <p:nvSpPr>
           <p:cNvPr id="76" name="Google Shape;76;p16"/>
-          <p:cNvSpPr txBox="1"/>
+          <p:cNvSpPr txBox="1">
+            <a:spLocks noGrp="1"/>
+          </p:cNvSpPr>
           <p:nvPr>
-            <p:ph idx="1" type="body"/>
+            <p:ph type="body" idx="1"/>
           </p:nvPr>
         </p:nvSpPr>
         <p:spPr>
@@ -7375,12 +7519,12 @@
           </a:prstGeom>
         </p:spPr>
         <p:txBody>
-          <a:bodyPr anchorCtr="0" anchor="t" bIns="91425" lIns="91425" spcFirstLastPara="1" rIns="91425" wrap="square" tIns="91425">
+          <a:bodyPr spcFirstLastPara="1" wrap="square" lIns="91425" tIns="91425" rIns="91425" bIns="91425" anchor="t" anchorCtr="0">
             <a:noAutofit/>
           </a:bodyPr>
           <a:lstStyle/>
           <a:p>
-            <a:pPr indent="0" lvl="0" marL="0" rtl="0" algn="l">
+            <a:pPr marL="0" lvl="0" indent="0" algn="l" rtl="0">
               <a:lnSpc>
                 <a:spcPct val="100000"/>
               </a:lnSpc>
@@ -7393,17 +7537,13 @@
               <a:buNone/>
             </a:pPr>
             <a:r>
-              <a:rPr b="1" lang="zh-CN"/>
-              <a:t>R</a:t>
-            </a:r>
-            <a:r>
-              <a:rPr b="1" lang="zh-CN"/>
-              <a:t>1: Penalize Magnititude</a:t>
+              <a:rPr lang="zh-CN" b="1"/>
+              <a:t>R1: Penalize Magnititude</a:t>
             </a:r>
             <a:endParaRPr b="1"/>
           </a:p>
           <a:p>
-            <a:pPr indent="-342900" lvl="0" marL="457200" rtl="0" algn="l">
+            <a:pPr marL="457200" lvl="0" indent="-342900" algn="l" rtl="0">
               <a:lnSpc>
                 <a:spcPct val="100000"/>
               </a:lnSpc>
@@ -7423,7 +7563,7 @@
             <a:endParaRPr/>
           </a:p>
           <a:p>
-            <a:pPr indent="0" lvl="0" marL="0" rtl="0" algn="l">
+            <a:pPr marL="0" lvl="0" indent="0" algn="l" rtl="0">
               <a:spcBef>
                 <a:spcPts val="1600"/>
               </a:spcBef>
@@ -7432,13 +7572,10 @@
               </a:spcAft>
               <a:buNone/>
             </a:pPr>
-            <a:r>
-              <a:t/>
-            </a:r>
             <a:endParaRPr/>
           </a:p>
           <a:p>
-            <a:pPr indent="0" lvl="0" marL="0" rtl="0" algn="l">
+            <a:pPr marL="0" lvl="0" indent="0" algn="l" rtl="0">
               <a:spcBef>
                 <a:spcPts val="1600"/>
               </a:spcBef>
@@ -7447,13 +7584,10 @@
               </a:spcAft>
               <a:buNone/>
             </a:pPr>
-            <a:r>
-              <a:t/>
-            </a:r>
             <a:endParaRPr/>
           </a:p>
           <a:p>
-            <a:pPr indent="0" lvl="0" marL="0" rtl="0" algn="l">
+            <a:pPr marL="0" lvl="0" indent="0" algn="l" rtl="0">
               <a:spcBef>
                 <a:spcPts val="1600"/>
               </a:spcBef>
@@ -7462,9 +7596,6 @@
               </a:spcAft>
               <a:buNone/>
             </a:pPr>
-            <a:r>
-              <a:t/>
-            </a:r>
             <a:endParaRPr/>
           </a:p>
         </p:txBody>
@@ -7506,11 +7637,11 @@
 </file>
 
 <file path=ppt/slides/slide5.xml><?xml version="1.0" encoding="utf-8"?>
-<p:sld xmlns:a="http://schemas.openxmlformats.org/drawingml/2006/main" xmlns:r="http://schemas.openxmlformats.org/officeDocument/2006/relationships" xmlns:mc="http://schemas.openxmlformats.org/markup-compatibility/2006" xmlns:mv="urn:schemas-microsoft-com:mac:vml" xmlns:p="http://schemas.openxmlformats.org/presentationml/2006/main" xmlns:c="http://schemas.openxmlformats.org/drawingml/2006/chart" xmlns:dgm="http://schemas.openxmlformats.org/drawingml/2006/diagram" xmlns:o="urn:schemas-microsoft-com:office:office" xmlns:v="urn:schemas-microsoft-com:vml" xmlns:pvml="urn:schemas-microsoft-com:office:powerpoint" xmlns:com="http://schemas.openxmlformats.org/drawingml/2006/compatibility" xmlns:p14="http://schemas.microsoft.com/office/powerpoint/2010/main" xmlns:p15="http://schemas.microsoft.com/office/powerpoint/2012/main">
+<p:sld xmlns:a="http://schemas.openxmlformats.org/drawingml/2006/main" xmlns:r="http://schemas.openxmlformats.org/officeDocument/2006/relationships" xmlns:p="http://schemas.openxmlformats.org/presentationml/2006/main">
   <p:cSld>
     <p:spTree>
       <p:nvGrpSpPr>
-        <p:cNvPr id="81" name="Shape 81"/>
+        <p:cNvPr id="1" name="Shape 81"/>
         <p:cNvGrpSpPr/>
         <p:nvPr/>
       </p:nvGrpSpPr>
@@ -7525,7 +7656,9 @@
       <p:sp>
         <p:nvSpPr>
           <p:cNvPr id="82" name="Google Shape;82;p17"/>
-          <p:cNvSpPr txBox="1"/>
+          <p:cNvSpPr txBox="1">
+            <a:spLocks noGrp="1"/>
+          </p:cNvSpPr>
           <p:nvPr>
             <p:ph type="title"/>
           </p:nvPr>
@@ -7540,12 +7673,12 @@
           </a:prstGeom>
         </p:spPr>
         <p:txBody>
-          <a:bodyPr anchorCtr="0" anchor="t" bIns="91425" lIns="91425" spcFirstLastPara="1" rIns="91425" wrap="square" tIns="91425">
+          <a:bodyPr spcFirstLastPara="1" wrap="square" lIns="91425" tIns="91425" rIns="91425" bIns="91425" anchor="t" anchorCtr="0">
             <a:noAutofit/>
           </a:bodyPr>
           <a:lstStyle/>
           <a:p>
-            <a:pPr indent="0" lvl="0" marL="0" rtl="0" algn="l">
+            <a:pPr marL="0" lvl="0" indent="0" algn="l" rtl="0">
               <a:spcBef>
                 <a:spcPts val="0"/>
               </a:spcBef>
@@ -7565,9 +7698,11 @@
       <p:sp>
         <p:nvSpPr>
           <p:cNvPr id="83" name="Google Shape;83;p17"/>
-          <p:cNvSpPr txBox="1"/>
+          <p:cNvSpPr txBox="1">
+            <a:spLocks noGrp="1"/>
+          </p:cNvSpPr>
           <p:nvPr>
-            <p:ph idx="1" type="body"/>
+            <p:ph type="body" idx="1"/>
           </p:nvPr>
         </p:nvSpPr>
         <p:spPr>
@@ -7580,12 +7715,12 @@
           </a:prstGeom>
         </p:spPr>
         <p:txBody>
-          <a:bodyPr anchorCtr="0" anchor="t" bIns="91425" lIns="91425" spcFirstLastPara="1" rIns="91425" wrap="square" tIns="91425">
+          <a:bodyPr spcFirstLastPara="1" wrap="square" lIns="91425" tIns="91425" rIns="91425" bIns="91425" anchor="t" anchorCtr="0">
             <a:noAutofit/>
           </a:bodyPr>
           <a:lstStyle/>
           <a:p>
-            <a:pPr indent="0" lvl="0" marL="0" rtl="0" algn="l">
+            <a:pPr marL="0" lvl="0" indent="0" algn="l" rtl="0">
               <a:lnSpc>
                 <a:spcPct val="100000"/>
               </a:lnSpc>
@@ -7598,13 +7733,13 @@
               <a:buNone/>
             </a:pPr>
             <a:r>
-              <a:rPr b="1" lang="zh-CN"/>
+              <a:rPr lang="zh-CN" b="1"/>
               <a:t>R2: Bias and Intercept</a:t>
             </a:r>
             <a:endParaRPr b="1"/>
           </a:p>
           <a:p>
-            <a:pPr indent="-342900" lvl="0" marL="457200" rtl="0" algn="l">
+            <a:pPr marL="457200" lvl="0" indent="-342900" algn="l" rtl="0">
               <a:lnSpc>
                 <a:spcPct val="100000"/>
               </a:lnSpc>
@@ -7624,7 +7759,7 @@
             <a:endParaRPr/>
           </a:p>
           <a:p>
-            <a:pPr indent="-342900" lvl="0" marL="457200" rtl="0" algn="l">
+            <a:pPr marL="457200" lvl="0" indent="-342900" algn="l" rtl="0">
               <a:lnSpc>
                 <a:spcPct val="100000"/>
               </a:lnSpc>
@@ -7644,7 +7779,7 @@
             <a:endParaRPr/>
           </a:p>
           <a:p>
-            <a:pPr indent="-317500" lvl="1" marL="914400" rtl="0" algn="l">
+            <a:pPr marL="914400" lvl="1" indent="-317500" algn="l" rtl="0">
               <a:lnSpc>
                 <a:spcPct val="100000"/>
               </a:lnSpc>
@@ -7664,7 +7799,7 @@
             <a:endParaRPr/>
           </a:p>
           <a:p>
-            <a:pPr indent="-317500" lvl="1" marL="914400" rtl="0" algn="l">
+            <a:pPr marL="914400" lvl="1" indent="-317500" algn="l" rtl="0">
               <a:lnSpc>
                 <a:spcPct val="100000"/>
               </a:lnSpc>
@@ -7684,7 +7819,7 @@
             <a:endParaRPr/>
           </a:p>
           <a:p>
-            <a:pPr indent="-317500" lvl="1" marL="914400" rtl="0" algn="l">
+            <a:pPr marL="914400" lvl="1" indent="-317500" algn="l" rtl="0">
               <a:lnSpc>
                 <a:spcPct val="100000"/>
               </a:lnSpc>
@@ -7704,7 +7839,7 @@
             <a:endParaRPr/>
           </a:p>
           <a:p>
-            <a:pPr indent="-317500" lvl="1" marL="914400" rtl="0" algn="l">
+            <a:pPr marL="914400" lvl="1" indent="-317500" algn="l" rtl="0">
               <a:lnSpc>
                 <a:spcPct val="100000"/>
               </a:lnSpc>
@@ -7724,7 +7859,7 @@
             <a:endParaRPr/>
           </a:p>
           <a:p>
-            <a:pPr indent="0" lvl="0" marL="914400" rtl="0" algn="l">
+            <a:pPr marL="914400" lvl="0" indent="0" algn="l" rtl="0">
               <a:lnSpc>
                 <a:spcPct val="100000"/>
               </a:lnSpc>
@@ -7736,13 +7871,10 @@
               </a:spcAft>
               <a:buNone/>
             </a:pPr>
-            <a:r>
-              <a:t/>
-            </a:r>
             <a:endParaRPr/>
           </a:p>
           <a:p>
-            <a:pPr indent="0" lvl="0" marL="0" rtl="0" algn="l">
+            <a:pPr marL="0" lvl="0" indent="0" algn="l" rtl="0">
               <a:spcBef>
                 <a:spcPts val="1600"/>
               </a:spcBef>
@@ -7751,13 +7883,10 @@
               </a:spcAft>
               <a:buNone/>
             </a:pPr>
-            <a:r>
-              <a:t/>
-            </a:r>
             <a:endParaRPr/>
           </a:p>
           <a:p>
-            <a:pPr indent="0" lvl="0" marL="0" rtl="0" algn="l">
+            <a:pPr marL="0" lvl="0" indent="0" algn="l" rtl="0">
               <a:spcBef>
                 <a:spcPts val="1600"/>
               </a:spcBef>
@@ -7766,13 +7895,10 @@
               </a:spcAft>
               <a:buNone/>
             </a:pPr>
-            <a:r>
-              <a:t/>
-            </a:r>
             <a:endParaRPr/>
           </a:p>
           <a:p>
-            <a:pPr indent="0" lvl="0" marL="0" rtl="0" algn="l">
+            <a:pPr marL="0" lvl="0" indent="0" algn="l" rtl="0">
               <a:spcBef>
                 <a:spcPts val="1600"/>
               </a:spcBef>
@@ -7781,9 +7907,6 @@
               </a:spcAft>
               <a:buNone/>
             </a:pPr>
-            <a:r>
-              <a:t/>
-            </a:r>
             <a:endParaRPr/>
           </a:p>
         </p:txBody>
@@ -7853,11 +7976,11 @@
 </file>
 
 <file path=ppt/slides/slide6.xml><?xml version="1.0" encoding="utf-8"?>
-<p:sld xmlns:a="http://schemas.openxmlformats.org/drawingml/2006/main" xmlns:r="http://schemas.openxmlformats.org/officeDocument/2006/relationships" xmlns:mc="http://schemas.openxmlformats.org/markup-compatibility/2006" xmlns:mv="urn:schemas-microsoft-com:mac:vml" xmlns:p="http://schemas.openxmlformats.org/presentationml/2006/main" xmlns:c="http://schemas.openxmlformats.org/drawingml/2006/chart" xmlns:dgm="http://schemas.openxmlformats.org/drawingml/2006/diagram" xmlns:o="urn:schemas-microsoft-com:office:office" xmlns:v="urn:schemas-microsoft-com:vml" xmlns:pvml="urn:schemas-microsoft-com:office:powerpoint" xmlns:com="http://schemas.openxmlformats.org/drawingml/2006/compatibility" xmlns:p14="http://schemas.microsoft.com/office/powerpoint/2010/main" xmlns:p15="http://schemas.microsoft.com/office/powerpoint/2012/main">
+<p:sld xmlns:a="http://schemas.openxmlformats.org/drawingml/2006/main" xmlns:r="http://schemas.openxmlformats.org/officeDocument/2006/relationships" xmlns:p="http://schemas.openxmlformats.org/presentationml/2006/main">
   <p:cSld>
     <p:spTree>
       <p:nvGrpSpPr>
-        <p:cNvPr id="89" name="Shape 89"/>
+        <p:cNvPr id="1" name="Shape 89"/>
         <p:cNvGrpSpPr/>
         <p:nvPr/>
       </p:nvGrpSpPr>
@@ -7872,7 +7995,9 @@
       <p:sp>
         <p:nvSpPr>
           <p:cNvPr id="90" name="Google Shape;90;p18"/>
-          <p:cNvSpPr txBox="1"/>
+          <p:cNvSpPr txBox="1">
+            <a:spLocks noGrp="1"/>
+          </p:cNvSpPr>
           <p:nvPr>
             <p:ph type="title"/>
           </p:nvPr>
@@ -7887,12 +8012,12 @@
           </a:prstGeom>
         </p:spPr>
         <p:txBody>
-          <a:bodyPr anchorCtr="0" anchor="t" bIns="91425" lIns="91425" spcFirstLastPara="1" rIns="91425" wrap="square" tIns="91425">
+          <a:bodyPr spcFirstLastPara="1" wrap="square" lIns="91425" tIns="91425" rIns="91425" bIns="91425" anchor="t" anchorCtr="0">
             <a:noAutofit/>
           </a:bodyPr>
           <a:lstStyle/>
           <a:p>
-            <a:pPr indent="0" lvl="0" marL="0" rtl="0" algn="l">
+            <a:pPr marL="0" lvl="0" indent="0" algn="l" rtl="0">
               <a:spcBef>
                 <a:spcPts val="0"/>
               </a:spcBef>
@@ -7940,9 +8065,11 @@
       <p:sp>
         <p:nvSpPr>
           <p:cNvPr id="92" name="Google Shape;92;p18"/>
-          <p:cNvSpPr txBox="1"/>
+          <p:cNvSpPr txBox="1">
+            <a:spLocks noGrp="1"/>
+          </p:cNvSpPr>
           <p:nvPr>
-            <p:ph idx="1" type="body"/>
+            <p:ph type="body" idx="1"/>
           </p:nvPr>
         </p:nvSpPr>
         <p:spPr>
@@ -7955,12 +8082,12 @@
           </a:prstGeom>
         </p:spPr>
         <p:txBody>
-          <a:bodyPr anchorCtr="0" anchor="t" bIns="91425" lIns="91425" spcFirstLastPara="1" rIns="91425" wrap="square" tIns="91425">
+          <a:bodyPr spcFirstLastPara="1" wrap="square" lIns="91425" tIns="91425" rIns="91425" bIns="91425" anchor="t" anchorCtr="0">
             <a:noAutofit/>
           </a:bodyPr>
           <a:lstStyle/>
           <a:p>
-            <a:pPr indent="0" lvl="0" marL="0" rtl="0" algn="l">
+            <a:pPr marL="0" lvl="0" indent="0" algn="l" rtl="0">
               <a:lnSpc>
                 <a:spcPct val="100000"/>
               </a:lnSpc>
@@ -7973,13 +8100,13 @@
               <a:buNone/>
             </a:pPr>
             <a:r>
-              <a:rPr b="1" lang="zh-CN"/>
+              <a:rPr lang="zh-CN" b="1"/>
               <a:t>R3: Temporal Dynamics</a:t>
             </a:r>
             <a:endParaRPr b="1"/>
           </a:p>
           <a:p>
-            <a:pPr indent="-342900" lvl="0" marL="457200" rtl="0" algn="l">
+            <a:pPr marL="457200" lvl="0" indent="-342900" algn="l" rtl="0">
               <a:spcBef>
                 <a:spcPts val="1600"/>
               </a:spcBef>
@@ -7996,7 +8123,7 @@
             <a:endParaRPr/>
           </a:p>
           <a:p>
-            <a:pPr indent="-342900" lvl="0" marL="457200" rtl="0" algn="l">
+            <a:pPr marL="457200" lvl="0" indent="-342900" algn="l" rtl="0">
               <a:spcBef>
                 <a:spcPts val="0"/>
               </a:spcBef>
@@ -8013,7 +8140,7 @@
             <a:endParaRPr/>
           </a:p>
           <a:p>
-            <a:pPr indent="-342900" lvl="0" marL="457200" rtl="0" algn="l">
+            <a:pPr marL="457200" lvl="0" indent="-342900" algn="l" rtl="0">
               <a:spcBef>
                 <a:spcPts val="0"/>
               </a:spcBef>
@@ -8030,7 +8157,7 @@
             <a:endParaRPr/>
           </a:p>
           <a:p>
-            <a:pPr indent="-342900" lvl="0" marL="457200" rtl="0" algn="l">
+            <a:pPr marL="457200" lvl="0" indent="-342900" algn="l" rtl="0">
               <a:spcBef>
                 <a:spcPts val="0"/>
               </a:spcBef>
@@ -8047,7 +8174,7 @@
             <a:endParaRPr/>
           </a:p>
           <a:p>
-            <a:pPr indent="0" lvl="0" marL="0" rtl="0" algn="l">
+            <a:pPr marL="0" lvl="0" indent="0" algn="l" rtl="0">
               <a:spcBef>
                 <a:spcPts val="0"/>
               </a:spcBef>
@@ -8056,13 +8183,10 @@
               </a:spcAft>
               <a:buNone/>
             </a:pPr>
-            <a:r>
-              <a:t/>
-            </a:r>
             <a:endParaRPr/>
           </a:p>
           <a:p>
-            <a:pPr indent="0" lvl="0" marL="0" rtl="0" algn="l">
+            <a:pPr marL="0" lvl="0" indent="0" algn="l" rtl="0">
               <a:spcBef>
                 <a:spcPts val="1600"/>
               </a:spcBef>
@@ -8071,13 +8195,10 @@
               </a:spcAft>
               <a:buNone/>
             </a:pPr>
-            <a:r>
-              <a:t/>
-            </a:r>
             <a:endParaRPr/>
           </a:p>
           <a:p>
-            <a:pPr indent="0" lvl="0" marL="0" rtl="0" algn="l">
+            <a:pPr marL="0" lvl="0" indent="0" algn="l" rtl="0">
               <a:spcBef>
                 <a:spcPts val="1600"/>
               </a:spcBef>
@@ -8086,9 +8207,6 @@
               </a:spcAft>
               <a:buNone/>
             </a:pPr>
-            <a:r>
-              <a:t/>
-            </a:r>
             <a:endParaRPr/>
           </a:p>
         </p:txBody>
@@ -8103,7 +8221,7 @@
           <a:blip r:embed="rId3">
             <a:alphaModFix/>
           </a:blip>
-          <a:srcRect b="31677" l="34597" r="53698" t="18254"/>
+          <a:srcRect l="34597" t="18254" r="53698" b="31677"/>
           <a:stretch/>
         </p:blipFill>
         <p:spPr>
@@ -8130,7 +8248,7 @@
           <a:blip r:embed="rId3">
             <a:alphaModFix/>
           </a:blip>
-          <a:srcRect b="32034" l="53626" r="35057" t="19185"/>
+          <a:srcRect l="53626" t="19185" r="35057" b="32034"/>
           <a:stretch/>
         </p:blipFill>
         <p:spPr>
@@ -8157,7 +8275,7 @@
           <a:blip r:embed="rId3">
             <a:alphaModFix/>
           </a:blip>
-          <a:srcRect b="29818" l="79148" r="8692" t="19192"/>
+          <a:srcRect l="79148" t="19192" r="8692" b="29818"/>
           <a:stretch/>
         </p:blipFill>
         <p:spPr>
@@ -8184,7 +8302,7 @@
           <a:blip r:embed="rId3">
             <a:alphaModFix/>
           </a:blip>
-          <a:srcRect b="32704" l="72216" r="20737" t="19192"/>
+          <a:srcRect l="72216" t="19192" r="20737" b="32704"/>
           <a:stretch/>
         </p:blipFill>
         <p:spPr>
@@ -8210,11 +8328,11 @@
 </file>
 
 <file path=ppt/slides/slide7.xml><?xml version="1.0" encoding="utf-8"?>
-<p:sld xmlns:a="http://schemas.openxmlformats.org/drawingml/2006/main" xmlns:r="http://schemas.openxmlformats.org/officeDocument/2006/relationships" xmlns:mc="http://schemas.openxmlformats.org/markup-compatibility/2006" xmlns:mv="urn:schemas-microsoft-com:mac:vml" xmlns:p="http://schemas.openxmlformats.org/presentationml/2006/main" xmlns:c="http://schemas.openxmlformats.org/drawingml/2006/chart" xmlns:dgm="http://schemas.openxmlformats.org/drawingml/2006/diagram" xmlns:o="urn:schemas-microsoft-com:office:office" xmlns:v="urn:schemas-microsoft-com:vml" xmlns:pvml="urn:schemas-microsoft-com:office:powerpoint" xmlns:com="http://schemas.openxmlformats.org/drawingml/2006/compatibility" xmlns:p14="http://schemas.microsoft.com/office/powerpoint/2010/main" xmlns:p15="http://schemas.microsoft.com/office/powerpoint/2012/main">
+<p:sld xmlns:a="http://schemas.openxmlformats.org/drawingml/2006/main" xmlns:r="http://schemas.openxmlformats.org/officeDocument/2006/relationships" xmlns:p="http://schemas.openxmlformats.org/presentationml/2006/main">
   <p:cSld>
     <p:spTree>
       <p:nvGrpSpPr>
-        <p:cNvPr id="100" name="Shape 100"/>
+        <p:cNvPr id="1" name="Shape 100"/>
         <p:cNvGrpSpPr/>
         <p:nvPr/>
       </p:nvGrpSpPr>
@@ -8229,7 +8347,9 @@
       <p:sp>
         <p:nvSpPr>
           <p:cNvPr id="101" name="Google Shape;101;p19"/>
-          <p:cNvSpPr txBox="1"/>
+          <p:cNvSpPr txBox="1">
+            <a:spLocks noGrp="1"/>
+          </p:cNvSpPr>
           <p:nvPr>
             <p:ph type="title"/>
           </p:nvPr>
@@ -8244,12 +8364,12 @@
           </a:prstGeom>
         </p:spPr>
         <p:txBody>
-          <a:bodyPr anchorCtr="0" anchor="t" bIns="91425" lIns="91425" spcFirstLastPara="1" rIns="91425" wrap="square" tIns="91425">
+          <a:bodyPr spcFirstLastPara="1" wrap="square" lIns="91425" tIns="91425" rIns="91425" bIns="91425" anchor="t" anchorCtr="0">
             <a:noAutofit/>
           </a:bodyPr>
           <a:lstStyle/>
           <a:p>
-            <a:pPr indent="0" lvl="0" marL="0" rtl="0" algn="l">
+            <a:pPr marL="0" lvl="0" indent="0" algn="l" rtl="0">
               <a:spcBef>
                 <a:spcPts val="0"/>
               </a:spcBef>
@@ -8269,9 +8389,11 @@
       <p:sp>
         <p:nvSpPr>
           <p:cNvPr id="102" name="Google Shape;102;p19"/>
-          <p:cNvSpPr txBox="1"/>
+          <p:cNvSpPr txBox="1">
+            <a:spLocks noGrp="1"/>
+          </p:cNvSpPr>
           <p:nvPr>
-            <p:ph idx="1" type="body"/>
+            <p:ph type="body" idx="1"/>
           </p:nvPr>
         </p:nvSpPr>
         <p:spPr>
@@ -8284,12 +8406,12 @@
           </a:prstGeom>
         </p:spPr>
         <p:txBody>
-          <a:bodyPr anchorCtr="0" anchor="t" bIns="91425" lIns="91425" spcFirstLastPara="1" rIns="91425" wrap="square" tIns="91425">
+          <a:bodyPr spcFirstLastPara="1" wrap="square" lIns="91425" tIns="91425" rIns="91425" bIns="91425" anchor="t" anchorCtr="0">
             <a:noAutofit/>
           </a:bodyPr>
           <a:lstStyle/>
           <a:p>
-            <a:pPr indent="-342900" lvl="0" marL="457200" rtl="0" algn="l">
+            <a:pPr marL="457200" lvl="0" indent="-342900" algn="l" rtl="0">
               <a:spcBef>
                 <a:spcPts val="0"/>
               </a:spcBef>
@@ -8300,27 +8422,20 @@
               <a:buChar char="-"/>
             </a:pPr>
             <a:r>
-              <a:rPr b="1" lang="zh-CN"/>
+              <a:rPr lang="zh-CN" b="1" dirty="0"/>
               <a:t>A1 + P2</a:t>
             </a:r>
-            <a:endParaRPr/>
-          </a:p>
-          <a:p>
-            <a:pPr indent="-317500" lvl="1" marL="914400" marR="0" rtl="0" algn="l">
-              <a:lnSpc>
-                <a:spcPct val="115000"/>
-              </a:lnSpc>
-              <a:spcBef>
-                <a:spcPts val="0"/>
-              </a:spcBef>
-              <a:spcAft>
-                <a:spcPts val="0"/>
-              </a:spcAft>
-              <a:buSzPts val="1400"/>
+            <a:endParaRPr dirty="0"/>
+          </a:p>
+          <a:p>
+            <a:pPr lvl="1">
+              <a:spcBef>
+                <a:spcPts val="0"/>
+              </a:spcBef>
               <a:buChar char="-"/>
             </a:pPr>
             <a:r>
-              <a:rPr lang="zh-CN" sz="1050">
+              <a:rPr lang="en-US" altLang="zh-CN" sz="1050" dirty="0">
                 <a:solidFill>
                   <a:srgbClr val="000000"/>
                 </a:solidFill>
@@ -8332,9 +8447,24 @@
                 <a:cs typeface="Arial"/>
                 <a:sym typeface="Arial"/>
               </a:rPr>
-              <a:t>traing time: 61.04s</a:t>
+              <a:t>training </a:t>
             </a:r>
-            <a:endParaRPr sz="1050">
+            <a:r>
+              <a:rPr lang="zh-CN" sz="1050" dirty="0">
+                <a:solidFill>
+                  <a:srgbClr val="000000"/>
+                </a:solidFill>
+                <a:highlight>
+                  <a:srgbClr val="FFFFFF"/>
+                </a:highlight>
+                <a:latin typeface="Arial"/>
+                <a:ea typeface="Arial"/>
+                <a:cs typeface="Arial"/>
+                <a:sym typeface="Arial"/>
+              </a:rPr>
+              <a:t>time: 61.04s</a:t>
+            </a:r>
+            <a:endParaRPr sz="1050" dirty="0">
               <a:solidFill>
                 <a:srgbClr val="000000"/>
               </a:solidFill>
@@ -8348,7 +8478,7 @@
             </a:endParaRPr>
           </a:p>
           <a:p>
-            <a:pPr indent="-317500" lvl="1" marL="914400" marR="0" rtl="0" algn="l">
+            <a:pPr marL="914400" marR="0" lvl="1" indent="-317500" algn="l" rtl="0">
               <a:lnSpc>
                 <a:spcPct val="115000"/>
               </a:lnSpc>
@@ -8362,7 +8492,7 @@
               <a:buChar char="-"/>
             </a:pPr>
             <a:r>
-              <a:rPr lang="zh-CN" sz="1050">
+              <a:rPr lang="zh-CN" sz="1050" dirty="0">
                 <a:solidFill>
                   <a:srgbClr val="000000"/>
                 </a:solidFill>
@@ -8374,9 +8504,24 @@
                 <a:cs typeface="Arial"/>
                 <a:sym typeface="Arial"/>
               </a:rPr>
-              <a:t>training RMSE: 1.1148982047890341</a:t>
+              <a:t>training RMSE: </a:t>
             </a:r>
-            <a:endParaRPr sz="1050">
+            <a:r>
+              <a:rPr lang="zh-CN" sz="1050" b="1" dirty="0">
+                <a:solidFill>
+                  <a:srgbClr val="000000"/>
+                </a:solidFill>
+                <a:highlight>
+                  <a:srgbClr val="FFFFFF"/>
+                </a:highlight>
+                <a:latin typeface="Arial"/>
+                <a:ea typeface="Arial"/>
+                <a:cs typeface="Arial"/>
+                <a:sym typeface="Arial"/>
+              </a:rPr>
+              <a:t>1.1148982047890341</a:t>
+            </a:r>
+            <a:endParaRPr sz="1050" b="1" dirty="0">
               <a:solidFill>
                 <a:srgbClr val="000000"/>
               </a:solidFill>
@@ -8390,7 +8535,7 @@
             </a:endParaRPr>
           </a:p>
           <a:p>
-            <a:pPr indent="-317500" lvl="1" marL="914400" marR="0" rtl="0" algn="l">
+            <a:pPr marL="914400" marR="0" lvl="1" indent="-317500" algn="l" rtl="0">
               <a:lnSpc>
                 <a:spcPct val="115000"/>
               </a:lnSpc>
@@ -8404,7 +8549,7 @@
               <a:buChar char="-"/>
             </a:pPr>
             <a:r>
-              <a:rPr lang="zh-CN" sz="1050">
+              <a:rPr lang="zh-CN" sz="1050" dirty="0">
                 <a:solidFill>
                   <a:srgbClr val="000000"/>
                 </a:solidFill>
@@ -8418,7 +8563,7 @@
               </a:rPr>
               <a:t>test RMSE: 1.3264017569857391</a:t>
             </a:r>
-            <a:endParaRPr sz="1050">
+            <a:endParaRPr sz="1050" dirty="0">
               <a:solidFill>
                 <a:srgbClr val="000000"/>
               </a:solidFill>
@@ -8432,7 +8577,7 @@
             </a:endParaRPr>
           </a:p>
           <a:p>
-            <a:pPr indent="-317500" lvl="1" marL="914400" rtl="0" algn="l">
+            <a:pPr marL="914400" lvl="1" indent="-317500" algn="l" rtl="0">
               <a:spcBef>
                 <a:spcPts val="0"/>
               </a:spcBef>
@@ -8443,7 +8588,7 @@
               <a:buChar char="-"/>
             </a:pPr>
             <a:r>
-              <a:rPr lang="zh-CN" sz="1050">
+              <a:rPr lang="zh-CN" sz="1050" dirty="0">
                 <a:solidFill>
                   <a:srgbClr val="000000"/>
                 </a:solidFill>
@@ -8457,10 +8602,10 @@
               </a:rPr>
               <a:t>predict time: 1.25s</a:t>
             </a:r>
-            <a:endParaRPr/>
-          </a:p>
-          <a:p>
-            <a:pPr indent="-342900" lvl="0" marL="457200" rtl="0" algn="l">
+            <a:endParaRPr dirty="0"/>
+          </a:p>
+          <a:p>
+            <a:pPr marL="457200" lvl="0" indent="-342900" algn="l" rtl="0">
               <a:spcBef>
                 <a:spcPts val="0"/>
               </a:spcBef>
@@ -8471,27 +8616,20 @@
               <a:buChar char="-"/>
             </a:pPr>
             <a:r>
-              <a:rPr b="1" lang="zh-CN"/>
+              <a:rPr lang="zh-CN" b="1" dirty="0"/>
               <a:t>A1 + R1 + R2 +P2</a:t>
             </a:r>
-            <a:endParaRPr/>
-          </a:p>
-          <a:p>
-            <a:pPr indent="-317500" lvl="1" marL="914400" marR="0" rtl="0" algn="l">
-              <a:lnSpc>
-                <a:spcPct val="115000"/>
-              </a:lnSpc>
-              <a:spcBef>
-                <a:spcPts val="0"/>
-              </a:spcBef>
-              <a:spcAft>
-                <a:spcPts val="0"/>
-              </a:spcAft>
-              <a:buSzPts val="1400"/>
+            <a:endParaRPr dirty="0"/>
+          </a:p>
+          <a:p>
+            <a:pPr lvl="1">
+              <a:spcBef>
+                <a:spcPts val="0"/>
+              </a:spcBef>
               <a:buChar char="-"/>
             </a:pPr>
             <a:r>
-              <a:rPr lang="zh-CN" sz="1050">
+              <a:rPr lang="en-US" altLang="zh-CN" sz="1050" dirty="0">
                 <a:solidFill>
                   <a:srgbClr val="000000"/>
                 </a:solidFill>
@@ -8503,9 +8641,24 @@
                 <a:cs typeface="Arial"/>
                 <a:sym typeface="Arial"/>
               </a:rPr>
-              <a:t>traing time: 43.17s</a:t>
+              <a:t>training </a:t>
             </a:r>
-            <a:endParaRPr sz="1050">
+            <a:r>
+              <a:rPr lang="zh-CN" sz="1050" dirty="0">
+                <a:solidFill>
+                  <a:srgbClr val="000000"/>
+                </a:solidFill>
+                <a:highlight>
+                  <a:srgbClr val="FFFFFF"/>
+                </a:highlight>
+                <a:latin typeface="Arial"/>
+                <a:ea typeface="Arial"/>
+                <a:cs typeface="Arial"/>
+                <a:sym typeface="Arial"/>
+              </a:rPr>
+              <a:t>time: 43.17s</a:t>
+            </a:r>
+            <a:endParaRPr sz="1050" dirty="0">
               <a:solidFill>
                 <a:srgbClr val="000000"/>
               </a:solidFill>
@@ -8519,7 +8672,7 @@
             </a:endParaRPr>
           </a:p>
           <a:p>
-            <a:pPr indent="-317500" lvl="1" marL="914400" marR="0" rtl="0" algn="l">
+            <a:pPr marL="914400" marR="0" lvl="1" indent="-317500" algn="l" rtl="0">
               <a:lnSpc>
                 <a:spcPct val="115000"/>
               </a:lnSpc>
@@ -8533,7 +8686,7 @@
               <a:buChar char="-"/>
             </a:pPr>
             <a:r>
-              <a:rPr lang="zh-CN" sz="1050">
+              <a:rPr lang="zh-CN" sz="1050" dirty="0">
                 <a:solidFill>
                   <a:srgbClr val="000000"/>
                 </a:solidFill>
@@ -8547,7 +8700,7 @@
               </a:rPr>
               <a:t>training RMSE: 1.3075645495888117</a:t>
             </a:r>
-            <a:endParaRPr sz="1050">
+            <a:endParaRPr sz="1050" dirty="0">
               <a:solidFill>
                 <a:srgbClr val="000000"/>
               </a:solidFill>
@@ -8561,7 +8714,7 @@
             </a:endParaRPr>
           </a:p>
           <a:p>
-            <a:pPr indent="-317500" lvl="1" marL="914400" marR="0" rtl="0" algn="l">
+            <a:pPr marL="914400" marR="0" lvl="1" indent="-317500" algn="l" rtl="0">
               <a:lnSpc>
                 <a:spcPct val="115000"/>
               </a:lnSpc>
@@ -8575,7 +8728,7 @@
               <a:buChar char="-"/>
             </a:pPr>
             <a:r>
-              <a:rPr lang="zh-CN" sz="1050">
+              <a:rPr lang="zh-CN" sz="1050" dirty="0">
                 <a:solidFill>
                   <a:srgbClr val="000000"/>
                 </a:solidFill>
@@ -8587,9 +8740,24 @@
                 <a:cs typeface="Arial"/>
                 <a:sym typeface="Arial"/>
               </a:rPr>
-              <a:t>test RMSE: 1.3142293919448083</a:t>
+              <a:t>test RMSE: </a:t>
             </a:r>
-            <a:endParaRPr sz="1050">
+            <a:r>
+              <a:rPr lang="zh-CN" sz="1050" b="1" dirty="0">
+                <a:solidFill>
+                  <a:srgbClr val="000000"/>
+                </a:solidFill>
+                <a:highlight>
+                  <a:srgbClr val="FFFFFF"/>
+                </a:highlight>
+                <a:latin typeface="Arial"/>
+                <a:ea typeface="Arial"/>
+                <a:cs typeface="Arial"/>
+                <a:sym typeface="Arial"/>
+              </a:rPr>
+              <a:t>1.3142293919448083</a:t>
+            </a:r>
+            <a:endParaRPr sz="1050" b="1" dirty="0">
               <a:solidFill>
                 <a:srgbClr val="000000"/>
               </a:solidFill>
@@ -8603,7 +8771,7 @@
             </a:endParaRPr>
           </a:p>
           <a:p>
-            <a:pPr indent="-317500" lvl="1" marL="914400" rtl="0" algn="l">
+            <a:pPr marL="914400" lvl="1" indent="-317500" algn="l" rtl="0">
               <a:spcBef>
                 <a:spcPts val="0"/>
               </a:spcBef>
@@ -8614,7 +8782,7 @@
               <a:buChar char="-"/>
             </a:pPr>
             <a:r>
-              <a:rPr lang="zh-CN" sz="1050">
+              <a:rPr lang="zh-CN" sz="1050" dirty="0">
                 <a:solidFill>
                   <a:srgbClr val="000000"/>
                 </a:solidFill>
@@ -8628,10 +8796,10 @@
               </a:rPr>
               <a:t>predict time: 1.10s</a:t>
             </a:r>
-            <a:endParaRPr/>
-          </a:p>
-          <a:p>
-            <a:pPr indent="-342900" lvl="0" marL="457200" rtl="0" algn="l">
+            <a:endParaRPr dirty="0"/>
+          </a:p>
+          <a:p>
+            <a:pPr marL="457200" lvl="0" indent="-342900" algn="l" rtl="0">
               <a:spcBef>
                 <a:spcPts val="0"/>
               </a:spcBef>
@@ -8642,24 +8810,20 @@
               <a:buChar char="-"/>
             </a:pPr>
             <a:r>
-              <a:rPr b="1" lang="zh-CN"/>
+              <a:rPr lang="zh-CN" b="1" dirty="0"/>
               <a:t>A1 + R3 +P2</a:t>
             </a:r>
-            <a:endParaRPr b="1"/>
-          </a:p>
-          <a:p>
-            <a:pPr indent="-317500" lvl="1" marL="914400" rtl="0" algn="l">
-              <a:spcBef>
-                <a:spcPts val="0"/>
-              </a:spcBef>
-              <a:spcAft>
-                <a:spcPts val="0"/>
-              </a:spcAft>
-              <a:buSzPts val="1400"/>
+            <a:endParaRPr b="1" dirty="0"/>
+          </a:p>
+          <a:p>
+            <a:pPr lvl="1">
+              <a:spcBef>
+                <a:spcPts val="0"/>
+              </a:spcBef>
               <a:buChar char="-"/>
             </a:pPr>
             <a:r>
-              <a:rPr lang="zh-CN" sz="1050">
+              <a:rPr lang="en-US" altLang="zh-CN" sz="1050" dirty="0">
                 <a:solidFill>
                   <a:srgbClr val="000000"/>
                 </a:solidFill>
@@ -8671,9 +8835,39 @@
                 <a:cs typeface="Arial"/>
                 <a:sym typeface="Arial"/>
               </a:rPr>
-              <a:t>traing time: 193.99s</a:t>
+              <a:t>training </a:t>
             </a:r>
-            <a:endParaRPr sz="1050">
+            <a:r>
+              <a:rPr lang="zh-CN" sz="1050" dirty="0">
+                <a:solidFill>
+                  <a:srgbClr val="000000"/>
+                </a:solidFill>
+                <a:highlight>
+                  <a:srgbClr val="FFFFFF"/>
+                </a:highlight>
+                <a:latin typeface="Arial"/>
+                <a:ea typeface="Arial"/>
+                <a:cs typeface="Arial"/>
+                <a:sym typeface="Arial"/>
+              </a:rPr>
+              <a:t>time: </a:t>
+            </a:r>
+            <a:r>
+              <a:rPr lang="zh-CN" sz="1050" b="1" dirty="0">
+                <a:solidFill>
+                  <a:srgbClr val="000000"/>
+                </a:solidFill>
+                <a:highlight>
+                  <a:srgbClr val="FFFFFF"/>
+                </a:highlight>
+                <a:latin typeface="Arial"/>
+                <a:ea typeface="Arial"/>
+                <a:cs typeface="Arial"/>
+                <a:sym typeface="Arial"/>
+              </a:rPr>
+              <a:t>193.99s</a:t>
+            </a:r>
+            <a:endParaRPr sz="1050" b="1" dirty="0">
               <a:solidFill>
                 <a:srgbClr val="000000"/>
               </a:solidFill>
@@ -8687,7 +8881,7 @@
             </a:endParaRPr>
           </a:p>
           <a:p>
-            <a:pPr indent="-317500" lvl="1" marL="914400" rtl="0" algn="l">
+            <a:pPr marL="914400" lvl="1" indent="-317500" algn="l" rtl="0">
               <a:spcBef>
                 <a:spcPts val="0"/>
               </a:spcBef>
@@ -8698,7 +8892,7 @@
               <a:buChar char="-"/>
             </a:pPr>
             <a:r>
-              <a:rPr lang="zh-CN" sz="1050">
+              <a:rPr lang="zh-CN" sz="1050" dirty="0">
                 <a:solidFill>
                   <a:srgbClr val="000000"/>
                 </a:solidFill>
@@ -8712,7 +8906,7 @@
               </a:rPr>
               <a:t>training RMSE: 1.951583236864158</a:t>
             </a:r>
-            <a:endParaRPr sz="1050">
+            <a:endParaRPr sz="1050" dirty="0">
               <a:solidFill>
                 <a:srgbClr val="000000"/>
               </a:solidFill>
@@ -8726,7 +8920,7 @@
             </a:endParaRPr>
           </a:p>
           <a:p>
-            <a:pPr indent="-317500" lvl="1" marL="914400" rtl="0" algn="l">
+            <a:pPr marL="914400" lvl="1" indent="-317500" algn="l" rtl="0">
               <a:spcBef>
                 <a:spcPts val="0"/>
               </a:spcBef>
@@ -8737,7 +8931,7 @@
               <a:buChar char="-"/>
             </a:pPr>
             <a:r>
-              <a:rPr lang="zh-CN" sz="1050">
+              <a:rPr lang="zh-CN" sz="1050" dirty="0">
                 <a:solidFill>
                   <a:srgbClr val="000000"/>
                 </a:solidFill>
@@ -8751,7 +8945,7 @@
               </a:rPr>
               <a:t>test RMSE: 1.9360600415169795</a:t>
             </a:r>
-            <a:endParaRPr sz="1050">
+            <a:endParaRPr sz="1050" dirty="0">
               <a:solidFill>
                 <a:srgbClr val="000000"/>
               </a:solidFill>
@@ -8765,7 +8959,7 @@
             </a:endParaRPr>
           </a:p>
           <a:p>
-            <a:pPr indent="-317500" lvl="1" marL="914400" rtl="0" algn="l">
+            <a:pPr marL="914400" lvl="1" indent="-317500" algn="l" rtl="0">
               <a:spcBef>
                 <a:spcPts val="0"/>
               </a:spcBef>
@@ -8776,7 +8970,7 @@
               <a:buChar char="-"/>
             </a:pPr>
             <a:r>
-              <a:rPr lang="zh-CN" sz="1050">
+              <a:rPr lang="zh-CN" sz="1050" dirty="0">
                 <a:solidFill>
                   <a:srgbClr val="000000"/>
                 </a:solidFill>
@@ -8790,7 +8984,7 @@
               </a:rPr>
               <a:t>predict time: 1.04s</a:t>
             </a:r>
-            <a:endParaRPr sz="1050">
+            <a:endParaRPr sz="1050" dirty="0">
               <a:solidFill>
                 <a:srgbClr val="000000"/>
               </a:solidFill>
@@ -8804,7 +8998,7 @@
             </a:endParaRPr>
           </a:p>
           <a:p>
-            <a:pPr indent="0" lvl="0" marL="0" rtl="0" algn="l">
+            <a:pPr marL="0" lvl="0" indent="0" algn="l" rtl="0">
               <a:spcBef>
                 <a:spcPts val="0"/>
               </a:spcBef>
@@ -8813,10 +9007,7 @@
               </a:spcAft>
               <a:buNone/>
             </a:pPr>
-            <a:r>
-              <a:t/>
-            </a:r>
-            <a:endParaRPr sz="1050">
+            <a:endParaRPr sz="1050" dirty="0">
               <a:solidFill>
                 <a:srgbClr val="000000"/>
               </a:solidFill>
@@ -8830,7 +9021,7 @@
             </a:endParaRPr>
           </a:p>
           <a:p>
-            <a:pPr indent="0" lvl="0" marL="0" rtl="0" algn="l">
+            <a:pPr marL="0" lvl="0" indent="0" algn="l" rtl="0">
               <a:spcBef>
                 <a:spcPts val="0"/>
               </a:spcBef>
@@ -8839,10 +9030,7 @@
               </a:spcAft>
               <a:buNone/>
             </a:pPr>
-            <a:r>
-              <a:t/>
-            </a:r>
-            <a:endParaRPr/>
+            <a:endParaRPr dirty="0"/>
           </a:p>
         </p:txBody>
       </p:sp>
@@ -8855,11 +9043,11 @@
 </file>
 
 <file path=ppt/slides/slide8.xml><?xml version="1.0" encoding="utf-8"?>
-<p:sld xmlns:a="http://schemas.openxmlformats.org/drawingml/2006/main" xmlns:r="http://schemas.openxmlformats.org/officeDocument/2006/relationships" xmlns:mc="http://schemas.openxmlformats.org/markup-compatibility/2006" xmlns:mv="urn:schemas-microsoft-com:mac:vml" xmlns:p="http://schemas.openxmlformats.org/presentationml/2006/main" xmlns:c="http://schemas.openxmlformats.org/drawingml/2006/chart" xmlns:dgm="http://schemas.openxmlformats.org/drawingml/2006/diagram" xmlns:o="urn:schemas-microsoft-com:office:office" xmlns:v="urn:schemas-microsoft-com:vml" xmlns:pvml="urn:schemas-microsoft-com:office:powerpoint" xmlns:com="http://schemas.openxmlformats.org/drawingml/2006/compatibility" xmlns:p14="http://schemas.microsoft.com/office/powerpoint/2010/main" xmlns:p15="http://schemas.microsoft.com/office/powerpoint/2012/main">
+<p:sld xmlns:a="http://schemas.openxmlformats.org/drawingml/2006/main" xmlns:r="http://schemas.openxmlformats.org/officeDocument/2006/relationships" xmlns:p="http://schemas.openxmlformats.org/presentationml/2006/main">
   <p:cSld>
     <p:spTree>
       <p:nvGrpSpPr>
-        <p:cNvPr id="106" name="Shape 106"/>
+        <p:cNvPr id="1" name="Shape 106"/>
         <p:cNvGrpSpPr/>
         <p:nvPr/>
       </p:nvGrpSpPr>
@@ -8874,7 +9062,9 @@
       <p:sp>
         <p:nvSpPr>
           <p:cNvPr id="107" name="Google Shape;107;p20"/>
-          <p:cNvSpPr txBox="1"/>
+          <p:cNvSpPr txBox="1">
+            <a:spLocks noGrp="1"/>
+          </p:cNvSpPr>
           <p:nvPr>
             <p:ph type="title"/>
           </p:nvPr>
@@ -8889,12 +9079,12 @@
           </a:prstGeom>
         </p:spPr>
         <p:txBody>
-          <a:bodyPr anchorCtr="0" anchor="t" bIns="91425" lIns="91425" spcFirstLastPara="1" rIns="91425" wrap="square" tIns="91425">
+          <a:bodyPr spcFirstLastPara="1" wrap="square" lIns="91425" tIns="91425" rIns="91425" bIns="91425" anchor="t" anchorCtr="0">
             <a:noAutofit/>
           </a:bodyPr>
           <a:lstStyle/>
           <a:p>
-            <a:pPr indent="0" lvl="0" marL="0" rtl="0" algn="l">
+            <a:pPr marL="0" lvl="0" indent="0" algn="l" rtl="0">
               <a:spcBef>
                 <a:spcPts val="0"/>
               </a:spcBef>
@@ -8930,9 +9120,11 @@
       <p:sp>
         <p:nvSpPr>
           <p:cNvPr id="108" name="Google Shape;108;p20"/>
-          <p:cNvSpPr txBox="1"/>
+          <p:cNvSpPr txBox="1">
+            <a:spLocks noGrp="1"/>
+          </p:cNvSpPr>
           <p:nvPr>
-            <p:ph idx="1" type="body"/>
+            <p:ph type="body" idx="1"/>
           </p:nvPr>
         </p:nvSpPr>
         <p:spPr>
@@ -8945,12 +9137,12 @@
           </a:prstGeom>
         </p:spPr>
         <p:txBody>
-          <a:bodyPr anchorCtr="0" anchor="t" bIns="91425" lIns="91425" spcFirstLastPara="1" rIns="91425" wrap="square" tIns="91425">
+          <a:bodyPr spcFirstLastPara="1" wrap="square" lIns="91425" tIns="91425" rIns="91425" bIns="91425" anchor="t" anchorCtr="0">
             <a:noAutofit/>
           </a:bodyPr>
           <a:lstStyle/>
           <a:p>
-            <a:pPr indent="-342900" lvl="0" marL="457200" rtl="0" algn="l">
+            <a:pPr marL="457200" lvl="0" indent="-342900" algn="l" rtl="0">
               <a:spcBef>
                 <a:spcPts val="0"/>
               </a:spcBef>
@@ -8967,7 +9159,7 @@
             <a:endParaRPr/>
           </a:p>
           <a:p>
-            <a:pPr indent="-317500" lvl="1" marL="914400" rtl="0" algn="l">
+            <a:pPr marL="914400" lvl="1" indent="-317500" algn="l" rtl="0">
               <a:spcBef>
                 <a:spcPts val="0"/>
               </a:spcBef>
@@ -8984,7 +9176,7 @@
             <a:endParaRPr/>
           </a:p>
           <a:p>
-            <a:pPr indent="-317500" lvl="1" marL="914400" rtl="0" algn="l">
+            <a:pPr marL="914400" lvl="1" indent="-317500" algn="l" rtl="0">
               <a:spcBef>
                 <a:spcPts val="0"/>
               </a:spcBef>
@@ -9001,7 +9193,7 @@
             <a:endParaRPr/>
           </a:p>
           <a:p>
-            <a:pPr indent="-317500" lvl="1" marL="914400" rtl="0" algn="l">
+            <a:pPr marL="914400" lvl="1" indent="-317500" algn="l" rtl="0">
               <a:spcBef>
                 <a:spcPts val="0"/>
               </a:spcBef>
@@ -9018,7 +9210,7 @@
             <a:endParaRPr/>
           </a:p>
           <a:p>
-            <a:pPr indent="0" lvl="0" marL="0" rtl="0" algn="l">
+            <a:pPr marL="0" lvl="0" indent="0" algn="l" rtl="0">
               <a:spcBef>
                 <a:spcPts val="1600"/>
               </a:spcBef>
@@ -9027,13 +9219,10 @@
               </a:spcAft>
               <a:buNone/>
             </a:pPr>
-            <a:r>
-              <a:t/>
-            </a:r>
             <a:endParaRPr/>
           </a:p>
           <a:p>
-            <a:pPr indent="-342900" lvl="0" marL="457200" rtl="0" algn="l">
+            <a:pPr marL="457200" lvl="0" indent="-342900" algn="l" rtl="0">
               <a:spcBef>
                 <a:spcPts val="1600"/>
               </a:spcBef>
@@ -9050,7 +9239,7 @@
             <a:endParaRPr/>
           </a:p>
           <a:p>
-            <a:pPr indent="-317500" lvl="1" marL="914400" rtl="0" algn="l">
+            <a:pPr marL="914400" lvl="1" indent="-317500" algn="l" rtl="0">
               <a:spcBef>
                 <a:spcPts val="0"/>
               </a:spcBef>
@@ -9067,7 +9256,7 @@
             <a:endParaRPr/>
           </a:p>
           <a:p>
-            <a:pPr indent="-317500" lvl="1" marL="914400" rtl="0" algn="l">
+            <a:pPr marL="914400" lvl="1" indent="-317500" algn="l" rtl="0">
               <a:spcBef>
                 <a:spcPts val="0"/>
               </a:spcBef>
@@ -9084,7 +9273,7 @@
             <a:endParaRPr/>
           </a:p>
           <a:p>
-            <a:pPr indent="-317500" lvl="1" marL="914400" rtl="0" algn="l">
+            <a:pPr marL="914400" lvl="1" indent="-317500" algn="l" rtl="0">
               <a:spcBef>
                 <a:spcPts val="0"/>
               </a:spcBef>
@@ -9111,7 +9300,7 @@
 </file>
 
 <file path=ppt/theme/theme1.xml><?xml version="1.0" encoding="utf-8"?>
-<a:theme xmlns:a="http://schemas.openxmlformats.org/drawingml/2006/main" xmlns:r="http://schemas.openxmlformats.org/officeDocument/2006/relationships" name="Gameday">
+<a:theme xmlns:a="http://schemas.openxmlformats.org/drawingml/2006/main" name="Gameday">
   <a:themeElements>
     <a:clrScheme name="Gameday">
       <a:dk1>
@@ -9386,11 +9575,13 @@
       </a:bgFillStyleLst>
     </a:fmtScheme>
   </a:themeElements>
+  <a:objectDefaults/>
+  <a:extraClrSchemeLst/>
 </a:theme>
 </file>
 
 <file path=ppt/theme/theme2.xml><?xml version="1.0" encoding="utf-8"?>
-<a:theme xmlns:a="http://schemas.openxmlformats.org/drawingml/2006/main" xmlns:r="http://schemas.openxmlformats.org/officeDocument/2006/relationships">
+<a:theme xmlns:a="http://schemas.openxmlformats.org/drawingml/2006/main">
   <a:themeElements>
     <a:clrScheme name="Default">
       <a:dk1>
@@ -9665,5 +9856,7 @@
       </a:bgFillStyleLst>
     </a:fmtScheme>
   </a:themeElements>
+  <a:objectDefaults/>
+  <a:extraClrSchemeLst/>
 </a:theme>
 </file>
--- a/Project 4 Goup1.pptx
+++ b/Project 4 Goup1.pptx
@@ -1485,7 +1485,7 @@
         </p:nvSpPr>
         <p:spPr>
           <a:xfrm>
-            <a:off x="381300" y="685800"/>
+            <a:off x="381000" y="685800"/>
             <a:ext cx="6096000" cy="3429000"/>
           </a:xfrm>
           <a:custGeom>
@@ -9153,10 +9153,10 @@
               <a:buChar char="-"/>
             </a:pPr>
             <a:r>
-              <a:rPr lang="zh-CN"/>
+              <a:rPr lang="zh-CN" dirty="0"/>
               <a:t>Penalize magnititude + bias and intercept:</a:t>
             </a:r>
-            <a:endParaRPr/>
+            <a:endParaRPr dirty="0"/>
           </a:p>
           <a:p>
             <a:pPr marL="914400" lvl="1" indent="-317500" algn="l" rtl="0">
@@ -9170,10 +9170,10 @@
               <a:buChar char="-"/>
             </a:pPr>
             <a:r>
-              <a:rPr lang="zh-CN"/>
+              <a:rPr lang="zh-CN" dirty="0"/>
               <a:t>increased accuracy (lower RMSE)</a:t>
             </a:r>
-            <a:endParaRPr/>
+            <a:endParaRPr dirty="0"/>
           </a:p>
           <a:p>
             <a:pPr marL="914400" lvl="1" indent="-317500" algn="l" rtl="0">
@@ -9187,10 +9187,10 @@
               <a:buChar char="-"/>
             </a:pPr>
             <a:r>
-              <a:rPr lang="zh-CN"/>
+              <a:rPr lang="zh-CN" dirty="0"/>
               <a:t>avoided overfitting (test &amp; train RMSE decreased)</a:t>
             </a:r>
-            <a:endParaRPr/>
+            <a:endParaRPr dirty="0"/>
           </a:p>
           <a:p>
             <a:pPr marL="914400" lvl="1" indent="-317500" algn="l" rtl="0">
@@ -9204,10 +9204,10 @@
               <a:buChar char="-"/>
             </a:pPr>
             <a:r>
-              <a:rPr lang="zh-CN"/>
+              <a:rPr lang="zh-CN" dirty="0"/>
               <a:t>faster running time</a:t>
             </a:r>
-            <a:endParaRPr/>
+            <a:endParaRPr dirty="0"/>
           </a:p>
           <a:p>
             <a:pPr marL="0" lvl="0" indent="0" algn="l" rtl="0">
@@ -9219,7 +9219,7 @@
               </a:spcAft>
               <a:buNone/>
             </a:pPr>
-            <a:endParaRPr/>
+            <a:endParaRPr dirty="0"/>
           </a:p>
           <a:p>
             <a:pPr marL="457200" lvl="0" indent="-342900" algn="l" rtl="0">
@@ -9233,10 +9233,10 @@
               <a:buChar char="-"/>
             </a:pPr>
             <a:r>
-              <a:rPr lang="zh-CN"/>
+              <a:rPr lang="zh-CN" dirty="0"/>
               <a:t>Temporal Dynamic </a:t>
             </a:r>
-            <a:endParaRPr/>
+            <a:endParaRPr dirty="0"/>
           </a:p>
           <a:p>
             <a:pPr marL="914400" lvl="1" indent="-317500" algn="l" rtl="0">
@@ -9250,10 +9250,10 @@
               <a:buChar char="-"/>
             </a:pPr>
             <a:r>
-              <a:rPr lang="zh-CN"/>
+              <a:rPr lang="zh-CN" dirty="0"/>
               <a:t>avoided overfitting (test &amp; train RMSE decreased)</a:t>
             </a:r>
-            <a:endParaRPr/>
+            <a:endParaRPr dirty="0"/>
           </a:p>
           <a:p>
             <a:pPr marL="914400" lvl="1" indent="-317500" algn="l" rtl="0">
@@ -9267,10 +9267,31 @@
               <a:buChar char="-"/>
             </a:pPr>
             <a:r>
-              <a:rPr lang="zh-CN"/>
+              <a:rPr lang="zh-CN" dirty="0"/>
               <a:t>accuracy did not improve (tuning parameters)</a:t>
             </a:r>
-            <a:endParaRPr/>
+            <a:endParaRPr lang="en-US" altLang="zh-CN" dirty="0"/>
+          </a:p>
+          <a:p>
+            <a:pPr lvl="1">
+              <a:spcBef>
+                <a:spcPts val="0"/>
+              </a:spcBef>
+              <a:buChar char="-"/>
+            </a:pPr>
+            <a:r>
+              <a:rPr lang="en-US" dirty="0"/>
+              <a:t>time stamp not continuous (</a:t>
+            </a:r>
+            <a:r>
+              <a:rPr lang="en-US" dirty="0" err="1"/>
+              <a:t>e.x</a:t>
+            </a:r>
+            <a:r>
+              <a:rPr lang="en-US"/>
+              <a:t> person rates very different # movies each year)</a:t>
+            </a:r>
+            <a:endParaRPr dirty="0"/>
           </a:p>
           <a:p>
             <a:pPr marL="914400" lvl="1" indent="-317500" algn="l" rtl="0">
@@ -9284,10 +9305,10 @@
               <a:buChar char="-"/>
             </a:pPr>
             <a:r>
-              <a:rPr lang="zh-CN"/>
+              <a:rPr lang="zh-CN" dirty="0"/>
               <a:t>running time slower</a:t>
             </a:r>
-            <a:endParaRPr/>
+            <a:endParaRPr dirty="0"/>
           </a:p>
         </p:txBody>
       </p:sp>
